--- a/lectures/Lect07_Optim.pptx
+++ b/lectures/Lect07_Optim.pptx
@@ -265,7 +265,7 @@
           <a:p>
             <a:fld id="{B7D6DDD3-D7E9-488B-B626-1E8285E424D8}" type="datetimeFigureOut">
               <a:rPr lang="en-US" smtClean="0"/>
-              <a:t>2/26/2019</a:t>
+              <a:t>9/28/2020</a:t>
             </a:fld>
             <a:endParaRPr lang="en-US"/>
           </a:p>
@@ -7632,13 +7632,7 @@
                           <a:rPr lang="en-US" i="1">
                             <a:latin typeface="Cambria Math" panose="02040503050406030204" pitchFamily="18" charset="0"/>
                           </a:rPr>
-                          <m:t>=</m:t>
-                        </m:r>
-                        <m:r>
-                          <a:rPr lang="en-US" i="1">
-                            <a:latin typeface="Cambria Math" panose="02040503050406030204" pitchFamily="18" charset="0"/>
-                          </a:rPr>
-                          <m:t>1</m:t>
+                          <m:t>=1</m:t>
                         </m:r>
                       </m:sub>
                       <m:sup>
@@ -8017,13 +8011,7 @@
                             <a:rPr lang="en-US" i="1">
                               <a:latin typeface="Cambria Math" panose="02040503050406030204" pitchFamily="18" charset="0"/>
                             </a:rPr>
-                            <m:t>=</m:t>
-                          </m:r>
-                          <m:r>
-                            <a:rPr lang="en-US" i="1">
-                              <a:latin typeface="Cambria Math" panose="02040503050406030204" pitchFamily="18" charset="0"/>
-                            </a:rPr>
-                            <m:t>1</m:t>
+                            <m:t>=1</m:t>
                           </m:r>
                         </m:sub>
                         <m:sup>
@@ -8303,13 +8291,7 @@
                             <a:rPr lang="en-US" i="1">
                               <a:latin typeface="Cambria Math" panose="02040503050406030204" pitchFamily="18" charset="0"/>
                             </a:rPr>
-                            <m:t>=</m:t>
-                          </m:r>
-                          <m:r>
-                            <a:rPr lang="en-US" i="1">
-                              <a:latin typeface="Cambria Math" panose="02040503050406030204" pitchFamily="18" charset="0"/>
-                            </a:rPr>
-                            <m:t>1</m:t>
+                            <m:t>=1</m:t>
                           </m:r>
                         </m:sub>
                         <m:sup>
@@ -8695,8 +8677,8 @@
           </a:p>
         </p:txBody>
       </p:sp>
-      <mc:AlternateContent xmlns:mc="http://schemas.openxmlformats.org/markup-compatibility/2006">
-        <mc:Choice xmlns:a14="http://schemas.microsoft.com/office/drawing/2010/main" Requires="a14">
+      <mc:AlternateContent xmlns:mc="http://schemas.openxmlformats.org/markup-compatibility/2006" xmlns:a14="http://schemas.microsoft.com/office/drawing/2010/main">
+        <mc:Choice Requires="a14">
           <p:sp>
             <p:nvSpPr>
               <p:cNvPr id="3" name="Content Placeholder 2">
@@ -9138,7 +9120,7 @@
                 <a:pPr lvl="1"/>
                 <a:r>
                   <a:rPr lang="en-US" dirty="0"/>
-                  <a:t>There is an summation index </a:t>
+                  <a:t>There is a summation index </a:t>
                 </a:r>
                 <a14:m>
                   <m:oMath xmlns:m="http://schemas.openxmlformats.org/officeDocument/2006/math">
@@ -9393,7 +9375,7 @@
             </p:txBody>
           </p:sp>
         </mc:Choice>
-        <mc:Fallback>
+        <mc:Fallback xmlns="">
           <p:sp>
             <p:nvSpPr>
               <p:cNvPr id="3" name="Content Placeholder 2">
@@ -9520,8 +9502,8 @@
           </a:p>
         </p:txBody>
       </p:sp>
-      <mc:AlternateContent xmlns:mc="http://schemas.openxmlformats.org/markup-compatibility/2006">
-        <mc:Choice xmlns:a14="http://schemas.microsoft.com/office/drawing/2010/main" Requires="a14">
+      <mc:AlternateContent xmlns:mc="http://schemas.openxmlformats.org/markup-compatibility/2006" xmlns:a14="http://schemas.microsoft.com/office/drawing/2010/main">
+        <mc:Choice Requires="a14">
           <p:sp>
             <p:nvSpPr>
               <p:cNvPr id="3" name="Content Placeholder 2">
@@ -11036,7 +11018,7 @@
             </p:txBody>
           </p:sp>
         </mc:Choice>
-        <mc:Fallback>
+        <mc:Fallback xmlns="">
           <p:sp>
             <p:nvSpPr>
               <p:cNvPr id="3" name="Content Placeholder 2">
@@ -11163,8 +11145,8 @@
           </a:p>
         </p:txBody>
       </p:sp>
-      <mc:AlternateContent xmlns:mc="http://schemas.openxmlformats.org/markup-compatibility/2006">
-        <mc:Choice xmlns:a14="http://schemas.microsoft.com/office/drawing/2010/main" Requires="a14">
+      <mc:AlternateContent xmlns:mc="http://schemas.openxmlformats.org/markup-compatibility/2006" xmlns:a14="http://schemas.microsoft.com/office/drawing/2010/main">
+        <mc:Choice Requires="a14">
           <p:sp>
             <p:nvSpPr>
               <p:cNvPr id="3" name="Content Placeholder 2">
@@ -12145,7 +12127,7 @@
             </p:txBody>
           </p:sp>
         </mc:Choice>
-        <mc:Fallback>
+        <mc:Fallback xmlns="">
           <p:sp>
             <p:nvSpPr>
               <p:cNvPr id="3" name="Content Placeholder 2">
@@ -12453,8 +12435,8 @@
           </a:fontRef>
         </p:style>
       </p:cxnSp>
-      <mc:AlternateContent xmlns:mc="http://schemas.openxmlformats.org/markup-compatibility/2006">
-        <mc:Choice xmlns:a14="http://schemas.microsoft.com/office/drawing/2010/main" Requires="a14">
+      <mc:AlternateContent xmlns:mc="http://schemas.openxmlformats.org/markup-compatibility/2006" xmlns:a14="http://schemas.microsoft.com/office/drawing/2010/main">
+        <mc:Choice Requires="a14">
           <p:sp>
             <p:nvSpPr>
               <p:cNvPr id="13" name="TextBox 12">
@@ -12483,6 +12465,7 @@
               </a:bodyPr>
               <a:lstStyle/>
               <a:p>
+                <a:pPr/>
                 <a14:m>
                   <m:oMathPara xmlns:m="http://schemas.openxmlformats.org/officeDocument/2006/math">
                     <m:oMathParaPr>
@@ -12503,7 +12486,7 @@
             </p:txBody>
           </p:sp>
         </mc:Choice>
-        <mc:Fallback>
+        <mc:Fallback xmlns="">
           <p:sp>
             <p:nvSpPr>
               <p:cNvPr id="13" name="TextBox 12">
@@ -12548,8 +12531,8 @@
           </p:sp>
         </mc:Fallback>
       </mc:AlternateContent>
-      <mc:AlternateContent xmlns:mc="http://schemas.openxmlformats.org/markup-compatibility/2006">
-        <mc:Choice xmlns:a14="http://schemas.microsoft.com/office/drawing/2010/main" Requires="a14">
+      <mc:AlternateContent xmlns:mc="http://schemas.openxmlformats.org/markup-compatibility/2006" xmlns:a14="http://schemas.microsoft.com/office/drawing/2010/main">
+        <mc:Choice Requires="a14">
           <p:sp>
             <p:nvSpPr>
               <p:cNvPr id="14" name="TextBox 13">
@@ -12578,6 +12561,7 @@
               </a:bodyPr>
               <a:lstStyle/>
               <a:p>
+                <a:pPr/>
                 <a14:m>
                   <m:oMathPara xmlns:m="http://schemas.openxmlformats.org/officeDocument/2006/math">
                     <m:oMathParaPr>
@@ -12598,7 +12582,7 @@
             </p:txBody>
           </p:sp>
         </mc:Choice>
-        <mc:Fallback>
+        <mc:Fallback xmlns="">
           <p:sp>
             <p:nvSpPr>
               <p:cNvPr id="14" name="TextBox 13">
@@ -12643,8 +12627,8 @@
           </p:sp>
         </mc:Fallback>
       </mc:AlternateContent>
-      <mc:AlternateContent xmlns:mc="http://schemas.openxmlformats.org/markup-compatibility/2006">
-        <mc:Choice xmlns:a14="http://schemas.microsoft.com/office/drawing/2010/main" Requires="a14">
+      <mc:AlternateContent xmlns:mc="http://schemas.openxmlformats.org/markup-compatibility/2006" xmlns:a14="http://schemas.microsoft.com/office/drawing/2010/main">
+        <mc:Choice Requires="a14">
           <p:sp>
             <p:nvSpPr>
               <p:cNvPr id="15" name="TextBox 14">
@@ -12673,6 +12657,7 @@
               </a:bodyPr>
               <a:lstStyle/>
               <a:p>
+                <a:pPr/>
                 <a14:m>
                   <m:oMathPara xmlns:m="http://schemas.openxmlformats.org/officeDocument/2006/math">
                     <m:oMathParaPr>
@@ -12693,7 +12678,7 @@
             </p:txBody>
           </p:sp>
         </mc:Choice>
-        <mc:Fallback>
+        <mc:Fallback xmlns="">
           <p:sp>
             <p:nvSpPr>
               <p:cNvPr id="15" name="TextBox 14">
@@ -12796,8 +12781,8 @@
           </a:p>
         </p:txBody>
       </p:sp>
-      <mc:AlternateContent xmlns:mc="http://schemas.openxmlformats.org/markup-compatibility/2006">
-        <mc:Choice xmlns:a14="http://schemas.microsoft.com/office/drawing/2010/main" Requires="a14">
+      <mc:AlternateContent xmlns:mc="http://schemas.openxmlformats.org/markup-compatibility/2006" xmlns:a14="http://schemas.microsoft.com/office/drawing/2010/main">
+        <mc:Choice Requires="a14">
           <p:sp>
             <p:nvSpPr>
               <p:cNvPr id="3" name="Content Placeholder 2">
@@ -13333,7 +13318,7 @@
             </p:txBody>
           </p:sp>
         </mc:Choice>
-        <mc:Fallback>
+        <mc:Fallback xmlns="">
           <p:sp>
             <p:nvSpPr>
               <p:cNvPr id="3" name="Content Placeholder 2">
@@ -13647,8 +13632,8 @@
           </a:fontRef>
         </p:style>
       </p:cxnSp>
-      <mc:AlternateContent xmlns:mc="http://schemas.openxmlformats.org/markup-compatibility/2006">
-        <mc:Choice xmlns:a14="http://schemas.microsoft.com/office/drawing/2010/main" Requires="a14">
+      <mc:AlternateContent xmlns:mc="http://schemas.openxmlformats.org/markup-compatibility/2006" xmlns:a14="http://schemas.microsoft.com/office/drawing/2010/main">
+        <mc:Choice Requires="a14">
           <p:sp>
             <p:nvSpPr>
               <p:cNvPr id="10" name="TextBox 9">
@@ -13677,6 +13662,7 @@
               </a:bodyPr>
               <a:lstStyle/>
               <a:p>
+                <a:pPr/>
                 <a14:m>
                   <m:oMathPara xmlns:m="http://schemas.openxmlformats.org/officeDocument/2006/math">
                     <m:oMathParaPr>
@@ -13716,7 +13702,7 @@
             </p:txBody>
           </p:sp>
         </mc:Choice>
-        <mc:Fallback>
+        <mc:Fallback xmlns="">
           <p:sp>
             <p:nvSpPr>
               <p:cNvPr id="10" name="TextBox 9">
@@ -13761,8 +13747,8 @@
           </p:sp>
         </mc:Fallback>
       </mc:AlternateContent>
-      <mc:AlternateContent xmlns:mc="http://schemas.openxmlformats.org/markup-compatibility/2006">
-        <mc:Choice xmlns:a14="http://schemas.microsoft.com/office/drawing/2010/main" Requires="a14">
+      <mc:AlternateContent xmlns:mc="http://schemas.openxmlformats.org/markup-compatibility/2006" xmlns:a14="http://schemas.microsoft.com/office/drawing/2010/main">
+        <mc:Choice Requires="a14">
           <p:sp>
             <p:nvSpPr>
               <p:cNvPr id="11" name="TextBox 10">
@@ -13791,6 +13777,7 @@
               </a:bodyPr>
               <a:lstStyle/>
               <a:p>
+                <a:pPr/>
                 <a14:m>
                   <m:oMathPara xmlns:m="http://schemas.openxmlformats.org/officeDocument/2006/math">
                     <m:oMathParaPr>
@@ -13830,7 +13817,7 @@
             </p:txBody>
           </p:sp>
         </mc:Choice>
-        <mc:Fallback>
+        <mc:Fallback xmlns="">
           <p:sp>
             <p:nvSpPr>
               <p:cNvPr id="11" name="TextBox 10">
@@ -13875,8 +13862,8 @@
           </p:sp>
         </mc:Fallback>
       </mc:AlternateContent>
-      <mc:AlternateContent xmlns:mc="http://schemas.openxmlformats.org/markup-compatibility/2006">
-        <mc:Choice xmlns:a14="http://schemas.microsoft.com/office/drawing/2010/main" Requires="a14">
+      <mc:AlternateContent xmlns:mc="http://schemas.openxmlformats.org/markup-compatibility/2006" xmlns:a14="http://schemas.microsoft.com/office/drawing/2010/main">
+        <mc:Choice Requires="a14">
           <p:sp>
             <p:nvSpPr>
               <p:cNvPr id="12" name="TextBox 11">
@@ -13905,6 +13892,7 @@
               </a:bodyPr>
               <a:lstStyle/>
               <a:p>
+                <a:pPr/>
                 <a14:m>
                   <m:oMathPara xmlns:m="http://schemas.openxmlformats.org/officeDocument/2006/math">
                     <m:oMathParaPr>
@@ -13925,7 +13913,7 @@
             </p:txBody>
           </p:sp>
         </mc:Choice>
-        <mc:Fallback>
+        <mc:Fallback xmlns="">
           <p:sp>
             <p:nvSpPr>
               <p:cNvPr id="12" name="TextBox 11">
@@ -14022,8 +14010,8 @@
           </a:p>
         </p:txBody>
       </p:sp>
-      <mc:AlternateContent xmlns:mc="http://schemas.openxmlformats.org/markup-compatibility/2006">
-        <mc:Choice xmlns:a14="http://schemas.microsoft.com/office/drawing/2010/main" Requires="a14">
+      <mc:AlternateContent xmlns:mc="http://schemas.openxmlformats.org/markup-compatibility/2006" xmlns:a14="http://schemas.microsoft.com/office/drawing/2010/main">
+        <mc:Choice Requires="a14">
           <p:sp>
             <p:nvSpPr>
               <p:cNvPr id="14" name="TextBox 13">
@@ -14052,6 +14040,7 @@
               </a:bodyPr>
               <a:lstStyle/>
               <a:p>
+                <a:pPr/>
                 <a14:m>
                   <m:oMathPara xmlns:m="http://schemas.openxmlformats.org/officeDocument/2006/math">
                     <m:oMathParaPr>
@@ -14091,7 +14080,7 @@
             </p:txBody>
           </p:sp>
         </mc:Choice>
-        <mc:Fallback>
+        <mc:Fallback xmlns="">
           <p:sp>
             <p:nvSpPr>
               <p:cNvPr id="14" name="TextBox 13">
@@ -14292,8 +14281,8 @@
           </a:p>
         </p:txBody>
       </p:sp>
-      <mc:AlternateContent xmlns:mc="http://schemas.openxmlformats.org/markup-compatibility/2006">
-        <mc:Choice xmlns:a14="http://schemas.microsoft.com/office/drawing/2010/main" Requires="a14">
+      <mc:AlternateContent xmlns:mc="http://schemas.openxmlformats.org/markup-compatibility/2006" xmlns:a14="http://schemas.microsoft.com/office/drawing/2010/main">
+        <mc:Choice Requires="a14">
           <p:sp>
             <p:nvSpPr>
               <p:cNvPr id="22" name="TextBox 21">
@@ -14322,6 +14311,7 @@
               </a:bodyPr>
               <a:lstStyle/>
               <a:p>
+                <a:pPr/>
                 <a14:m>
                   <m:oMathPara xmlns:m="http://schemas.openxmlformats.org/officeDocument/2006/math">
                     <m:oMathParaPr>
@@ -14361,7 +14351,7 @@
             </p:txBody>
           </p:sp>
         </mc:Choice>
-        <mc:Fallback>
+        <mc:Fallback xmlns="">
           <p:sp>
             <p:nvSpPr>
               <p:cNvPr id="22" name="TextBox 21">
@@ -14737,8 +14727,8 @@
           </a:fontRef>
         </p:style>
       </p:cxnSp>
-      <mc:AlternateContent xmlns:mc="http://schemas.openxmlformats.org/markup-compatibility/2006">
-        <mc:Choice xmlns:a14="http://schemas.microsoft.com/office/drawing/2010/main" Requires="a14">
+      <mc:AlternateContent xmlns:mc="http://schemas.openxmlformats.org/markup-compatibility/2006" xmlns:a14="http://schemas.microsoft.com/office/drawing/2010/main">
+        <mc:Choice Requires="a14">
           <p:sp>
             <p:nvSpPr>
               <p:cNvPr id="40" name="TextBox 39">
@@ -14767,6 +14757,7 @@
               </a:bodyPr>
               <a:lstStyle/>
               <a:p>
+                <a:pPr/>
                 <a14:m>
                   <m:oMathPara xmlns:m="http://schemas.openxmlformats.org/officeDocument/2006/math">
                     <m:oMathParaPr>
@@ -14787,7 +14778,7 @@
             </p:txBody>
           </p:sp>
         </mc:Choice>
-        <mc:Fallback>
+        <mc:Fallback xmlns="">
           <p:sp>
             <p:nvSpPr>
               <p:cNvPr id="40" name="TextBox 39">
@@ -14832,8 +14823,8 @@
           </p:sp>
         </mc:Fallback>
       </mc:AlternateContent>
-      <mc:AlternateContent xmlns:mc="http://schemas.openxmlformats.org/markup-compatibility/2006">
-        <mc:Choice xmlns:a14="http://schemas.microsoft.com/office/drawing/2010/main" Requires="a14">
+      <mc:AlternateContent xmlns:mc="http://schemas.openxmlformats.org/markup-compatibility/2006" xmlns:a14="http://schemas.microsoft.com/office/drawing/2010/main">
+        <mc:Choice Requires="a14">
           <p:sp>
             <p:nvSpPr>
               <p:cNvPr id="41" name="TextBox 40">
@@ -14862,6 +14853,7 @@
               </a:bodyPr>
               <a:lstStyle/>
               <a:p>
+                <a:pPr/>
                 <a14:m>
                   <m:oMathPara xmlns:m="http://schemas.openxmlformats.org/officeDocument/2006/math">
                     <m:oMathParaPr>
@@ -14882,7 +14874,7 @@
             </p:txBody>
           </p:sp>
         </mc:Choice>
-        <mc:Fallback>
+        <mc:Fallback xmlns="">
           <p:sp>
             <p:nvSpPr>
               <p:cNvPr id="41" name="TextBox 40">
@@ -14985,8 +14977,8 @@
           </a:p>
         </p:txBody>
       </p:sp>
-      <mc:AlternateContent xmlns:mc="http://schemas.openxmlformats.org/markup-compatibility/2006">
-        <mc:Choice xmlns:a14="http://schemas.microsoft.com/office/drawing/2010/main" Requires="a14">
+      <mc:AlternateContent xmlns:mc="http://schemas.openxmlformats.org/markup-compatibility/2006" xmlns:a14="http://schemas.microsoft.com/office/drawing/2010/main">
+        <mc:Choice Requires="a14">
           <p:sp>
             <p:nvSpPr>
               <p:cNvPr id="3" name="Content Placeholder 2">
@@ -16908,7 +16900,7 @@
             </p:txBody>
           </p:sp>
         </mc:Choice>
-        <mc:Fallback>
+        <mc:Fallback xmlns="">
           <p:sp>
             <p:nvSpPr>
               <p:cNvPr id="3" name="Content Placeholder 2">
@@ -29212,13 +29204,7 @@
                                   <a:rPr lang="en-US" b="0" i="1" smtClean="0">
                                     <a:latin typeface="Cambria Math" panose="02040503050406030204" pitchFamily="18" charset="0"/>
                                   </a:rPr>
-                                  <m:t>1</m:t>
-                                </m:r>
-                                <m:r>
-                                  <a:rPr lang="en-US" b="0" i="1" smtClean="0">
-                                    <a:latin typeface="Cambria Math" panose="02040503050406030204" pitchFamily="18" charset="0"/>
-                                  </a:rPr>
-                                  <m:t>+</m:t>
+                                  <m:t>1+</m:t>
                                 </m:r>
                                 <m:sSup>
                                   <m:sSupPr>
@@ -29334,13 +29320,7 @@
                           <a:rPr lang="en-US" i="1">
                             <a:latin typeface="Cambria Math" panose="02040503050406030204" pitchFamily="18" charset="0"/>
                           </a:rPr>
-                          <m:t>1</m:t>
-                        </m:r>
-                        <m:r>
-                          <a:rPr lang="en-US" i="1">
-                            <a:latin typeface="Cambria Math" panose="02040503050406030204" pitchFamily="18" charset="0"/>
-                          </a:rPr>
-                          <m:t>:</m:t>
+                          <m:t>1:</m:t>
                         </m:r>
                         <m:r>
                           <a:rPr lang="en-US" i="1">
@@ -29943,13 +29923,7 @@
                           <a:rPr lang="en-US" b="0" i="1" smtClean="0">
                             <a:latin typeface="Cambria Math" panose="02040503050406030204" pitchFamily="18" charset="0"/>
                           </a:rPr>
-                          <m:t>=</m:t>
-                        </m:r>
-                        <m:r>
-                          <a:rPr lang="en-US" b="0" i="1" smtClean="0">
-                            <a:latin typeface="Cambria Math" panose="02040503050406030204" pitchFamily="18" charset="0"/>
-                          </a:rPr>
-                          <m:t>1</m:t>
+                          <m:t>=1</m:t>
                         </m:r>
                       </m:sub>
                       <m:sup>
@@ -30194,13 +30168,7 @@
                               <a:rPr lang="en-US" i="1">
                                 <a:latin typeface="Cambria Math" panose="02040503050406030204" pitchFamily="18" charset="0"/>
                               </a:rPr>
-                              <m:t>1</m:t>
-                            </m:r>
-                            <m:r>
-                              <a:rPr lang="en-US" i="1">
-                                <a:latin typeface="Cambria Math" panose="02040503050406030204" pitchFamily="18" charset="0"/>
-                              </a:rPr>
-                              <m:t>+</m:t>
+                              <m:t>1+</m:t>
                             </m:r>
                             <m:sSup>
                               <m:sSupPr>
@@ -41502,31 +41470,7 @@
                       <a:rPr lang="en-US" b="0" i="1" smtClean="0">
                         <a:latin typeface="Cambria Math" panose="02040503050406030204" pitchFamily="18" charset="0"/>
                       </a:rPr>
-                      <m:t>∈[</m:t>
-                    </m:r>
-                    <m:r>
-                      <a:rPr lang="en-US" b="0" i="1" smtClean="0">
-                        <a:latin typeface="Cambria Math" panose="02040503050406030204" pitchFamily="18" charset="0"/>
-                      </a:rPr>
-                      <m:t>0</m:t>
-                    </m:r>
-                    <m:r>
-                      <a:rPr lang="en-US" b="0" i="1" smtClean="0">
-                        <a:latin typeface="Cambria Math" panose="02040503050406030204" pitchFamily="18" charset="0"/>
-                      </a:rPr>
-                      <m:t>,</m:t>
-                    </m:r>
-                    <m:r>
-                      <a:rPr lang="en-US" b="0" i="1" smtClean="0">
-                        <a:latin typeface="Cambria Math" panose="02040503050406030204" pitchFamily="18" charset="0"/>
-                      </a:rPr>
-                      <m:t>1</m:t>
-                    </m:r>
-                    <m:r>
-                      <a:rPr lang="en-US" b="0" i="1" smtClean="0">
-                        <a:latin typeface="Cambria Math" panose="02040503050406030204" pitchFamily="18" charset="0"/>
-                      </a:rPr>
-                      <m:t>]</m:t>
+                      <m:t>∈[0,1]</m:t>
                     </m:r>
                   </m:oMath>
                 </a14:m>
@@ -41583,13 +41527,7 @@
                               <a:rPr lang="en-US" b="0" i="1" smtClean="0">
                                 <a:latin typeface="Cambria Math" panose="02040503050406030204" pitchFamily="18" charset="0"/>
                               </a:rPr>
-                              <m:t>1</m:t>
-                            </m:r>
-                            <m:r>
-                              <a:rPr lang="en-US" b="0" i="1" smtClean="0">
-                                <a:latin typeface="Cambria Math" panose="02040503050406030204" pitchFamily="18" charset="0"/>
-                              </a:rPr>
-                              <m:t>−</m:t>
+                              <m:t>1−</m:t>
                             </m:r>
                             <m:r>
                               <a:rPr lang="en-US" b="0" i="1" smtClean="0">
@@ -41655,13 +41593,7 @@
                           <a:rPr lang="en-US" b="0" i="1" smtClean="0">
                             <a:latin typeface="Cambria Math" panose="02040503050406030204" pitchFamily="18" charset="0"/>
                           </a:rPr>
-                          <m:t>1</m:t>
-                        </m:r>
-                        <m:r>
-                          <a:rPr lang="en-US" b="0" i="1" smtClean="0">
-                            <a:latin typeface="Cambria Math" panose="02040503050406030204" pitchFamily="18" charset="0"/>
-                          </a:rPr>
-                          <m:t>−</m:t>
+                          <m:t>1−</m:t>
                         </m:r>
                         <m:r>
                           <a:rPr lang="en-US" b="0" i="1" smtClean="0">

--- a/lectures/Lect07_Optim.pptx
+++ b/lectures/Lect07_Optim.pptx
@@ -5,7 +5,7 @@
     <p:sldMasterId id="2147483648" r:id="rId1"/>
   </p:sldMasterIdLst>
   <p:notesMasterIdLst>
-    <p:notesMasterId r:id="rId60"/>
+    <p:notesMasterId r:id="rId62"/>
   </p:notesMasterIdLst>
   <p:sldIdLst>
     <p:sldId id="258" r:id="rId2"/>
@@ -28,44 +28,46 @@
     <p:sldId id="481" r:id="rId19"/>
     <p:sldId id="433" r:id="rId20"/>
     <p:sldId id="429" r:id="rId21"/>
-    <p:sldId id="437" r:id="rId22"/>
-    <p:sldId id="434" r:id="rId23"/>
-    <p:sldId id="441" r:id="rId24"/>
-    <p:sldId id="439" r:id="rId25"/>
-    <p:sldId id="442" r:id="rId26"/>
-    <p:sldId id="465" r:id="rId27"/>
-    <p:sldId id="436" r:id="rId28"/>
-    <p:sldId id="414" r:id="rId29"/>
-    <p:sldId id="416" r:id="rId30"/>
-    <p:sldId id="417" r:id="rId31"/>
-    <p:sldId id="418" r:id="rId32"/>
-    <p:sldId id="415" r:id="rId33"/>
-    <p:sldId id="468" r:id="rId34"/>
-    <p:sldId id="445" r:id="rId35"/>
-    <p:sldId id="471" r:id="rId36"/>
-    <p:sldId id="474" r:id="rId37"/>
-    <p:sldId id="475" r:id="rId38"/>
-    <p:sldId id="443" r:id="rId39"/>
-    <p:sldId id="444" r:id="rId40"/>
-    <p:sldId id="467" r:id="rId41"/>
-    <p:sldId id="447" r:id="rId42"/>
-    <p:sldId id="448" r:id="rId43"/>
-    <p:sldId id="449" r:id="rId44"/>
-    <p:sldId id="450" r:id="rId45"/>
-    <p:sldId id="451" r:id="rId46"/>
-    <p:sldId id="452" r:id="rId47"/>
-    <p:sldId id="453" r:id="rId48"/>
-    <p:sldId id="454" r:id="rId49"/>
-    <p:sldId id="455" r:id="rId50"/>
-    <p:sldId id="466" r:id="rId51"/>
-    <p:sldId id="456" r:id="rId52"/>
-    <p:sldId id="457" r:id="rId53"/>
-    <p:sldId id="458" r:id="rId54"/>
-    <p:sldId id="459" r:id="rId55"/>
-    <p:sldId id="460" r:id="rId56"/>
-    <p:sldId id="461" r:id="rId57"/>
-    <p:sldId id="462" r:id="rId58"/>
-    <p:sldId id="469" r:id="rId59"/>
+    <p:sldId id="483" r:id="rId22"/>
+    <p:sldId id="437" r:id="rId23"/>
+    <p:sldId id="434" r:id="rId24"/>
+    <p:sldId id="441" r:id="rId25"/>
+    <p:sldId id="439" r:id="rId26"/>
+    <p:sldId id="442" r:id="rId27"/>
+    <p:sldId id="484" r:id="rId28"/>
+    <p:sldId id="465" r:id="rId29"/>
+    <p:sldId id="436" r:id="rId30"/>
+    <p:sldId id="414" r:id="rId31"/>
+    <p:sldId id="416" r:id="rId32"/>
+    <p:sldId id="417" r:id="rId33"/>
+    <p:sldId id="418" r:id="rId34"/>
+    <p:sldId id="415" r:id="rId35"/>
+    <p:sldId id="468" r:id="rId36"/>
+    <p:sldId id="445" r:id="rId37"/>
+    <p:sldId id="471" r:id="rId38"/>
+    <p:sldId id="474" r:id="rId39"/>
+    <p:sldId id="475" r:id="rId40"/>
+    <p:sldId id="443" r:id="rId41"/>
+    <p:sldId id="444" r:id="rId42"/>
+    <p:sldId id="467" r:id="rId43"/>
+    <p:sldId id="447" r:id="rId44"/>
+    <p:sldId id="448" r:id="rId45"/>
+    <p:sldId id="449" r:id="rId46"/>
+    <p:sldId id="450" r:id="rId47"/>
+    <p:sldId id="451" r:id="rId48"/>
+    <p:sldId id="452" r:id="rId49"/>
+    <p:sldId id="453" r:id="rId50"/>
+    <p:sldId id="454" r:id="rId51"/>
+    <p:sldId id="455" r:id="rId52"/>
+    <p:sldId id="466" r:id="rId53"/>
+    <p:sldId id="456" r:id="rId54"/>
+    <p:sldId id="457" r:id="rId55"/>
+    <p:sldId id="458" r:id="rId56"/>
+    <p:sldId id="459" r:id="rId57"/>
+    <p:sldId id="460" r:id="rId58"/>
+    <p:sldId id="461" r:id="rId59"/>
+    <p:sldId id="462" r:id="rId60"/>
+    <p:sldId id="469" r:id="rId61"/>
   </p:sldIdLst>
   <p:sldSz cx="12192000" cy="6858000"/>
   <p:notesSz cx="7315200" cy="9601200"/>
@@ -265,7 +267,7 @@
           <a:p>
             <a:fld id="{B7D6DDD3-D7E9-488B-B626-1E8285E424D8}" type="datetimeFigureOut">
               <a:rPr lang="en-US" smtClean="0"/>
-              <a:t>9/28/2020</a:t>
+              <a:t>10/2/2020</a:t>
             </a:fld>
             <a:endParaRPr lang="en-US"/>
           </a:p>
@@ -4052,7 +4054,7 @@
           <a:p>
             <a:r>
               <a:rPr lang="en-US" sz="6600" dirty="0"/>
-              <a:t>Lecture 7 </a:t>
+              <a:t>Unit 7 </a:t>
             </a:r>
             <a:br>
               <a:rPr lang="en-US" sz="6600" dirty="0"/>
@@ -8672,7 +8674,7 @@
           <a:p>
             <a:r>
               <a:rPr lang="en-US" dirty="0"/>
-              <a:t>Example 3:  Gradients with Sums</a:t>
+              <a:t>Example 2:  Gradients with Sums</a:t>
             </a:r>
           </a:p>
         </p:txBody>
@@ -12755,6 +12757,58 @@
       </p:grpSpPr>
       <p:sp>
         <p:nvSpPr>
+          <p:cNvPr id="16" name="Rectangle: Rounded Corners 15">
+            <a:extLst>
+              <a:ext uri="{FF2B5EF4-FFF2-40B4-BE49-F238E27FC236}">
+                <a16:creationId xmlns:a16="http://schemas.microsoft.com/office/drawing/2014/main" id="{AB671567-BB8C-403F-B191-E76475703C82}"/>
+              </a:ext>
+            </a:extLst>
+          </p:cNvPr>
+          <p:cNvSpPr/>
+          <p:nvPr/>
+        </p:nvSpPr>
+        <p:spPr>
+          <a:xfrm>
+            <a:off x="2558642" y="3492915"/>
+            <a:ext cx="2541864" cy="1263643"/>
+          </a:xfrm>
+          <a:prstGeom prst="roundRect">
+            <a:avLst/>
+          </a:prstGeom>
+          <a:solidFill>
+            <a:schemeClr val="accent1">
+              <a:lumMod val="20000"/>
+              <a:lumOff val="80000"/>
+            </a:schemeClr>
+          </a:solidFill>
+        </p:spPr>
+        <p:style>
+          <a:lnRef idx="2">
+            <a:schemeClr val="accent1">
+              <a:shade val="50000"/>
+            </a:schemeClr>
+          </a:lnRef>
+          <a:fillRef idx="1">
+            <a:schemeClr val="accent1"/>
+          </a:fillRef>
+          <a:effectRef idx="0">
+            <a:schemeClr val="accent1"/>
+          </a:effectRef>
+          <a:fontRef idx="minor">
+            <a:schemeClr val="lt1"/>
+          </a:fontRef>
+        </p:style>
+        <p:txBody>
+          <a:bodyPr rtlCol="0" anchor="ctr"/>
+          <a:lstStyle/>
+          <a:p>
+            <a:pPr algn="ctr"/>
+            <a:endParaRPr lang="en-US"/>
+          </a:p>
+        </p:txBody>
+      </p:sp>
+      <p:sp>
+        <p:nvSpPr>
           <p:cNvPr id="2" name="Title 1">
             <a:extLst>
               <a:ext uri="{FF2B5EF4-FFF2-40B4-BE49-F238E27FC236}">
@@ -12781,8 +12835,8 @@
           </a:p>
         </p:txBody>
       </p:sp>
-      <mc:AlternateContent xmlns:mc="http://schemas.openxmlformats.org/markup-compatibility/2006" xmlns:a14="http://schemas.microsoft.com/office/drawing/2010/main">
-        <mc:Choice Requires="a14">
+      <mc:AlternateContent xmlns:mc="http://schemas.openxmlformats.org/markup-compatibility/2006">
+        <mc:Choice xmlns:a14="http://schemas.microsoft.com/office/drawing/2010/main" Requires="a14">
           <p:sp>
             <p:nvSpPr>
               <p:cNvPr id="3" name="Content Placeholder 2">
@@ -13069,6 +13123,9 @@
                 <a:br>
                   <a:rPr lang="en-US" dirty="0"/>
                 </a:br>
+                <a:br>
+                  <a:rPr lang="en-US" dirty="0"/>
+                </a:br>
                 <a14:m>
                   <m:oMath xmlns:m="http://schemas.openxmlformats.org/officeDocument/2006/math">
                     <m:f>
@@ -13318,7 +13375,7 @@
             </p:txBody>
           </p:sp>
         </mc:Choice>
-        <mc:Fallback xmlns="">
+        <mc:Fallback>
           <p:sp>
             <p:nvSpPr>
               <p:cNvPr id="3" name="Content Placeholder 2">
@@ -14972,7 +15029,7 @@
           <a:p>
             <a:r>
               <a:rPr lang="en-US" dirty="0"/>
-              <a:t>Example 4:  Loss Function</a:t>
+              <a:t>Example 3:  Loss Function</a:t>
             </a:r>
           </a:p>
         </p:txBody>
@@ -16969,6 +17026,36 @@
           </a:p>
         </p:txBody>
       </p:sp>
+      <p:pic>
+        <p:nvPicPr>
+          <p:cNvPr id="5" name="Picture 4">
+            <a:extLst>
+              <a:ext uri="{FF2B5EF4-FFF2-40B4-BE49-F238E27FC236}">
+                <a16:creationId xmlns:a16="http://schemas.microsoft.com/office/drawing/2014/main" id="{A82CF7A8-1B7E-4DDF-887F-91E3316D7198}"/>
+              </a:ext>
+            </a:extLst>
+          </p:cNvPr>
+          <p:cNvPicPr>
+            <a:picLocks noChangeAspect="1"/>
+          </p:cNvPicPr>
+          <p:nvPr/>
+        </p:nvPicPr>
+        <p:blipFill>
+          <a:blip r:embed="rId3"/>
+          <a:stretch>
+            <a:fillRect/>
+          </a:stretch>
+        </p:blipFill>
+        <p:spPr>
+          <a:xfrm>
+            <a:off x="6894264" y="1618210"/>
+            <a:ext cx="3659085" cy="3424528"/>
+          </a:xfrm>
+          <a:prstGeom prst="rect">
+            <a:avLst/>
+          </a:prstGeom>
+        </p:spPr>
+      </p:pic>
     </p:spTree>
     <p:extLst>
       <p:ext uri="{BB962C8B-B14F-4D97-AF65-F5344CB8AC3E}">
@@ -17847,13 +17934,43 @@
           <a:p>
             <a:r>
               <a:rPr lang="en-US" dirty="0"/>
-              <a:t>Identify the objective function, parameters and constraints in an optimization problem</a:t>
+              <a:t>Identify the </a:t>
+            </a:r>
+            <a:r>
+              <a:rPr lang="en-US" dirty="0">
+                <a:solidFill>
+                  <a:schemeClr val="accent1">
+                    <a:lumMod val="60000"/>
+                    <a:lumOff val="40000"/>
+                  </a:schemeClr>
+                </a:solidFill>
+              </a:rPr>
+              <a:t>objective function</a:t>
+            </a:r>
+            <a:r>
+              <a:rPr lang="en-US" dirty="0"/>
+              <a:t>, parameters and constraints in an optimization problem</a:t>
             </a:r>
           </a:p>
           <a:p>
             <a:r>
               <a:rPr lang="en-US" dirty="0"/>
-              <a:t>Compute the gradient of a loss function for scalar, vector and matrix parameters</a:t>
+              <a:t>Compute the </a:t>
+            </a:r>
+            <a:r>
+              <a:rPr lang="en-US" dirty="0">
+                <a:solidFill>
+                  <a:schemeClr val="accent1">
+                    <a:lumMod val="60000"/>
+                    <a:lumOff val="40000"/>
+                  </a:schemeClr>
+                </a:solidFill>
+              </a:rPr>
+              <a:t>gradient</a:t>
+            </a:r>
+            <a:r>
+              <a:rPr lang="en-US" dirty="0"/>
+              <a:t> of a loss function for scalar, vector and matrix parameters</a:t>
             </a:r>
           </a:p>
           <a:p>
@@ -17865,7 +17982,22 @@
           <a:p>
             <a:r>
               <a:rPr lang="en-US" dirty="0"/>
-              <a:t>Write the gradient descent update</a:t>
+              <a:t>Write the </a:t>
+            </a:r>
+            <a:r>
+              <a:rPr lang="en-US" dirty="0">
+                <a:solidFill>
+                  <a:schemeClr val="accent1">
+                    <a:lumMod val="60000"/>
+                    <a:lumOff val="40000"/>
+                  </a:schemeClr>
+                </a:solidFill>
+              </a:rPr>
+              <a:t>gradient descent </a:t>
+            </a:r>
+            <a:r>
+              <a:rPr lang="en-US" dirty="0"/>
+              <a:t>update</a:t>
             </a:r>
           </a:p>
           <a:p>
@@ -17933,6 +18065,330 @@
   <p:clrMapOvr>
     <a:masterClrMapping/>
   </p:clrMapOvr>
+  <p:timing>
+    <p:tnLst>
+      <p:par>
+        <p:cTn id="1" dur="indefinite" restart="never" nodeType="tmRoot">
+          <p:childTnLst>
+            <p:seq concurrent="1" nextAc="seek">
+              <p:cTn id="2" dur="indefinite" nodeType="mainSeq">
+                <p:childTnLst>
+                  <p:par>
+                    <p:cTn id="3" fill="hold">
+                      <p:stCondLst>
+                        <p:cond delay="indefinite"/>
+                      </p:stCondLst>
+                      <p:childTnLst>
+                        <p:par>
+                          <p:cTn id="4" fill="hold">
+                            <p:stCondLst>
+                              <p:cond delay="0"/>
+                            </p:stCondLst>
+                            <p:childTnLst>
+                              <p:par>
+                                <p:cTn id="5" presetID="1" presetClass="entr" presetSubtype="0" fill="hold" nodeType="clickEffect">
+                                  <p:stCondLst>
+                                    <p:cond delay="0"/>
+                                  </p:stCondLst>
+                                  <p:childTnLst>
+                                    <p:set>
+                                      <p:cBhvr>
+                                        <p:cTn id="6" dur="1" fill="hold">
+                                          <p:stCondLst>
+                                            <p:cond delay="0"/>
+                                          </p:stCondLst>
+                                        </p:cTn>
+                                        <p:tgtEl>
+                                          <p:spTgt spid="3">
+                                            <p:txEl>
+                                              <p:pRg st="0" end="0"/>
+                                            </p:txEl>
+                                          </p:spTgt>
+                                        </p:tgtEl>
+                                        <p:attrNameLst>
+                                          <p:attrName>style.visibility</p:attrName>
+                                        </p:attrNameLst>
+                                      </p:cBhvr>
+                                      <p:to>
+                                        <p:strVal val="visible"/>
+                                      </p:to>
+                                    </p:set>
+                                  </p:childTnLst>
+                                </p:cTn>
+                              </p:par>
+                            </p:childTnLst>
+                          </p:cTn>
+                        </p:par>
+                      </p:childTnLst>
+                    </p:cTn>
+                  </p:par>
+                  <p:par>
+                    <p:cTn id="7" fill="hold">
+                      <p:stCondLst>
+                        <p:cond delay="indefinite"/>
+                      </p:stCondLst>
+                      <p:childTnLst>
+                        <p:par>
+                          <p:cTn id="8" fill="hold">
+                            <p:stCondLst>
+                              <p:cond delay="0"/>
+                            </p:stCondLst>
+                            <p:childTnLst>
+                              <p:par>
+                                <p:cTn id="9" presetID="1" presetClass="entr" presetSubtype="0" fill="hold" nodeType="clickEffect">
+                                  <p:stCondLst>
+                                    <p:cond delay="0"/>
+                                  </p:stCondLst>
+                                  <p:childTnLst>
+                                    <p:set>
+                                      <p:cBhvr>
+                                        <p:cTn id="10" dur="1" fill="hold">
+                                          <p:stCondLst>
+                                            <p:cond delay="0"/>
+                                          </p:stCondLst>
+                                        </p:cTn>
+                                        <p:tgtEl>
+                                          <p:spTgt spid="3">
+                                            <p:txEl>
+                                              <p:pRg st="1" end="1"/>
+                                            </p:txEl>
+                                          </p:spTgt>
+                                        </p:tgtEl>
+                                        <p:attrNameLst>
+                                          <p:attrName>style.visibility</p:attrName>
+                                        </p:attrNameLst>
+                                      </p:cBhvr>
+                                      <p:to>
+                                        <p:strVal val="visible"/>
+                                      </p:to>
+                                    </p:set>
+                                  </p:childTnLst>
+                                </p:cTn>
+                              </p:par>
+                            </p:childTnLst>
+                          </p:cTn>
+                        </p:par>
+                      </p:childTnLst>
+                    </p:cTn>
+                  </p:par>
+                  <p:par>
+                    <p:cTn id="11" fill="hold">
+                      <p:stCondLst>
+                        <p:cond delay="indefinite"/>
+                      </p:stCondLst>
+                      <p:childTnLst>
+                        <p:par>
+                          <p:cTn id="12" fill="hold">
+                            <p:stCondLst>
+                              <p:cond delay="0"/>
+                            </p:stCondLst>
+                            <p:childTnLst>
+                              <p:par>
+                                <p:cTn id="13" presetID="1" presetClass="entr" presetSubtype="0" fill="hold" nodeType="clickEffect">
+                                  <p:stCondLst>
+                                    <p:cond delay="0"/>
+                                  </p:stCondLst>
+                                  <p:childTnLst>
+                                    <p:set>
+                                      <p:cBhvr>
+                                        <p:cTn id="14" dur="1" fill="hold">
+                                          <p:stCondLst>
+                                            <p:cond delay="0"/>
+                                          </p:stCondLst>
+                                        </p:cTn>
+                                        <p:tgtEl>
+                                          <p:spTgt spid="3">
+                                            <p:txEl>
+                                              <p:pRg st="2" end="2"/>
+                                            </p:txEl>
+                                          </p:spTgt>
+                                        </p:tgtEl>
+                                        <p:attrNameLst>
+                                          <p:attrName>style.visibility</p:attrName>
+                                        </p:attrNameLst>
+                                      </p:cBhvr>
+                                      <p:to>
+                                        <p:strVal val="visible"/>
+                                      </p:to>
+                                    </p:set>
+                                  </p:childTnLst>
+                                </p:cTn>
+                              </p:par>
+                            </p:childTnLst>
+                          </p:cTn>
+                        </p:par>
+                      </p:childTnLst>
+                    </p:cTn>
+                  </p:par>
+                  <p:par>
+                    <p:cTn id="15" fill="hold">
+                      <p:stCondLst>
+                        <p:cond delay="indefinite"/>
+                      </p:stCondLst>
+                      <p:childTnLst>
+                        <p:par>
+                          <p:cTn id="16" fill="hold">
+                            <p:stCondLst>
+                              <p:cond delay="0"/>
+                            </p:stCondLst>
+                            <p:childTnLst>
+                              <p:par>
+                                <p:cTn id="17" presetID="1" presetClass="entr" presetSubtype="0" fill="hold" nodeType="clickEffect">
+                                  <p:stCondLst>
+                                    <p:cond delay="0"/>
+                                  </p:stCondLst>
+                                  <p:childTnLst>
+                                    <p:set>
+                                      <p:cBhvr>
+                                        <p:cTn id="18" dur="1" fill="hold">
+                                          <p:stCondLst>
+                                            <p:cond delay="0"/>
+                                          </p:stCondLst>
+                                        </p:cTn>
+                                        <p:tgtEl>
+                                          <p:spTgt spid="3">
+                                            <p:txEl>
+                                              <p:pRg st="3" end="3"/>
+                                            </p:txEl>
+                                          </p:spTgt>
+                                        </p:tgtEl>
+                                        <p:attrNameLst>
+                                          <p:attrName>style.visibility</p:attrName>
+                                        </p:attrNameLst>
+                                      </p:cBhvr>
+                                      <p:to>
+                                        <p:strVal val="visible"/>
+                                      </p:to>
+                                    </p:set>
+                                  </p:childTnLst>
+                                </p:cTn>
+                              </p:par>
+                            </p:childTnLst>
+                          </p:cTn>
+                        </p:par>
+                      </p:childTnLst>
+                    </p:cTn>
+                  </p:par>
+                  <p:par>
+                    <p:cTn id="19" fill="hold">
+                      <p:stCondLst>
+                        <p:cond delay="indefinite"/>
+                      </p:stCondLst>
+                      <p:childTnLst>
+                        <p:par>
+                          <p:cTn id="20" fill="hold">
+                            <p:stCondLst>
+                              <p:cond delay="0"/>
+                            </p:stCondLst>
+                            <p:childTnLst>
+                              <p:par>
+                                <p:cTn id="21" presetID="1" presetClass="entr" presetSubtype="0" fill="hold" nodeType="clickEffect">
+                                  <p:stCondLst>
+                                    <p:cond delay="0"/>
+                                  </p:stCondLst>
+                                  <p:childTnLst>
+                                    <p:set>
+                                      <p:cBhvr>
+                                        <p:cTn id="22" dur="1" fill="hold">
+                                          <p:stCondLst>
+                                            <p:cond delay="0"/>
+                                          </p:stCondLst>
+                                        </p:cTn>
+                                        <p:tgtEl>
+                                          <p:spTgt spid="3">
+                                            <p:txEl>
+                                              <p:pRg st="4" end="4"/>
+                                            </p:txEl>
+                                          </p:spTgt>
+                                        </p:tgtEl>
+                                        <p:attrNameLst>
+                                          <p:attrName>style.visibility</p:attrName>
+                                        </p:attrNameLst>
+                                      </p:cBhvr>
+                                      <p:to>
+                                        <p:strVal val="visible"/>
+                                      </p:to>
+                                    </p:set>
+                                  </p:childTnLst>
+                                </p:cTn>
+                              </p:par>
+                            </p:childTnLst>
+                          </p:cTn>
+                        </p:par>
+                      </p:childTnLst>
+                    </p:cTn>
+                  </p:par>
+                  <p:par>
+                    <p:cTn id="23" fill="hold">
+                      <p:stCondLst>
+                        <p:cond delay="indefinite"/>
+                      </p:stCondLst>
+                      <p:childTnLst>
+                        <p:par>
+                          <p:cTn id="24" fill="hold">
+                            <p:stCondLst>
+                              <p:cond delay="0"/>
+                            </p:stCondLst>
+                            <p:childTnLst>
+                              <p:par>
+                                <p:cTn id="25" presetID="1" presetClass="entr" presetSubtype="0" fill="hold" nodeType="clickEffect">
+                                  <p:stCondLst>
+                                    <p:cond delay="0"/>
+                                  </p:stCondLst>
+                                  <p:childTnLst>
+                                    <p:set>
+                                      <p:cBhvr>
+                                        <p:cTn id="26" dur="1" fill="hold">
+                                          <p:stCondLst>
+                                            <p:cond delay="0"/>
+                                          </p:stCondLst>
+                                        </p:cTn>
+                                        <p:tgtEl>
+                                          <p:spTgt spid="3">
+                                            <p:txEl>
+                                              <p:pRg st="5" end="5"/>
+                                            </p:txEl>
+                                          </p:spTgt>
+                                        </p:tgtEl>
+                                        <p:attrNameLst>
+                                          <p:attrName>style.visibility</p:attrName>
+                                        </p:attrNameLst>
+                                      </p:cBhvr>
+                                      <p:to>
+                                        <p:strVal val="visible"/>
+                                      </p:to>
+                                    </p:set>
+                                  </p:childTnLst>
+                                </p:cTn>
+                              </p:par>
+                            </p:childTnLst>
+                          </p:cTn>
+                        </p:par>
+                      </p:childTnLst>
+                    </p:cTn>
+                  </p:par>
+                </p:childTnLst>
+              </p:cTn>
+              <p:prevCondLst>
+                <p:cond evt="onPrev" delay="0">
+                  <p:tgtEl>
+                    <p:sldTgt/>
+                  </p:tgtEl>
+                </p:cond>
+              </p:prevCondLst>
+              <p:nextCondLst>
+                <p:cond evt="onNext" delay="0">
+                  <p:tgtEl>
+                    <p:sldTgt/>
+                  </p:tgtEl>
+                </p:cond>
+              </p:nextCondLst>
+            </p:seq>
+          </p:childTnLst>
+        </p:cTn>
+      </p:par>
+    </p:tnLst>
+  </p:timing>
 </p:sld>
 </file>
 
@@ -19240,6 +19696,746 @@
           <p:cNvPr id="2" name="Title 1">
             <a:extLst>
               <a:ext uri="{FF2B5EF4-FFF2-40B4-BE49-F238E27FC236}">
+                <a16:creationId xmlns:a16="http://schemas.microsoft.com/office/drawing/2014/main" id="{24627ED6-BEDB-462D-9EE5-3FE383491C06}"/>
+              </a:ext>
+            </a:extLst>
+          </p:cNvPr>
+          <p:cNvSpPr>
+            <a:spLocks noGrp="1"/>
+          </p:cNvSpPr>
+          <p:nvPr>
+            <p:ph type="title"/>
+          </p:nvPr>
+        </p:nvSpPr>
+        <p:spPr/>
+        <p:txBody>
+          <a:bodyPr/>
+          <a:lstStyle/>
+          <a:p>
+            <a:r>
+              <a:rPr lang="en-US" dirty="0"/>
+              <a:t>Checking Gradients</a:t>
+            </a:r>
+          </a:p>
+        </p:txBody>
+      </p:sp>
+      <mc:AlternateContent xmlns:mc="http://schemas.openxmlformats.org/markup-compatibility/2006">
+        <mc:Choice xmlns:a14="http://schemas.microsoft.com/office/drawing/2010/main" Requires="a14">
+          <p:sp>
+            <p:nvSpPr>
+              <p:cNvPr id="3" name="Content Placeholder 2">
+                <a:extLst>
+                  <a:ext uri="{FF2B5EF4-FFF2-40B4-BE49-F238E27FC236}">
+                    <a16:creationId xmlns:a16="http://schemas.microsoft.com/office/drawing/2014/main" id="{15DC5E7A-2B28-40C4-B0F8-B5F57D49C42F}"/>
+                  </a:ext>
+                </a:extLst>
+              </p:cNvPr>
+              <p:cNvSpPr>
+                <a:spLocks noGrp="1"/>
+              </p:cNvSpPr>
+              <p:nvPr>
+                <p:ph idx="1"/>
+              </p:nvPr>
+            </p:nvSpPr>
+            <p:spPr>
+              <a:xfrm>
+                <a:off x="1097280" y="1539277"/>
+                <a:ext cx="4917626" cy="4329817"/>
+              </a:xfrm>
+            </p:spPr>
+            <p:txBody>
+              <a:bodyPr/>
+              <a:lstStyle/>
+              <a:p>
+                <a:r>
+                  <a:rPr lang="en-US" dirty="0"/>
+                  <a:t>Always check gradients before using</a:t>
+                </a:r>
+              </a:p>
+              <a:p>
+                <a:pPr lvl="1"/>
+                <a:r>
+                  <a:rPr lang="en-US" dirty="0"/>
+                  <a:t>Even good developers make mistakes!</a:t>
+                </a:r>
+              </a:p>
+              <a:p>
+                <a:r>
+                  <a:rPr lang="en-US" dirty="0"/>
+                  <a:t>Simple check:</a:t>
+                </a:r>
+              </a:p>
+              <a:p>
+                <a:pPr lvl="1"/>
+                <a:r>
+                  <a:rPr lang="en-US" dirty="0"/>
+                  <a:t>Take some point </a:t>
+                </a:r>
+                <a14:m>
+                  <m:oMath xmlns:m="http://schemas.openxmlformats.org/officeDocument/2006/math">
+                    <m:sSub>
+                      <m:sSubPr>
+                        <m:ctrlPr>
+                          <a:rPr lang="es-ES" b="0" i="1" smtClean="0">
+                            <a:latin typeface="Cambria Math" panose="02040503050406030204" pitchFamily="18" charset="0"/>
+                          </a:rPr>
+                        </m:ctrlPr>
+                      </m:sSubPr>
+                      <m:e>
+                        <m:r>
+                          <a:rPr lang="es-ES" b="0" i="1" smtClean="0">
+                            <a:latin typeface="Cambria Math" panose="02040503050406030204" pitchFamily="18" charset="0"/>
+                          </a:rPr>
+                          <m:t>𝑤</m:t>
+                        </m:r>
+                      </m:e>
+                      <m:sub>
+                        <m:r>
+                          <a:rPr lang="es-ES" b="0" i="1" smtClean="0">
+                            <a:latin typeface="Cambria Math" panose="02040503050406030204" pitchFamily="18" charset="0"/>
+                          </a:rPr>
+                          <m:t>0</m:t>
+                        </m:r>
+                      </m:sub>
+                    </m:sSub>
+                  </m:oMath>
+                </a14:m>
+                <a:endParaRPr lang="en-US" dirty="0"/>
+              </a:p>
+              <a:p>
+                <a:pPr lvl="1"/>
+                <a:r>
+                  <a:rPr lang="en-US" dirty="0"/>
+                  <a:t>Evaluate </a:t>
+                </a:r>
+                <a14:m>
+                  <m:oMath xmlns:m="http://schemas.openxmlformats.org/officeDocument/2006/math">
+                    <m:r>
+                      <a:rPr lang="es-ES" b="0" i="1" smtClean="0">
+                        <a:latin typeface="Cambria Math" panose="02040503050406030204" pitchFamily="18" charset="0"/>
+                      </a:rPr>
+                      <m:t>𝐽</m:t>
+                    </m:r>
+                    <m:d>
+                      <m:dPr>
+                        <m:ctrlPr>
+                          <a:rPr lang="es-ES" b="0" i="1" smtClean="0">
+                            <a:latin typeface="Cambria Math" panose="02040503050406030204" pitchFamily="18" charset="0"/>
+                          </a:rPr>
+                        </m:ctrlPr>
+                      </m:dPr>
+                      <m:e>
+                        <m:sSub>
+                          <m:sSubPr>
+                            <m:ctrlPr>
+                              <a:rPr lang="es-ES" b="0" i="1" smtClean="0">
+                                <a:latin typeface="Cambria Math" panose="02040503050406030204" pitchFamily="18" charset="0"/>
+                              </a:rPr>
+                            </m:ctrlPr>
+                          </m:sSubPr>
+                          <m:e>
+                            <m:r>
+                              <a:rPr lang="es-ES" b="0" i="1" smtClean="0">
+                                <a:latin typeface="Cambria Math" panose="02040503050406030204" pitchFamily="18" charset="0"/>
+                              </a:rPr>
+                              <m:t>𝑤</m:t>
+                            </m:r>
+                          </m:e>
+                          <m:sub>
+                            <m:r>
+                              <a:rPr lang="es-ES" b="0" i="1" smtClean="0">
+                                <a:latin typeface="Cambria Math" panose="02040503050406030204" pitchFamily="18" charset="0"/>
+                              </a:rPr>
+                              <m:t>0</m:t>
+                            </m:r>
+                          </m:sub>
+                        </m:sSub>
+                      </m:e>
+                    </m:d>
+                  </m:oMath>
+                </a14:m>
+                <a:r>
+                  <a:rPr lang="en-US" dirty="0"/>
+                  <a:t> and </a:t>
+                </a:r>
+                <a14:m>
+                  <m:oMath xmlns:m="http://schemas.openxmlformats.org/officeDocument/2006/math">
+                    <m:r>
+                      <m:rPr>
+                        <m:sty m:val="p"/>
+                      </m:rPr>
+                      <a:rPr lang="es-ES">
+                        <a:latin typeface="Cambria Math" panose="02040503050406030204" pitchFamily="18" charset="0"/>
+                      </a:rPr>
+                      <m:t>∇</m:t>
+                    </m:r>
+                    <m:r>
+                      <a:rPr lang="es-ES" i="1">
+                        <a:latin typeface="Cambria Math" panose="02040503050406030204" pitchFamily="18" charset="0"/>
+                      </a:rPr>
+                      <m:t>𝐽</m:t>
+                    </m:r>
+                    <m:r>
+                      <a:rPr lang="es-ES" b="0" i="0" smtClean="0">
+                        <a:latin typeface="Cambria Math" panose="02040503050406030204" pitchFamily="18" charset="0"/>
+                      </a:rPr>
+                      <m:t>(</m:t>
+                    </m:r>
+                    <m:sSub>
+                      <m:sSubPr>
+                        <m:ctrlPr>
+                          <a:rPr lang="es-ES" b="0" i="0" smtClean="0">
+                            <a:latin typeface="Cambria Math" panose="02040503050406030204" pitchFamily="18" charset="0"/>
+                          </a:rPr>
+                        </m:ctrlPr>
+                      </m:sSubPr>
+                      <m:e>
+                        <m:r>
+                          <m:rPr>
+                            <m:sty m:val="p"/>
+                          </m:rPr>
+                          <a:rPr lang="es-ES" b="0" i="0" smtClean="0">
+                            <a:latin typeface="Cambria Math" panose="02040503050406030204" pitchFamily="18" charset="0"/>
+                          </a:rPr>
+                          <m:t>w</m:t>
+                        </m:r>
+                      </m:e>
+                      <m:sub>
+                        <m:r>
+                          <a:rPr lang="es-ES" b="0" i="0" smtClean="0">
+                            <a:latin typeface="Cambria Math" panose="02040503050406030204" pitchFamily="18" charset="0"/>
+                          </a:rPr>
+                          <m:t>0</m:t>
+                        </m:r>
+                      </m:sub>
+                    </m:sSub>
+                    <m:r>
+                      <a:rPr lang="es-ES" b="0" i="0" smtClean="0">
+                        <a:latin typeface="Cambria Math" panose="02040503050406030204" pitchFamily="18" charset="0"/>
+                      </a:rPr>
+                      <m:t>)</m:t>
+                    </m:r>
+                  </m:oMath>
+                </a14:m>
+                <a:endParaRPr lang="en-US" dirty="0"/>
+              </a:p>
+              <a:p>
+                <a:pPr lvl="1"/>
+                <a:r>
+                  <a:rPr lang="en-US" dirty="0"/>
+                  <a:t>Take a second point </a:t>
+                </a:r>
+                <a14:m>
+                  <m:oMath xmlns:m="http://schemas.openxmlformats.org/officeDocument/2006/math">
+                    <m:sSub>
+                      <m:sSubPr>
+                        <m:ctrlPr>
+                          <a:rPr lang="es-ES" b="0" i="1" smtClean="0">
+                            <a:latin typeface="Cambria Math" panose="02040503050406030204" pitchFamily="18" charset="0"/>
+                          </a:rPr>
+                        </m:ctrlPr>
+                      </m:sSubPr>
+                      <m:e>
+                        <m:r>
+                          <a:rPr lang="es-ES" b="0" i="1" smtClean="0">
+                            <a:latin typeface="Cambria Math" panose="02040503050406030204" pitchFamily="18" charset="0"/>
+                          </a:rPr>
+                          <m:t>𝑤</m:t>
+                        </m:r>
+                      </m:e>
+                      <m:sub>
+                        <m:r>
+                          <a:rPr lang="es-ES" b="0" i="1" smtClean="0">
+                            <a:latin typeface="Cambria Math" panose="02040503050406030204" pitchFamily="18" charset="0"/>
+                          </a:rPr>
+                          <m:t>1</m:t>
+                        </m:r>
+                      </m:sub>
+                    </m:sSub>
+                  </m:oMath>
+                </a14:m>
+                <a:r>
+                  <a:rPr lang="en-US" dirty="0"/>
+                  <a:t> close to </a:t>
+                </a:r>
+                <a14:m>
+                  <m:oMath xmlns:m="http://schemas.openxmlformats.org/officeDocument/2006/math">
+                    <m:sSub>
+                      <m:sSubPr>
+                        <m:ctrlPr>
+                          <a:rPr lang="es-ES" i="1">
+                            <a:latin typeface="Cambria Math" panose="02040503050406030204" pitchFamily="18" charset="0"/>
+                          </a:rPr>
+                        </m:ctrlPr>
+                      </m:sSubPr>
+                      <m:e>
+                        <m:r>
+                          <a:rPr lang="es-ES" i="1">
+                            <a:latin typeface="Cambria Math" panose="02040503050406030204" pitchFamily="18" charset="0"/>
+                          </a:rPr>
+                          <m:t>𝑤</m:t>
+                        </m:r>
+                      </m:e>
+                      <m:sub>
+                        <m:r>
+                          <a:rPr lang="es-ES" i="1">
+                            <a:latin typeface="Cambria Math" panose="02040503050406030204" pitchFamily="18" charset="0"/>
+                          </a:rPr>
+                          <m:t>0</m:t>
+                        </m:r>
+                      </m:sub>
+                    </m:sSub>
+                  </m:oMath>
+                </a14:m>
+                <a:endParaRPr lang="en-US" dirty="0"/>
+              </a:p>
+              <a:p>
+                <a:pPr lvl="1"/>
+                <a:r>
+                  <a:rPr lang="en-US" dirty="0"/>
+                  <a:t>Evaluate </a:t>
+                </a:r>
+                <a14:m>
+                  <m:oMath xmlns:m="http://schemas.openxmlformats.org/officeDocument/2006/math">
+                    <m:r>
+                      <a:rPr lang="es-ES" b="0" i="1" smtClean="0">
+                        <a:latin typeface="Cambria Math" panose="02040503050406030204" pitchFamily="18" charset="0"/>
+                      </a:rPr>
+                      <m:t>𝐽</m:t>
+                    </m:r>
+                    <m:d>
+                      <m:dPr>
+                        <m:ctrlPr>
+                          <a:rPr lang="es-ES" b="0" i="1" smtClean="0">
+                            <a:latin typeface="Cambria Math" panose="02040503050406030204" pitchFamily="18" charset="0"/>
+                          </a:rPr>
+                        </m:ctrlPr>
+                      </m:dPr>
+                      <m:e>
+                        <m:sSub>
+                          <m:sSubPr>
+                            <m:ctrlPr>
+                              <a:rPr lang="es-ES" b="0" i="1" smtClean="0">
+                                <a:latin typeface="Cambria Math" panose="02040503050406030204" pitchFamily="18" charset="0"/>
+                              </a:rPr>
+                            </m:ctrlPr>
+                          </m:sSubPr>
+                          <m:e>
+                            <m:r>
+                              <a:rPr lang="es-ES" b="0" i="1" smtClean="0">
+                                <a:latin typeface="Cambria Math" panose="02040503050406030204" pitchFamily="18" charset="0"/>
+                              </a:rPr>
+                              <m:t>𝑤</m:t>
+                            </m:r>
+                          </m:e>
+                          <m:sub>
+                            <m:r>
+                              <a:rPr lang="es-ES" b="0" i="1" smtClean="0">
+                                <a:latin typeface="Cambria Math" panose="02040503050406030204" pitchFamily="18" charset="0"/>
+                              </a:rPr>
+                              <m:t>1</m:t>
+                            </m:r>
+                          </m:sub>
+                        </m:sSub>
+                      </m:e>
+                    </m:d>
+                  </m:oMath>
+                </a14:m>
+                <a:endParaRPr lang="en-US" dirty="0"/>
+              </a:p>
+              <a:p>
+                <a:pPr lvl="1"/>
+                <a:r>
+                  <a:rPr lang="en-US" dirty="0"/>
+                  <a:t>Verify that:</a:t>
+                </a:r>
+                <a:br>
+                  <a:rPr lang="en-US" dirty="0"/>
+                </a:br>
+                <a:br>
+                  <a:rPr lang="en-US" dirty="0"/>
+                </a:br>
+                <a14:m>
+                  <m:oMath xmlns:m="http://schemas.openxmlformats.org/officeDocument/2006/math">
+                    <m:r>
+                      <a:rPr lang="es-ES" b="0" i="1" smtClean="0">
+                        <a:latin typeface="Cambria Math" panose="02040503050406030204" pitchFamily="18" charset="0"/>
+                      </a:rPr>
+                      <m:t>𝐽</m:t>
+                    </m:r>
+                    <m:d>
+                      <m:dPr>
+                        <m:ctrlPr>
+                          <a:rPr lang="es-ES" b="0" i="1" smtClean="0">
+                            <a:latin typeface="Cambria Math" panose="02040503050406030204" pitchFamily="18" charset="0"/>
+                          </a:rPr>
+                        </m:ctrlPr>
+                      </m:dPr>
+                      <m:e>
+                        <m:sSub>
+                          <m:sSubPr>
+                            <m:ctrlPr>
+                              <a:rPr lang="es-ES" b="0" i="1" smtClean="0">
+                                <a:latin typeface="Cambria Math" panose="02040503050406030204" pitchFamily="18" charset="0"/>
+                              </a:rPr>
+                            </m:ctrlPr>
+                          </m:sSubPr>
+                          <m:e>
+                            <m:r>
+                              <a:rPr lang="es-ES" b="0" i="1" smtClean="0">
+                                <a:latin typeface="Cambria Math" panose="02040503050406030204" pitchFamily="18" charset="0"/>
+                              </a:rPr>
+                              <m:t>𝑤</m:t>
+                            </m:r>
+                          </m:e>
+                          <m:sub>
+                            <m:r>
+                              <a:rPr lang="es-ES" b="0" i="1" smtClean="0">
+                                <a:latin typeface="Cambria Math" panose="02040503050406030204" pitchFamily="18" charset="0"/>
+                              </a:rPr>
+                              <m:t>1</m:t>
+                            </m:r>
+                          </m:sub>
+                        </m:sSub>
+                      </m:e>
+                    </m:d>
+                    <m:r>
+                      <a:rPr lang="es-ES" b="0" i="1" smtClean="0">
+                        <a:latin typeface="Cambria Math" panose="02040503050406030204" pitchFamily="18" charset="0"/>
+                      </a:rPr>
+                      <m:t>−</m:t>
+                    </m:r>
+                    <m:r>
+                      <a:rPr lang="es-ES" b="0" i="1" smtClean="0">
+                        <a:latin typeface="Cambria Math" panose="02040503050406030204" pitchFamily="18" charset="0"/>
+                      </a:rPr>
+                      <m:t>𝐽</m:t>
+                    </m:r>
+                    <m:d>
+                      <m:dPr>
+                        <m:ctrlPr>
+                          <a:rPr lang="es-ES" b="0" i="1" smtClean="0">
+                            <a:latin typeface="Cambria Math" panose="02040503050406030204" pitchFamily="18" charset="0"/>
+                          </a:rPr>
+                        </m:ctrlPr>
+                      </m:dPr>
+                      <m:e>
+                        <m:sSub>
+                          <m:sSubPr>
+                            <m:ctrlPr>
+                              <a:rPr lang="es-ES" b="0" i="1" smtClean="0">
+                                <a:latin typeface="Cambria Math" panose="02040503050406030204" pitchFamily="18" charset="0"/>
+                              </a:rPr>
+                            </m:ctrlPr>
+                          </m:sSubPr>
+                          <m:e>
+                            <m:r>
+                              <a:rPr lang="es-ES" b="0" i="1" smtClean="0">
+                                <a:latin typeface="Cambria Math" panose="02040503050406030204" pitchFamily="18" charset="0"/>
+                              </a:rPr>
+                              <m:t>𝑤</m:t>
+                            </m:r>
+                          </m:e>
+                          <m:sub>
+                            <m:r>
+                              <a:rPr lang="es-ES" b="0" i="1" smtClean="0">
+                                <a:latin typeface="Cambria Math" panose="02040503050406030204" pitchFamily="18" charset="0"/>
+                              </a:rPr>
+                              <m:t>0</m:t>
+                            </m:r>
+                          </m:sub>
+                        </m:sSub>
+                      </m:e>
+                    </m:d>
+                    <m:r>
+                      <a:rPr lang="es-ES" b="0" i="1" smtClean="0">
+                        <a:latin typeface="Cambria Math" panose="02040503050406030204" pitchFamily="18" charset="0"/>
+                      </a:rPr>
+                      <m:t>≈</m:t>
+                    </m:r>
+                    <m:r>
+                      <m:rPr>
+                        <m:sty m:val="p"/>
+                      </m:rPr>
+                      <a:rPr lang="es-ES" b="0" i="0" smtClean="0">
+                        <a:latin typeface="Cambria Math" panose="02040503050406030204" pitchFamily="18" charset="0"/>
+                      </a:rPr>
+                      <m:t>∇</m:t>
+                    </m:r>
+                    <m:r>
+                      <a:rPr lang="es-ES" b="0" i="1" smtClean="0">
+                        <a:latin typeface="Cambria Math" panose="02040503050406030204" pitchFamily="18" charset="0"/>
+                      </a:rPr>
+                      <m:t>𝐽</m:t>
+                    </m:r>
+                    <m:sSup>
+                      <m:sSupPr>
+                        <m:ctrlPr>
+                          <a:rPr lang="es-ES" b="0" i="1" smtClean="0">
+                            <a:latin typeface="Cambria Math" panose="02040503050406030204" pitchFamily="18" charset="0"/>
+                          </a:rPr>
+                        </m:ctrlPr>
+                      </m:sSupPr>
+                      <m:e>
+                        <m:d>
+                          <m:dPr>
+                            <m:ctrlPr>
+                              <a:rPr lang="es-ES" b="0" i="1" smtClean="0">
+                                <a:latin typeface="Cambria Math" panose="02040503050406030204" pitchFamily="18" charset="0"/>
+                              </a:rPr>
+                            </m:ctrlPr>
+                          </m:dPr>
+                          <m:e>
+                            <m:sSub>
+                              <m:sSubPr>
+                                <m:ctrlPr>
+                                  <a:rPr lang="es-ES" b="0" i="1" smtClean="0">
+                                    <a:latin typeface="Cambria Math" panose="02040503050406030204" pitchFamily="18" charset="0"/>
+                                  </a:rPr>
+                                </m:ctrlPr>
+                              </m:sSubPr>
+                              <m:e>
+                                <m:r>
+                                  <a:rPr lang="es-ES" b="0" i="1" smtClean="0">
+                                    <a:latin typeface="Cambria Math" panose="02040503050406030204" pitchFamily="18" charset="0"/>
+                                  </a:rPr>
+                                  <m:t>𝑤</m:t>
+                                </m:r>
+                              </m:e>
+                              <m:sub>
+                                <m:r>
+                                  <a:rPr lang="es-ES" b="0" i="1" smtClean="0">
+                                    <a:latin typeface="Cambria Math" panose="02040503050406030204" pitchFamily="18" charset="0"/>
+                                  </a:rPr>
+                                  <m:t>0</m:t>
+                                </m:r>
+                              </m:sub>
+                            </m:sSub>
+                          </m:e>
+                        </m:d>
+                      </m:e>
+                      <m:sup>
+                        <m:r>
+                          <a:rPr lang="es-ES" b="0" i="1" smtClean="0">
+                            <a:latin typeface="Cambria Math" panose="02040503050406030204" pitchFamily="18" charset="0"/>
+                          </a:rPr>
+                          <m:t>𝑇</m:t>
+                        </m:r>
+                      </m:sup>
+                    </m:sSup>
+                    <m:r>
+                      <a:rPr lang="es-ES" b="0" i="1" smtClean="0">
+                        <a:latin typeface="Cambria Math" panose="02040503050406030204" pitchFamily="18" charset="0"/>
+                      </a:rPr>
+                      <m:t>(</m:t>
+                    </m:r>
+                    <m:sSub>
+                      <m:sSubPr>
+                        <m:ctrlPr>
+                          <a:rPr lang="es-ES" b="0" i="1" smtClean="0">
+                            <a:latin typeface="Cambria Math" panose="02040503050406030204" pitchFamily="18" charset="0"/>
+                          </a:rPr>
+                        </m:ctrlPr>
+                      </m:sSubPr>
+                      <m:e>
+                        <m:r>
+                          <a:rPr lang="es-ES" b="0" i="1" smtClean="0">
+                            <a:latin typeface="Cambria Math" panose="02040503050406030204" pitchFamily="18" charset="0"/>
+                          </a:rPr>
+                          <m:t>𝑤</m:t>
+                        </m:r>
+                      </m:e>
+                      <m:sub>
+                        <m:r>
+                          <a:rPr lang="es-ES" b="0" i="1" smtClean="0">
+                            <a:latin typeface="Cambria Math" panose="02040503050406030204" pitchFamily="18" charset="0"/>
+                          </a:rPr>
+                          <m:t>1</m:t>
+                        </m:r>
+                      </m:sub>
+                    </m:sSub>
+                    <m:r>
+                      <a:rPr lang="es-ES" b="0" i="1" smtClean="0">
+                        <a:latin typeface="Cambria Math" panose="02040503050406030204" pitchFamily="18" charset="0"/>
+                      </a:rPr>
+                      <m:t>−</m:t>
+                    </m:r>
+                    <m:sSub>
+                      <m:sSubPr>
+                        <m:ctrlPr>
+                          <a:rPr lang="es-ES" b="0" i="1" smtClean="0">
+                            <a:latin typeface="Cambria Math" panose="02040503050406030204" pitchFamily="18" charset="0"/>
+                          </a:rPr>
+                        </m:ctrlPr>
+                      </m:sSubPr>
+                      <m:e>
+                        <m:r>
+                          <a:rPr lang="es-ES" b="0" i="1" smtClean="0">
+                            <a:latin typeface="Cambria Math" panose="02040503050406030204" pitchFamily="18" charset="0"/>
+                          </a:rPr>
+                          <m:t>𝑤</m:t>
+                        </m:r>
+                      </m:e>
+                      <m:sub>
+                        <m:r>
+                          <a:rPr lang="es-ES" b="0" i="1" smtClean="0">
+                            <a:latin typeface="Cambria Math" panose="02040503050406030204" pitchFamily="18" charset="0"/>
+                          </a:rPr>
+                          <m:t>0</m:t>
+                        </m:r>
+                      </m:sub>
+                    </m:sSub>
+                    <m:r>
+                      <a:rPr lang="es-ES" b="0" i="1" smtClean="0">
+                        <a:latin typeface="Cambria Math" panose="02040503050406030204" pitchFamily="18" charset="0"/>
+                      </a:rPr>
+                      <m:t>)</m:t>
+                    </m:r>
+                  </m:oMath>
+                </a14:m>
+                <a:endParaRPr lang="en-US" dirty="0"/>
+              </a:p>
+            </p:txBody>
+          </p:sp>
+        </mc:Choice>
+        <mc:Fallback>
+          <p:sp>
+            <p:nvSpPr>
+              <p:cNvPr id="3" name="Content Placeholder 2">
+                <a:extLst>
+                  <a:ext uri="{FF2B5EF4-FFF2-40B4-BE49-F238E27FC236}">
+                    <a16:creationId xmlns:a16="http://schemas.microsoft.com/office/drawing/2014/main" id="{15DC5E7A-2B28-40C4-B0F8-B5F57D49C42F}"/>
+                  </a:ext>
+                </a:extLst>
+              </p:cNvPr>
+              <p:cNvSpPr>
+                <a:spLocks noGrp="1" noRot="1" noChangeAspect="1" noMove="1" noResize="1" noEditPoints="1" noAdjustHandles="1" noChangeArrowheads="1" noChangeShapeType="1" noTextEdit="1"/>
+              </p:cNvSpPr>
+              <p:nvPr>
+                <p:ph idx="1"/>
+              </p:nvPr>
+            </p:nvSpPr>
+            <p:spPr>
+              <a:xfrm>
+                <a:off x="1097280" y="1539277"/>
+                <a:ext cx="4917626" cy="4329817"/>
+              </a:xfrm>
+              <a:blipFill>
+                <a:blip r:embed="rId2"/>
+                <a:stretch>
+                  <a:fillRect l="-2974" t="-1549"/>
+                </a:stretch>
+              </a:blipFill>
+            </p:spPr>
+            <p:txBody>
+              <a:bodyPr/>
+              <a:lstStyle/>
+              <a:p>
+                <a:r>
+                  <a:rPr lang="en-US">
+                    <a:noFill/>
+                  </a:rPr>
+                  <a:t> </a:t>
+                </a:r>
+              </a:p>
+            </p:txBody>
+          </p:sp>
+        </mc:Fallback>
+      </mc:AlternateContent>
+      <p:sp>
+        <p:nvSpPr>
+          <p:cNvPr id="4" name="Slide Number Placeholder 3">
+            <a:extLst>
+              <a:ext uri="{FF2B5EF4-FFF2-40B4-BE49-F238E27FC236}">
+                <a16:creationId xmlns:a16="http://schemas.microsoft.com/office/drawing/2014/main" id="{ABE7190E-A361-4AD4-AADA-931840715A24}"/>
+              </a:ext>
+            </a:extLst>
+          </p:cNvPr>
+          <p:cNvSpPr>
+            <a:spLocks noGrp="1"/>
+          </p:cNvSpPr>
+          <p:nvPr>
+            <p:ph type="sldNum" sz="quarter" idx="12"/>
+          </p:nvPr>
+        </p:nvSpPr>
+        <p:spPr/>
+        <p:txBody>
+          <a:bodyPr/>
+          <a:lstStyle/>
+          <a:p>
+            <a:fld id="{629637A9-119A-49DA-BD12-AAC58B377D80}" type="slidenum">
+              <a:rPr lang="en-US" smtClean="0"/>
+              <a:t>21</a:t>
+            </a:fld>
+            <a:endParaRPr lang="en-US" dirty="0"/>
+          </a:p>
+        </p:txBody>
+      </p:sp>
+      <p:pic>
+        <p:nvPicPr>
+          <p:cNvPr id="6" name="Picture 5">
+            <a:extLst>
+              <a:ext uri="{FF2B5EF4-FFF2-40B4-BE49-F238E27FC236}">
+                <a16:creationId xmlns:a16="http://schemas.microsoft.com/office/drawing/2014/main" id="{84325994-F1DC-46BD-9C6A-94914D68591D}"/>
+              </a:ext>
+            </a:extLst>
+          </p:cNvPr>
+          <p:cNvPicPr>
+            <a:picLocks noChangeAspect="1"/>
+          </p:cNvPicPr>
+          <p:nvPr/>
+        </p:nvPicPr>
+        <p:blipFill>
+          <a:blip r:embed="rId3"/>
+          <a:stretch>
+            <a:fillRect/>
+          </a:stretch>
+        </p:blipFill>
+        <p:spPr>
+          <a:xfrm>
+            <a:off x="6524969" y="1539277"/>
+            <a:ext cx="4133850" cy="3952875"/>
+          </a:xfrm>
+          <a:prstGeom prst="rect">
+            <a:avLst/>
+          </a:prstGeom>
+        </p:spPr>
+      </p:pic>
+    </p:spTree>
+    <p:extLst>
+      <p:ext uri="{BB962C8B-B14F-4D97-AF65-F5344CB8AC3E}">
+        <p14:creationId xmlns:p14="http://schemas.microsoft.com/office/powerpoint/2010/main" val="2893879803"/>
+      </p:ext>
+    </p:extLst>
+  </p:cSld>
+  <p:clrMapOvr>
+    <a:masterClrMapping/>
+  </p:clrMapOvr>
+</p:sld>
+</file>
+
+<file path=ppt/slides/slide22.xml><?xml version="1.0" encoding="utf-8"?>
+<p:sld xmlns:a="http://schemas.openxmlformats.org/drawingml/2006/main" xmlns:r="http://schemas.openxmlformats.org/officeDocument/2006/relationships" xmlns:p="http://schemas.openxmlformats.org/presentationml/2006/main">
+  <p:cSld>
+    <p:spTree>
+      <p:nvGrpSpPr>
+        <p:cNvPr id="1" name=""/>
+        <p:cNvGrpSpPr/>
+        <p:nvPr/>
+      </p:nvGrpSpPr>
+      <p:grpSpPr>
+        <a:xfrm>
+          <a:off x="0" y="0"/>
+          <a:ext cx="0" cy="0"/>
+          <a:chOff x="0" y="0"/>
+          <a:chExt cx="0" cy="0"/>
+        </a:xfrm>
+      </p:grpSpPr>
+      <p:sp>
+        <p:nvSpPr>
+          <p:cNvPr id="2" name="Title 1">
+            <a:extLst>
+              <a:ext uri="{FF2B5EF4-FFF2-40B4-BE49-F238E27FC236}">
                 <a16:creationId xmlns:a16="http://schemas.microsoft.com/office/drawing/2014/main" id="{1231F224-5177-4E1E-998A-06BEA48C30A7}"/>
               </a:ext>
             </a:extLst>
@@ -19581,7 +20777,7 @@
           <a:p>
             <a:fld id="{629637A9-119A-49DA-BD12-AAC58B377D80}" type="slidenum">
               <a:rPr lang="en-US" smtClean="0"/>
-              <a:t>21</a:t>
+              <a:t>22</a:t>
             </a:fld>
             <a:endParaRPr lang="en-US" dirty="0"/>
           </a:p>
@@ -19647,7 +20843,7 @@
 </p:sld>
 </file>
 
-<file path=ppt/slides/slide22.xml><?xml version="1.0" encoding="utf-8"?>
+<file path=ppt/slides/slide23.xml><?xml version="1.0" encoding="utf-8"?>
 <p:sld xmlns:a="http://schemas.openxmlformats.org/drawingml/2006/main" xmlns:r="http://schemas.openxmlformats.org/officeDocument/2006/relationships" xmlns:p="http://schemas.openxmlformats.org/presentationml/2006/main">
   <p:cSld>
     <p:spTree>
@@ -20369,7 +21565,7 @@
           <a:p>
             <a:fld id="{629637A9-119A-49DA-BD12-AAC58B377D80}" type="slidenum">
               <a:rPr lang="en-US" smtClean="0"/>
-              <a:t>22</a:t>
+              <a:t>23</a:t>
             </a:fld>
             <a:endParaRPr lang="en-US" dirty="0"/>
           </a:p>
@@ -20448,7 +21644,7 @@
 </p:sld>
 </file>
 
-<file path=ppt/slides/slide23.xml><?xml version="1.0" encoding="utf-8"?>
+<file path=ppt/slides/slide24.xml><?xml version="1.0" encoding="utf-8"?>
 <p:sld xmlns:a="http://schemas.openxmlformats.org/drawingml/2006/main" xmlns:r="http://schemas.openxmlformats.org/officeDocument/2006/relationships" xmlns:p="http://schemas.openxmlformats.org/presentationml/2006/main">
   <p:cSld>
     <p:spTree>
@@ -21421,7 +22617,7 @@
           <a:p>
             <a:fld id="{629637A9-119A-49DA-BD12-AAC58B377D80}" type="slidenum">
               <a:rPr lang="en-US" smtClean="0"/>
-              <a:t>23</a:t>
+              <a:t>24</a:t>
             </a:fld>
             <a:endParaRPr lang="en-US" dirty="0"/>
           </a:p>
@@ -21440,7 +22636,7 @@
 </p:sld>
 </file>
 
-<file path=ppt/slides/slide24.xml><?xml version="1.0" encoding="utf-8"?>
+<file path=ppt/slides/slide25.xml><?xml version="1.0" encoding="utf-8"?>
 <p:sld xmlns:a="http://schemas.openxmlformats.org/drawingml/2006/main" xmlns:r="http://schemas.openxmlformats.org/officeDocument/2006/relationships" xmlns:p="http://schemas.openxmlformats.org/presentationml/2006/main">
   <p:cSld>
     <p:spTree>
@@ -21480,7 +22676,7 @@
           <a:p>
             <a:r>
               <a:rPr lang="en-US" dirty="0"/>
-              <a:t>Example 3:  Matrix-Input Function</a:t>
+              <a:t>Example 4:  Matrix-Input Function</a:t>
             </a:r>
           </a:p>
         </p:txBody>
@@ -22606,7 +23802,7 @@
           <a:p>
             <a:fld id="{629637A9-119A-49DA-BD12-AAC58B377D80}" type="slidenum">
               <a:rPr lang="en-US" smtClean="0"/>
-              <a:t>24</a:t>
+              <a:t>25</a:t>
             </a:fld>
             <a:endParaRPr lang="en-US" dirty="0"/>
           </a:p>
@@ -22625,7 +23821,7 @@
 </p:sld>
 </file>
 
-<file path=ppt/slides/slide25.xml><?xml version="1.0" encoding="utf-8"?>
+<file path=ppt/slides/slide26.xml><?xml version="1.0" encoding="utf-8"?>
 <p:sld xmlns:a="http://schemas.openxmlformats.org/drawingml/2006/main" xmlns:r="http://schemas.openxmlformats.org/officeDocument/2006/relationships" xmlns:p="http://schemas.openxmlformats.org/presentationml/2006/main">
   <p:cSld>
     <p:spTree>
@@ -22665,7 +23861,7 @@
           <a:p>
             <a:r>
               <a:rPr lang="en-US" dirty="0"/>
-              <a:t>Example 3 in Python</a:t>
+              <a:t>Example 4 in Python</a:t>
             </a:r>
           </a:p>
         </p:txBody>
@@ -23028,7 +24224,7 @@
           <a:p>
             <a:fld id="{629637A9-119A-49DA-BD12-AAC58B377D80}" type="slidenum">
               <a:rPr lang="en-US" smtClean="0"/>
-              <a:t>25</a:t>
+              <a:t>26</a:t>
             </a:fld>
             <a:endParaRPr lang="en-US" dirty="0"/>
           </a:p>
@@ -23077,7 +24273,124 @@
 </p:sld>
 </file>
 
-<file path=ppt/slides/slide26.xml><?xml version="1.0" encoding="utf-8"?>
+<file path=ppt/slides/slide27.xml><?xml version="1.0" encoding="utf-8"?>
+<p:sld xmlns:a="http://schemas.openxmlformats.org/drawingml/2006/main" xmlns:r="http://schemas.openxmlformats.org/officeDocument/2006/relationships" xmlns:p="http://schemas.openxmlformats.org/presentationml/2006/main">
+  <p:cSld>
+    <p:spTree>
+      <p:nvGrpSpPr>
+        <p:cNvPr id="1" name=""/>
+        <p:cNvGrpSpPr/>
+        <p:nvPr/>
+      </p:nvGrpSpPr>
+      <p:grpSpPr>
+        <a:xfrm>
+          <a:off x="0" y="0"/>
+          <a:ext cx="0" cy="0"/>
+          <a:chOff x="0" y="0"/>
+          <a:chExt cx="0" cy="0"/>
+        </a:xfrm>
+      </p:grpSpPr>
+      <p:sp>
+        <p:nvSpPr>
+          <p:cNvPr id="2" name="Title 1">
+            <a:extLst>
+              <a:ext uri="{FF2B5EF4-FFF2-40B4-BE49-F238E27FC236}">
+                <a16:creationId xmlns:a16="http://schemas.microsoft.com/office/drawing/2014/main" id="{A964A05F-20A1-4600-B3C8-D2C1FB0236EB}"/>
+              </a:ext>
+            </a:extLst>
+          </p:cNvPr>
+          <p:cNvSpPr>
+            <a:spLocks noGrp="1"/>
+          </p:cNvSpPr>
+          <p:nvPr>
+            <p:ph type="title"/>
+          </p:nvPr>
+        </p:nvSpPr>
+        <p:spPr/>
+        <p:txBody>
+          <a:bodyPr/>
+          <a:lstStyle/>
+          <a:p>
+            <a:r>
+              <a:rPr lang="en-US" dirty="0"/>
+              <a:t>In-Class Exercise</a:t>
+            </a:r>
+          </a:p>
+        </p:txBody>
+      </p:sp>
+      <p:sp>
+        <p:nvSpPr>
+          <p:cNvPr id="4" name="Slide Number Placeholder 3">
+            <a:extLst>
+              <a:ext uri="{FF2B5EF4-FFF2-40B4-BE49-F238E27FC236}">
+                <a16:creationId xmlns:a16="http://schemas.microsoft.com/office/drawing/2014/main" id="{B33BCA4E-4D5A-4521-B8C7-747B485223D0}"/>
+              </a:ext>
+            </a:extLst>
+          </p:cNvPr>
+          <p:cNvSpPr>
+            <a:spLocks noGrp="1"/>
+          </p:cNvSpPr>
+          <p:nvPr>
+            <p:ph type="sldNum" sz="quarter" idx="12"/>
+          </p:nvPr>
+        </p:nvSpPr>
+        <p:spPr/>
+        <p:txBody>
+          <a:bodyPr/>
+          <a:lstStyle/>
+          <a:p>
+            <a:fld id="{629637A9-119A-49DA-BD12-AAC58B377D80}" type="slidenum">
+              <a:rPr lang="en-US" smtClean="0"/>
+              <a:t>27</a:t>
+            </a:fld>
+            <a:endParaRPr lang="en-US" dirty="0"/>
+          </a:p>
+        </p:txBody>
+      </p:sp>
+      <p:pic>
+        <p:nvPicPr>
+          <p:cNvPr id="5" name="Picture 4">
+            <a:extLst>
+              <a:ext uri="{FF2B5EF4-FFF2-40B4-BE49-F238E27FC236}">
+                <a16:creationId xmlns:a16="http://schemas.microsoft.com/office/drawing/2014/main" id="{924DF396-FEC8-40A7-AEBA-EA5965C9F0D1}"/>
+              </a:ext>
+            </a:extLst>
+          </p:cNvPr>
+          <p:cNvPicPr>
+            <a:picLocks noChangeAspect="1"/>
+          </p:cNvPicPr>
+          <p:nvPr/>
+        </p:nvPicPr>
+        <p:blipFill>
+          <a:blip r:embed="rId2"/>
+          <a:stretch>
+            <a:fillRect/>
+          </a:stretch>
+        </p:blipFill>
+        <p:spPr>
+          <a:xfrm>
+            <a:off x="1097280" y="1556725"/>
+            <a:ext cx="6229350" cy="3190875"/>
+          </a:xfrm>
+          <a:prstGeom prst="rect">
+            <a:avLst/>
+          </a:prstGeom>
+        </p:spPr>
+      </p:pic>
+    </p:spTree>
+    <p:extLst>
+      <p:ext uri="{BB962C8B-B14F-4D97-AF65-F5344CB8AC3E}">
+        <p14:creationId xmlns:p14="http://schemas.microsoft.com/office/powerpoint/2010/main" val="3666320183"/>
+      </p:ext>
+    </p:extLst>
+  </p:cSld>
+  <p:clrMapOvr>
+    <a:masterClrMapping/>
+  </p:clrMapOvr>
+</p:sld>
+</file>
+
+<file path=ppt/slides/slide28.xml><?xml version="1.0" encoding="utf-8"?>
 <p:sld xmlns:a="http://schemas.openxmlformats.org/drawingml/2006/main" xmlns:r="http://schemas.openxmlformats.org/officeDocument/2006/relationships" xmlns:p="http://schemas.openxmlformats.org/presentationml/2006/main">
   <p:cSld>
     <p:spTree>
@@ -23182,7 +24495,7 @@
           <a:p>
             <a:fld id="{629637A9-119A-49DA-BD12-AAC58B377D80}" type="slidenum">
               <a:rPr lang="en-US" smtClean="0"/>
-              <a:t>26</a:t>
+              <a:t>28</a:t>
             </a:fld>
             <a:endParaRPr lang="en-US" dirty="0"/>
           </a:p>
@@ -23247,7 +24560,7 @@
 </p:sld>
 </file>
 
-<file path=ppt/slides/slide27.xml><?xml version="1.0" encoding="utf-8"?>
+<file path=ppt/slides/slide29.xml><?xml version="1.0" encoding="utf-8"?>
 <p:sld xmlns:a="http://schemas.openxmlformats.org/drawingml/2006/main" xmlns:r="http://schemas.openxmlformats.org/officeDocument/2006/relationships" xmlns:p="http://schemas.openxmlformats.org/presentationml/2006/main">
   <p:cSld>
     <p:spTree>
@@ -23304,7 +24617,7 @@
             <a:fld id="{529F9F8D-2534-4D48-85E3-73908409BCC5}" type="slidenum">
               <a:rPr lang="en-US" smtClean="0"/>
               <a:pPr/>
-              <a:t>27</a:t>
+              <a:t>29</a:t>
             </a:fld>
             <a:endParaRPr lang="en-US"/>
           </a:p>
@@ -23752,1039 +25065,6 @@
     <p:extLst>
       <p:ext uri="{BB962C8B-B14F-4D97-AF65-F5344CB8AC3E}">
         <p14:creationId xmlns:p14="http://schemas.microsoft.com/office/powerpoint/2010/main" val="953569090"/>
-      </p:ext>
-    </p:extLst>
-  </p:cSld>
-  <p:clrMapOvr>
-    <a:masterClrMapping/>
-  </p:clrMapOvr>
-</p:sld>
-</file>
-
-<file path=ppt/slides/slide28.xml><?xml version="1.0" encoding="utf-8"?>
-<p:sld xmlns:a="http://schemas.openxmlformats.org/drawingml/2006/main" xmlns:r="http://schemas.openxmlformats.org/officeDocument/2006/relationships" xmlns:p="http://schemas.openxmlformats.org/presentationml/2006/main">
-  <p:cSld>
-    <p:spTree>
-      <p:nvGrpSpPr>
-        <p:cNvPr id="1" name=""/>
-        <p:cNvGrpSpPr/>
-        <p:nvPr/>
-      </p:nvGrpSpPr>
-      <p:grpSpPr>
-        <a:xfrm>
-          <a:off x="0" y="0"/>
-          <a:ext cx="0" cy="0"/>
-          <a:chOff x="0" y="0"/>
-          <a:chExt cx="0" cy="0"/>
-        </a:xfrm>
-      </p:grpSpPr>
-      <p:sp>
-        <p:nvSpPr>
-          <p:cNvPr id="2" name="Title 1"/>
-          <p:cNvSpPr>
-            <a:spLocks noGrp="1"/>
-          </p:cNvSpPr>
-          <p:nvPr>
-            <p:ph type="title"/>
-          </p:nvPr>
-        </p:nvSpPr>
-        <p:spPr/>
-        <p:txBody>
-          <a:bodyPr/>
-          <a:lstStyle/>
-          <a:p>
-            <a:r>
-              <a:rPr lang="en-US" dirty="0"/>
-              <a:t>Numerical Optimization</a:t>
-            </a:r>
-          </a:p>
-        </p:txBody>
-      </p:sp>
-      <p:sp>
-        <p:nvSpPr>
-          <p:cNvPr id="3" name="Slide Number Placeholder 2"/>
-          <p:cNvSpPr>
-            <a:spLocks noGrp="1"/>
-          </p:cNvSpPr>
-          <p:nvPr>
-            <p:ph type="sldNum" sz="quarter" idx="12"/>
-          </p:nvPr>
-        </p:nvSpPr>
-        <p:spPr/>
-        <p:txBody>
-          <a:bodyPr/>
-          <a:lstStyle/>
-          <a:p>
-            <a:fld id="{529F9F8D-2534-4D48-85E3-73908409BCC5}" type="slidenum">
-              <a:rPr lang="en-US" smtClean="0"/>
-              <a:pPr/>
-              <a:t>28</a:t>
-            </a:fld>
-            <a:endParaRPr lang="en-US"/>
-          </a:p>
-        </p:txBody>
-      </p:sp>
-      <mc:AlternateContent xmlns:mc="http://schemas.openxmlformats.org/markup-compatibility/2006" xmlns:a14="http://schemas.microsoft.com/office/drawing/2010/main">
-        <mc:Choice Requires="a14">
-          <p:sp>
-            <p:nvSpPr>
-              <p:cNvPr id="4" name="Content Placeholder 3"/>
-              <p:cNvSpPr>
-                <a:spLocks noGrp="1"/>
-              </p:cNvSpPr>
-              <p:nvPr>
-                <p:ph sz="quarter" idx="1"/>
-              </p:nvPr>
-            </p:nvSpPr>
-            <p:spPr/>
-            <p:txBody>
-              <a:bodyPr/>
-              <a:lstStyle/>
-              <a:p>
-                <a:r>
-                  <a:rPr lang="en-US" dirty="0"/>
-                  <a:t>We saw that we can find minima by setting </a:t>
-                </a:r>
-                <a14:m>
-                  <m:oMath xmlns:m="http://schemas.openxmlformats.org/officeDocument/2006/math">
-                    <m:r>
-                      <a:rPr lang="en-US" b="0" i="0" smtClean="0">
-                        <a:latin typeface="Cambria Math" panose="02040503050406030204" pitchFamily="18" charset="0"/>
-                      </a:rPr>
-                      <m:t>𝛻</m:t>
-                    </m:r>
-                    <m:r>
-                      <a:rPr lang="en-US" b="0" i="1" smtClean="0">
-                        <a:latin typeface="Cambria Math" panose="02040503050406030204" pitchFamily="18" charset="0"/>
-                      </a:rPr>
-                      <m:t>𝑓</m:t>
-                    </m:r>
-                    <m:d>
-                      <m:dPr>
-                        <m:ctrlPr>
-                          <a:rPr lang="en-US" b="0" i="1" smtClean="0">
-                            <a:latin typeface="Cambria Math" panose="02040503050406030204" pitchFamily="18" charset="0"/>
-                          </a:rPr>
-                        </m:ctrlPr>
-                      </m:dPr>
-                      <m:e>
-                        <m:r>
-                          <a:rPr lang="en-US" b="0" i="1" smtClean="0">
-                            <a:latin typeface="Cambria Math" panose="02040503050406030204" pitchFamily="18" charset="0"/>
-                          </a:rPr>
-                          <m:t>𝑤</m:t>
-                        </m:r>
-                      </m:e>
-                    </m:d>
-                    <m:r>
-                      <a:rPr lang="en-US" b="0" i="1" smtClean="0">
-                        <a:latin typeface="Cambria Math" panose="02040503050406030204" pitchFamily="18" charset="0"/>
-                      </a:rPr>
-                      <m:t>=0</m:t>
-                    </m:r>
-                  </m:oMath>
-                </a14:m>
-                <a:endParaRPr lang="en-US" b="0" dirty="0"/>
-              </a:p>
-              <a:p>
-                <a:pPr lvl="1"/>
-                <a14:m>
-                  <m:oMath xmlns:m="http://schemas.openxmlformats.org/officeDocument/2006/math">
-                    <m:r>
-                      <a:rPr lang="en-US" b="0" i="1" smtClean="0">
-                        <a:latin typeface="Cambria Math" panose="02040503050406030204" pitchFamily="18" charset="0"/>
-                      </a:rPr>
-                      <m:t>𝑀</m:t>
-                    </m:r>
-                  </m:oMath>
-                </a14:m>
-                <a:r>
-                  <a:rPr lang="en-US" dirty="0"/>
-                  <a:t> equations and </a:t>
-                </a:r>
-                <a14:m>
-                  <m:oMath xmlns:m="http://schemas.openxmlformats.org/officeDocument/2006/math">
-                    <m:r>
-                      <a:rPr lang="en-US" b="0" i="1" smtClean="0">
-                        <a:latin typeface="Cambria Math" panose="02040503050406030204" pitchFamily="18" charset="0"/>
-                      </a:rPr>
-                      <m:t>𝑀</m:t>
-                    </m:r>
-                  </m:oMath>
-                </a14:m>
-                <a:r>
-                  <a:rPr lang="en-US" dirty="0"/>
-                  <a:t> unknowns.  </a:t>
-                </a:r>
-              </a:p>
-              <a:p>
-                <a:pPr lvl="1"/>
-                <a:r>
-                  <a:rPr lang="en-US" dirty="0"/>
-                  <a:t>May not have closed-form solution</a:t>
-                </a:r>
-              </a:p>
-              <a:p>
-                <a:endParaRPr lang="en-US" dirty="0"/>
-              </a:p>
-              <a:p>
-                <a:r>
-                  <a:rPr lang="en-US" dirty="0">
-                    <a:solidFill>
-                      <a:schemeClr val="accent1">
-                        <a:lumMod val="60000"/>
-                        <a:lumOff val="40000"/>
-                      </a:schemeClr>
-                    </a:solidFill>
-                  </a:rPr>
-                  <a:t>Numerical methods</a:t>
-                </a:r>
-                <a:r>
-                  <a:rPr lang="en-US" dirty="0"/>
-                  <a:t>:  Finds a sequence of estimates </a:t>
-                </a:r>
-                <a14:m>
-                  <m:oMath xmlns:m="http://schemas.openxmlformats.org/officeDocument/2006/math">
-                    <m:sSup>
-                      <m:sSupPr>
-                        <m:ctrlPr>
-                          <a:rPr lang="en-US" b="0" i="1" smtClean="0">
-                            <a:latin typeface="Cambria Math" panose="02040503050406030204" pitchFamily="18" charset="0"/>
-                          </a:rPr>
-                        </m:ctrlPr>
-                      </m:sSupPr>
-                      <m:e>
-                        <m:r>
-                          <a:rPr lang="en-US" b="0" i="1" smtClean="0">
-                            <a:latin typeface="Cambria Math" panose="02040503050406030204" pitchFamily="18" charset="0"/>
-                          </a:rPr>
-                          <m:t>𝑤</m:t>
-                        </m:r>
-                      </m:e>
-                      <m:sup>
-                        <m:r>
-                          <a:rPr lang="en-US" b="0" i="1" smtClean="0">
-                            <a:latin typeface="Cambria Math" panose="02040503050406030204" pitchFamily="18" charset="0"/>
-                          </a:rPr>
-                          <m:t>𝑘</m:t>
-                        </m:r>
-                      </m:sup>
-                    </m:sSup>
-                  </m:oMath>
-                </a14:m>
-                <a:r>
-                  <a:rPr lang="en-US" dirty="0"/>
-                  <a:t> that converges to the true solution</a:t>
-                </a:r>
-                <a:br>
-                  <a:rPr lang="en-US" dirty="0"/>
-                </a:br>
-                <a14:m>
-                  <m:oMath xmlns:m="http://schemas.openxmlformats.org/officeDocument/2006/math">
-                    <m:sSup>
-                      <m:sSupPr>
-                        <m:ctrlPr>
-                          <a:rPr lang="en-US" b="0" i="1" smtClean="0">
-                            <a:latin typeface="Cambria Math" panose="02040503050406030204" pitchFamily="18" charset="0"/>
-                          </a:rPr>
-                        </m:ctrlPr>
-                      </m:sSupPr>
-                      <m:e>
-                        <m:r>
-                          <a:rPr lang="en-US" b="0" i="1" smtClean="0">
-                            <a:latin typeface="Cambria Math" panose="02040503050406030204" pitchFamily="18" charset="0"/>
-                          </a:rPr>
-                          <m:t>𝑤</m:t>
-                        </m:r>
-                      </m:e>
-                      <m:sup>
-                        <m:r>
-                          <a:rPr lang="en-US" b="0" i="1" smtClean="0">
-                            <a:latin typeface="Cambria Math" panose="02040503050406030204" pitchFamily="18" charset="0"/>
-                          </a:rPr>
-                          <m:t>𝑘</m:t>
-                        </m:r>
-                      </m:sup>
-                    </m:sSup>
-                    <m:r>
-                      <a:rPr lang="en-US" b="0" i="1" smtClean="0">
-                        <a:latin typeface="Cambria Math" panose="02040503050406030204" pitchFamily="18" charset="0"/>
-                      </a:rPr>
-                      <m:t>→</m:t>
-                    </m:r>
-                    <m:sSup>
-                      <m:sSupPr>
-                        <m:ctrlPr>
-                          <a:rPr lang="en-US" b="0" i="1" smtClean="0">
-                            <a:latin typeface="Cambria Math" panose="02040503050406030204" pitchFamily="18" charset="0"/>
-                          </a:rPr>
-                        </m:ctrlPr>
-                      </m:sSupPr>
-                      <m:e>
-                        <m:r>
-                          <a:rPr lang="en-US" b="0" i="1" smtClean="0">
-                            <a:latin typeface="Cambria Math" panose="02040503050406030204" pitchFamily="18" charset="0"/>
-                          </a:rPr>
-                          <m:t>𝑤</m:t>
-                        </m:r>
-                      </m:e>
-                      <m:sup>
-                        <m:r>
-                          <a:rPr lang="en-US" b="0" i="1" smtClean="0">
-                            <a:latin typeface="Cambria Math" panose="02040503050406030204" pitchFamily="18" charset="0"/>
-                          </a:rPr>
-                          <m:t>∗</m:t>
-                        </m:r>
-                      </m:sup>
-                    </m:sSup>
-                  </m:oMath>
-                </a14:m>
-                <a:endParaRPr lang="en-US" dirty="0"/>
-              </a:p>
-              <a:p>
-                <a:pPr lvl="1"/>
-                <a:r>
-                  <a:rPr lang="en-US" dirty="0"/>
-                  <a:t>Or converges to some other “good” minima</a:t>
-                </a:r>
-              </a:p>
-              <a:p>
-                <a:pPr lvl="1"/>
-                <a:r>
-                  <a:rPr lang="en-US" dirty="0"/>
-                  <a:t>Run on a computer program, like python</a:t>
-                </a:r>
-              </a:p>
-              <a:p>
-                <a:endParaRPr lang="en-US" dirty="0"/>
-              </a:p>
-              <a:p>
-                <a:endParaRPr lang="en-US" dirty="0"/>
-              </a:p>
-            </p:txBody>
-          </p:sp>
-        </mc:Choice>
-        <mc:Fallback xmlns="">
-          <p:sp>
-            <p:nvSpPr>
-              <p:cNvPr id="4" name="Content Placeholder 3"/>
-              <p:cNvSpPr>
-                <a:spLocks noGrp="1" noRot="1" noChangeAspect="1" noMove="1" noResize="1" noEditPoints="1" noAdjustHandles="1" noChangeArrowheads="1" noChangeShapeType="1" noTextEdit="1"/>
-              </p:cNvSpPr>
-              <p:nvPr>
-                <p:ph sz="quarter" idx="1"/>
-              </p:nvPr>
-            </p:nvSpPr>
-            <p:spPr>
-              <a:blipFill>
-                <a:blip r:embed="rId2"/>
-                <a:stretch>
-                  <a:fillRect l="-1261" t="-1462"/>
-                </a:stretch>
-              </a:blipFill>
-            </p:spPr>
-            <p:txBody>
-              <a:bodyPr/>
-              <a:lstStyle/>
-              <a:p>
-                <a:r>
-                  <a:rPr lang="en-US">
-                    <a:noFill/>
-                  </a:rPr>
-                  <a:t> </a:t>
-                </a:r>
-              </a:p>
-            </p:txBody>
-          </p:sp>
-        </mc:Fallback>
-      </mc:AlternateContent>
-    </p:spTree>
-    <p:extLst>
-      <p:ext uri="{BB962C8B-B14F-4D97-AF65-F5344CB8AC3E}">
-        <p14:creationId xmlns:p14="http://schemas.microsoft.com/office/powerpoint/2010/main" val="157756368"/>
-      </p:ext>
-    </p:extLst>
-  </p:cSld>
-  <p:clrMapOvr>
-    <a:masterClrMapping/>
-  </p:clrMapOvr>
-</p:sld>
-</file>
-
-<file path=ppt/slides/slide29.xml><?xml version="1.0" encoding="utf-8"?>
-<p:sld xmlns:a="http://schemas.openxmlformats.org/drawingml/2006/main" xmlns:r="http://schemas.openxmlformats.org/officeDocument/2006/relationships" xmlns:p="http://schemas.openxmlformats.org/presentationml/2006/main">
-  <p:cSld>
-    <p:spTree>
-      <p:nvGrpSpPr>
-        <p:cNvPr id="1" name=""/>
-        <p:cNvGrpSpPr/>
-        <p:nvPr/>
-      </p:nvGrpSpPr>
-      <p:grpSpPr>
-        <a:xfrm>
-          <a:off x="0" y="0"/>
-          <a:ext cx="0" cy="0"/>
-          <a:chOff x="0" y="0"/>
-          <a:chExt cx="0" cy="0"/>
-        </a:xfrm>
-      </p:grpSpPr>
-      <p:sp>
-        <p:nvSpPr>
-          <p:cNvPr id="2" name="Title 1"/>
-          <p:cNvSpPr>
-            <a:spLocks noGrp="1"/>
-          </p:cNvSpPr>
-          <p:nvPr>
-            <p:ph type="title"/>
-          </p:nvPr>
-        </p:nvSpPr>
-        <p:spPr/>
-        <p:txBody>
-          <a:bodyPr/>
-          <a:lstStyle/>
-          <a:p>
-            <a:r>
-              <a:rPr lang="en-US" dirty="0"/>
-              <a:t>Gradient Descent</a:t>
-            </a:r>
-          </a:p>
-        </p:txBody>
-      </p:sp>
-      <p:sp>
-        <p:nvSpPr>
-          <p:cNvPr id="3" name="Slide Number Placeholder 2"/>
-          <p:cNvSpPr>
-            <a:spLocks noGrp="1"/>
-          </p:cNvSpPr>
-          <p:nvPr>
-            <p:ph type="sldNum" sz="quarter" idx="12"/>
-          </p:nvPr>
-        </p:nvSpPr>
-        <p:spPr/>
-        <p:txBody>
-          <a:bodyPr/>
-          <a:lstStyle/>
-          <a:p>
-            <a:fld id="{529F9F8D-2534-4D48-85E3-73908409BCC5}" type="slidenum">
-              <a:rPr lang="en-US" smtClean="0"/>
-              <a:pPr/>
-              <a:t>29</a:t>
-            </a:fld>
-            <a:endParaRPr lang="en-US"/>
-          </a:p>
-        </p:txBody>
-      </p:sp>
-      <mc:AlternateContent xmlns:mc="http://schemas.openxmlformats.org/markup-compatibility/2006" xmlns:a14="http://schemas.microsoft.com/office/drawing/2010/main">
-        <mc:Choice Requires="a14">
-          <p:sp>
-            <p:nvSpPr>
-              <p:cNvPr id="4" name="Content Placeholder 3"/>
-              <p:cNvSpPr>
-                <a:spLocks noGrp="1"/>
-              </p:cNvSpPr>
-              <p:nvPr>
-                <p:ph sz="quarter" idx="1"/>
-              </p:nvPr>
-            </p:nvSpPr>
-            <p:spPr/>
-            <p:txBody>
-              <a:bodyPr/>
-              <a:lstStyle/>
-              <a:p>
-                <a:r>
-                  <a:rPr lang="en-US" dirty="0"/>
-                  <a:t>Most simple method for unconstrained optimization</a:t>
-                </a:r>
-              </a:p>
-              <a:p>
-                <a:r>
-                  <a:rPr lang="en-US" dirty="0"/>
-                  <a:t>Recall gradient:  </a:t>
-                </a:r>
-                <a:br>
-                  <a:rPr lang="en-US" dirty="0"/>
-                </a:br>
-                <a14:m>
-                  <m:oMath xmlns:m="http://schemas.openxmlformats.org/officeDocument/2006/math">
-                    <m:sSub>
-                      <m:sSubPr>
-                        <m:ctrlPr>
-                          <a:rPr lang="en-US" i="1">
-                            <a:latin typeface="Cambria Math" panose="02040503050406030204" pitchFamily="18" charset="0"/>
-                          </a:rPr>
-                        </m:ctrlPr>
-                      </m:sSubPr>
-                      <m:e>
-                        <m:r>
-                          <a:rPr lang="en-US" i="1">
-                            <a:latin typeface="Cambria Math" panose="02040503050406030204" pitchFamily="18" charset="0"/>
-                          </a:rPr>
-                          <m:t>𝛻</m:t>
-                        </m:r>
-                      </m:e>
-                      <m:sub>
-                        <m:r>
-                          <a:rPr lang="en-US" i="1">
-                            <a:latin typeface="Cambria Math" panose="02040503050406030204" pitchFamily="18" charset="0"/>
-                          </a:rPr>
-                          <m:t>𝑤</m:t>
-                        </m:r>
-                      </m:sub>
-                    </m:sSub>
-                    <m:r>
-                      <a:rPr lang="en-US" i="1">
-                        <a:latin typeface="Cambria Math" panose="02040503050406030204" pitchFamily="18" charset="0"/>
-                      </a:rPr>
-                      <m:t>𝑓</m:t>
-                    </m:r>
-                    <m:d>
-                      <m:dPr>
-                        <m:ctrlPr>
-                          <a:rPr lang="en-US" i="1">
-                            <a:latin typeface="Cambria Math" panose="02040503050406030204" pitchFamily="18" charset="0"/>
-                          </a:rPr>
-                        </m:ctrlPr>
-                      </m:dPr>
-                      <m:e>
-                        <m:r>
-                          <a:rPr lang="en-US" b="1" i="1">
-                            <a:latin typeface="Cambria Math" panose="02040503050406030204" pitchFamily="18" charset="0"/>
-                          </a:rPr>
-                          <m:t>𝒘</m:t>
-                        </m:r>
-                      </m:e>
-                    </m:d>
-                    <m:r>
-                      <a:rPr lang="en-US" i="1">
-                        <a:latin typeface="Cambria Math" panose="02040503050406030204" pitchFamily="18" charset="0"/>
-                      </a:rPr>
-                      <m:t>=</m:t>
-                    </m:r>
-                    <m:d>
-                      <m:dPr>
-                        <m:begChr m:val="["/>
-                        <m:endChr m:val="]"/>
-                        <m:ctrlPr>
-                          <a:rPr lang="en-US" i="1">
-                            <a:latin typeface="Cambria Math" panose="02040503050406030204" pitchFamily="18" charset="0"/>
-                          </a:rPr>
-                        </m:ctrlPr>
-                      </m:dPr>
-                      <m:e>
-                        <m:m>
-                          <m:mPr>
-                            <m:mcs>
-                              <m:mc>
-                                <m:mcPr>
-                                  <m:count m:val="1"/>
-                                  <m:mcJc m:val="center"/>
-                                </m:mcPr>
-                              </m:mc>
-                            </m:mcs>
-                            <m:ctrlPr>
-                              <a:rPr lang="en-US" i="1">
-                                <a:latin typeface="Cambria Math" panose="02040503050406030204" pitchFamily="18" charset="0"/>
-                              </a:rPr>
-                            </m:ctrlPr>
-                          </m:mPr>
-                          <m:mr>
-                            <m:e>
-                              <m:f>
-                                <m:fPr>
-                                  <m:type m:val="lin"/>
-                                  <m:ctrlPr>
-                                    <a:rPr lang="en-US" i="1">
-                                      <a:latin typeface="Cambria Math" panose="02040503050406030204" pitchFamily="18" charset="0"/>
-                                    </a:rPr>
-                                  </m:ctrlPr>
-                                </m:fPr>
-                                <m:num>
-                                  <m:r>
-                                    <a:rPr lang="en-US" i="1">
-                                      <a:latin typeface="Cambria Math" panose="02040503050406030204" pitchFamily="18" charset="0"/>
-                                    </a:rPr>
-                                    <m:t>𝜕</m:t>
-                                  </m:r>
-                                  <m:r>
-                                    <a:rPr lang="en-US" i="1">
-                                      <a:latin typeface="Cambria Math" panose="02040503050406030204" pitchFamily="18" charset="0"/>
-                                    </a:rPr>
-                                    <m:t>𝑓</m:t>
-                                  </m:r>
-                                  <m:r>
-                                    <a:rPr lang="en-US" i="1">
-                                      <a:latin typeface="Cambria Math" panose="02040503050406030204" pitchFamily="18" charset="0"/>
-                                    </a:rPr>
-                                    <m:t>(</m:t>
-                                  </m:r>
-                                  <m:r>
-                                    <a:rPr lang="en-US" b="1" i="1">
-                                      <a:latin typeface="Cambria Math" panose="02040503050406030204" pitchFamily="18" charset="0"/>
-                                    </a:rPr>
-                                    <m:t>𝒘</m:t>
-                                  </m:r>
-                                  <m:r>
-                                    <a:rPr lang="en-US" i="1">
-                                      <a:latin typeface="Cambria Math" panose="02040503050406030204" pitchFamily="18" charset="0"/>
-                                    </a:rPr>
-                                    <m:t>)</m:t>
-                                  </m:r>
-                                </m:num>
-                                <m:den>
-                                  <m:r>
-                                    <m:rPr>
-                                      <m:brk m:alnAt="7"/>
-                                    </m:rPr>
-                                    <a:rPr lang="en-US" i="1">
-                                      <a:latin typeface="Cambria Math" panose="02040503050406030204" pitchFamily="18" charset="0"/>
-                                    </a:rPr>
-                                    <m:t>𝜕</m:t>
-                                  </m:r>
-                                  <m:sSub>
-                                    <m:sSubPr>
-                                      <m:ctrlPr>
-                                        <a:rPr lang="en-US" i="1">
-                                          <a:latin typeface="Cambria Math" panose="02040503050406030204" pitchFamily="18" charset="0"/>
-                                        </a:rPr>
-                                      </m:ctrlPr>
-                                    </m:sSubPr>
-                                    <m:e>
-                                      <m:r>
-                                        <m:rPr>
-                                          <m:brk m:alnAt="7"/>
-                                        </m:rPr>
-                                        <a:rPr lang="en-US" i="1">
-                                          <a:latin typeface="Cambria Math" panose="02040503050406030204" pitchFamily="18" charset="0"/>
-                                        </a:rPr>
-                                        <m:t>𝑤</m:t>
-                                      </m:r>
-                                    </m:e>
-                                    <m:sub>
-                                      <m:r>
-                                        <m:rPr>
-                                          <m:brk m:alnAt="7"/>
-                                        </m:rPr>
-                                        <a:rPr lang="en-US" i="1">
-                                          <a:latin typeface="Cambria Math" panose="02040503050406030204" pitchFamily="18" charset="0"/>
-                                        </a:rPr>
-                                        <m:t>1</m:t>
-                                      </m:r>
-                                    </m:sub>
-                                  </m:sSub>
-                                </m:den>
-                              </m:f>
-                            </m:e>
-                          </m:mr>
-                          <m:mr>
-                            <m:e>
-                              <m:r>
-                                <a:rPr lang="en-US" i="1">
-                                  <a:latin typeface="Cambria Math" panose="02040503050406030204" pitchFamily="18" charset="0"/>
-                                </a:rPr>
-                                <m:t>⋮</m:t>
-                              </m:r>
-                            </m:e>
-                          </m:mr>
-                          <m:mr>
-                            <m:e>
-                              <m:f>
-                                <m:fPr>
-                                  <m:type m:val="lin"/>
-                                  <m:ctrlPr>
-                                    <a:rPr lang="en-US" i="1">
-                                      <a:latin typeface="Cambria Math" panose="02040503050406030204" pitchFamily="18" charset="0"/>
-                                    </a:rPr>
-                                  </m:ctrlPr>
-                                </m:fPr>
-                                <m:num>
-                                  <m:r>
-                                    <a:rPr lang="en-US" i="1">
-                                      <a:latin typeface="Cambria Math" panose="02040503050406030204" pitchFamily="18" charset="0"/>
-                                    </a:rPr>
-                                    <m:t>𝜕</m:t>
-                                  </m:r>
-                                  <m:r>
-                                    <a:rPr lang="en-US" i="1">
-                                      <a:latin typeface="Cambria Math" panose="02040503050406030204" pitchFamily="18" charset="0"/>
-                                    </a:rPr>
-                                    <m:t>𝑓</m:t>
-                                  </m:r>
-                                  <m:r>
-                                    <a:rPr lang="en-US" i="1">
-                                      <a:latin typeface="Cambria Math" panose="02040503050406030204" pitchFamily="18" charset="0"/>
-                                    </a:rPr>
-                                    <m:t>(</m:t>
-                                  </m:r>
-                                  <m:r>
-                                    <a:rPr lang="en-US" b="1" i="1">
-                                      <a:latin typeface="Cambria Math" panose="02040503050406030204" pitchFamily="18" charset="0"/>
-                                    </a:rPr>
-                                    <m:t>𝒘</m:t>
-                                  </m:r>
-                                  <m:r>
-                                    <a:rPr lang="en-US" i="1">
-                                      <a:latin typeface="Cambria Math" panose="02040503050406030204" pitchFamily="18" charset="0"/>
-                                    </a:rPr>
-                                    <m:t>)</m:t>
-                                  </m:r>
-                                </m:num>
-                                <m:den>
-                                  <m:r>
-                                    <m:rPr>
-                                      <m:brk m:alnAt="7"/>
-                                    </m:rPr>
-                                    <a:rPr lang="en-US" i="1">
-                                      <a:latin typeface="Cambria Math" panose="02040503050406030204" pitchFamily="18" charset="0"/>
-                                    </a:rPr>
-                                    <m:t>𝜕</m:t>
-                                  </m:r>
-                                  <m:sSub>
-                                    <m:sSubPr>
-                                      <m:ctrlPr>
-                                        <a:rPr lang="en-US" i="1">
-                                          <a:latin typeface="Cambria Math" panose="02040503050406030204" pitchFamily="18" charset="0"/>
-                                        </a:rPr>
-                                      </m:ctrlPr>
-                                    </m:sSubPr>
-                                    <m:e>
-                                      <m:r>
-                                        <m:rPr>
-                                          <m:brk m:alnAt="7"/>
-                                        </m:rPr>
-                                        <a:rPr lang="en-US" i="1">
-                                          <a:latin typeface="Cambria Math" panose="02040503050406030204" pitchFamily="18" charset="0"/>
-                                        </a:rPr>
-                                        <m:t>𝑤</m:t>
-                                      </m:r>
-                                    </m:e>
-                                    <m:sub>
-                                      <m:r>
-                                        <a:rPr lang="en-US" i="1">
-                                          <a:latin typeface="Cambria Math" panose="02040503050406030204" pitchFamily="18" charset="0"/>
-                                        </a:rPr>
-                                        <m:t>𝑁</m:t>
-                                      </m:r>
-                                    </m:sub>
-                                  </m:sSub>
-                                </m:den>
-                              </m:f>
-                            </m:e>
-                          </m:mr>
-                        </m:m>
-                      </m:e>
-                    </m:d>
-                  </m:oMath>
-                </a14:m>
-                <a:endParaRPr lang="en-US" dirty="0"/>
-              </a:p>
-              <a:p>
-                <a:r>
-                  <a:rPr lang="en-US" dirty="0"/>
-                  <a:t>Gradient descent algorithm:</a:t>
-                </a:r>
-              </a:p>
-              <a:p>
-                <a:pPr lvl="1"/>
-                <a:r>
-                  <a:rPr lang="en-US" dirty="0"/>
-                  <a:t>Start with initial </a:t>
-                </a:r>
-                <a14:m>
-                  <m:oMath xmlns:m="http://schemas.openxmlformats.org/officeDocument/2006/math">
-                    <m:sSup>
-                      <m:sSupPr>
-                        <m:ctrlPr>
-                          <a:rPr lang="en-US" b="0" i="1" smtClean="0">
-                            <a:latin typeface="Cambria Math" panose="02040503050406030204" pitchFamily="18" charset="0"/>
-                          </a:rPr>
-                        </m:ctrlPr>
-                      </m:sSupPr>
-                      <m:e>
-                        <m:r>
-                          <a:rPr lang="en-US" b="0" i="1" smtClean="0">
-                            <a:latin typeface="Cambria Math" panose="02040503050406030204" pitchFamily="18" charset="0"/>
-                          </a:rPr>
-                          <m:t>𝑤</m:t>
-                        </m:r>
-                      </m:e>
-                      <m:sup>
-                        <m:r>
-                          <a:rPr lang="en-US" b="0" i="1" smtClean="0">
-                            <a:latin typeface="Cambria Math" panose="02040503050406030204" pitchFamily="18" charset="0"/>
-                          </a:rPr>
-                          <m:t>0</m:t>
-                        </m:r>
-                      </m:sup>
-                    </m:sSup>
-                  </m:oMath>
-                </a14:m>
-                <a:endParaRPr lang="en-US" dirty="0"/>
-              </a:p>
-              <a:p>
-                <a:pPr lvl="1"/>
-                <a14:m>
-                  <m:oMath xmlns:m="http://schemas.openxmlformats.org/officeDocument/2006/math">
-                    <m:sSup>
-                      <m:sSupPr>
-                        <m:ctrlPr>
-                          <a:rPr lang="en-US" b="0" i="1" smtClean="0">
-                            <a:latin typeface="Cambria Math" panose="02040503050406030204" pitchFamily="18" charset="0"/>
-                          </a:rPr>
-                        </m:ctrlPr>
-                      </m:sSupPr>
-                      <m:e>
-                        <m:r>
-                          <a:rPr lang="en-US" b="0" i="1" smtClean="0">
-                            <a:latin typeface="Cambria Math" panose="02040503050406030204" pitchFamily="18" charset="0"/>
-                          </a:rPr>
-                          <m:t>𝑤</m:t>
-                        </m:r>
-                      </m:e>
-                      <m:sup>
-                        <m:r>
-                          <a:rPr lang="en-US" b="0" i="1" smtClean="0">
-                            <a:latin typeface="Cambria Math" panose="02040503050406030204" pitchFamily="18" charset="0"/>
-                          </a:rPr>
-                          <m:t>𝑘</m:t>
-                        </m:r>
-                        <m:r>
-                          <a:rPr lang="en-US" b="0" i="1" smtClean="0">
-                            <a:latin typeface="Cambria Math" panose="02040503050406030204" pitchFamily="18" charset="0"/>
-                          </a:rPr>
-                          <m:t>+1</m:t>
-                        </m:r>
-                      </m:sup>
-                    </m:sSup>
-                    <m:r>
-                      <a:rPr lang="en-US" b="0" i="1" smtClean="0">
-                        <a:latin typeface="Cambria Math" panose="02040503050406030204" pitchFamily="18" charset="0"/>
-                      </a:rPr>
-                      <m:t>=</m:t>
-                    </m:r>
-                    <m:sSup>
-                      <m:sSupPr>
-                        <m:ctrlPr>
-                          <a:rPr lang="en-US" b="0" i="1" smtClean="0">
-                            <a:latin typeface="Cambria Math" panose="02040503050406030204" pitchFamily="18" charset="0"/>
-                          </a:rPr>
-                        </m:ctrlPr>
-                      </m:sSupPr>
-                      <m:e>
-                        <m:r>
-                          <a:rPr lang="en-US" b="0" i="1" smtClean="0">
-                            <a:latin typeface="Cambria Math" panose="02040503050406030204" pitchFamily="18" charset="0"/>
-                          </a:rPr>
-                          <m:t>𝑤</m:t>
-                        </m:r>
-                      </m:e>
-                      <m:sup>
-                        <m:r>
-                          <a:rPr lang="en-US" b="0" i="1" smtClean="0">
-                            <a:latin typeface="Cambria Math" panose="02040503050406030204" pitchFamily="18" charset="0"/>
-                          </a:rPr>
-                          <m:t>𝑘</m:t>
-                        </m:r>
-                      </m:sup>
-                    </m:sSup>
-                    <m:r>
-                      <a:rPr lang="en-US" b="0" i="1" smtClean="0">
-                        <a:latin typeface="Cambria Math" panose="02040503050406030204" pitchFamily="18" charset="0"/>
-                      </a:rPr>
-                      <m:t>−</m:t>
-                    </m:r>
-                    <m:sSub>
-                      <m:sSubPr>
-                        <m:ctrlPr>
-                          <a:rPr lang="en-US" b="0" i="1" smtClean="0">
-                            <a:latin typeface="Cambria Math" panose="02040503050406030204" pitchFamily="18" charset="0"/>
-                          </a:rPr>
-                        </m:ctrlPr>
-                      </m:sSubPr>
-                      <m:e>
-                        <m:r>
-                          <a:rPr lang="en-US" b="0" i="1" smtClean="0">
-                            <a:latin typeface="Cambria Math" panose="02040503050406030204" pitchFamily="18" charset="0"/>
-                          </a:rPr>
-                          <m:t>𝛼</m:t>
-                        </m:r>
-                      </m:e>
-                      <m:sub>
-                        <m:r>
-                          <a:rPr lang="en-US" b="0" i="1" smtClean="0">
-                            <a:latin typeface="Cambria Math" panose="02040503050406030204" pitchFamily="18" charset="0"/>
-                          </a:rPr>
-                          <m:t>𝑘</m:t>
-                        </m:r>
-                      </m:sub>
-                    </m:sSub>
-                    <m:r>
-                      <a:rPr lang="en-US" b="0" i="0" smtClean="0">
-                        <a:latin typeface="Cambria Math" panose="02040503050406030204" pitchFamily="18" charset="0"/>
-                      </a:rPr>
-                      <m:t>𝛻</m:t>
-                    </m:r>
-                    <m:r>
-                      <a:rPr lang="en-US" b="0" i="1" smtClean="0">
-                        <a:latin typeface="Cambria Math" panose="02040503050406030204" pitchFamily="18" charset="0"/>
-                      </a:rPr>
-                      <m:t>𝑓</m:t>
-                    </m:r>
-                    <m:r>
-                      <a:rPr lang="en-US" b="0" i="1" smtClean="0">
-                        <a:latin typeface="Cambria Math" panose="02040503050406030204" pitchFamily="18" charset="0"/>
-                      </a:rPr>
-                      <m:t>(</m:t>
-                    </m:r>
-                    <m:sSup>
-                      <m:sSupPr>
-                        <m:ctrlPr>
-                          <a:rPr lang="en-US" b="0" i="1" smtClean="0">
-                            <a:latin typeface="Cambria Math" panose="02040503050406030204" pitchFamily="18" charset="0"/>
-                          </a:rPr>
-                        </m:ctrlPr>
-                      </m:sSupPr>
-                      <m:e>
-                        <m:r>
-                          <a:rPr lang="en-US" b="0" i="1" smtClean="0">
-                            <a:latin typeface="Cambria Math" panose="02040503050406030204" pitchFamily="18" charset="0"/>
-                          </a:rPr>
-                          <m:t>𝑤</m:t>
-                        </m:r>
-                      </m:e>
-                      <m:sup>
-                        <m:r>
-                          <a:rPr lang="en-US" b="0" i="1" smtClean="0">
-                            <a:latin typeface="Cambria Math" panose="02040503050406030204" pitchFamily="18" charset="0"/>
-                          </a:rPr>
-                          <m:t>𝑘</m:t>
-                        </m:r>
-                      </m:sup>
-                    </m:sSup>
-                    <m:r>
-                      <a:rPr lang="en-US" b="0" i="1" smtClean="0">
-                        <a:latin typeface="Cambria Math" panose="02040503050406030204" pitchFamily="18" charset="0"/>
-                      </a:rPr>
-                      <m:t>)</m:t>
-                    </m:r>
-                  </m:oMath>
-                </a14:m>
-                <a:endParaRPr lang="en-US" dirty="0"/>
-              </a:p>
-              <a:p>
-                <a:pPr lvl="1"/>
-                <a:r>
-                  <a:rPr lang="en-US" dirty="0"/>
-                  <a:t>Repeat until some stopping criteria</a:t>
-                </a:r>
-              </a:p>
-              <a:p>
-                <a14:m>
-                  <m:oMath xmlns:m="http://schemas.openxmlformats.org/officeDocument/2006/math">
-                    <m:sSub>
-                      <m:sSubPr>
-                        <m:ctrlPr>
-                          <a:rPr lang="en-US" b="0" i="1" smtClean="0">
-                            <a:latin typeface="Cambria Math" panose="02040503050406030204" pitchFamily="18" charset="0"/>
-                          </a:rPr>
-                        </m:ctrlPr>
-                      </m:sSubPr>
-                      <m:e>
-                        <m:r>
-                          <a:rPr lang="en-US" b="0" i="1" smtClean="0">
-                            <a:latin typeface="Cambria Math" panose="02040503050406030204" pitchFamily="18" charset="0"/>
-                          </a:rPr>
-                          <m:t>𝛼</m:t>
-                        </m:r>
-                      </m:e>
-                      <m:sub>
-                        <m:r>
-                          <a:rPr lang="en-US" b="0" i="1" smtClean="0">
-                            <a:latin typeface="Cambria Math" panose="02040503050406030204" pitchFamily="18" charset="0"/>
-                          </a:rPr>
-                          <m:t>𝑘</m:t>
-                        </m:r>
-                      </m:sub>
-                    </m:sSub>
-                  </m:oMath>
-                </a14:m>
-                <a:r>
-                  <a:rPr lang="en-US" dirty="0"/>
-                  <a:t> is called the </a:t>
-                </a:r>
-                <a:r>
-                  <a:rPr lang="en-US" dirty="0">
-                    <a:solidFill>
-                      <a:schemeClr val="tx2">
-                        <a:lumMod val="60000"/>
-                        <a:lumOff val="40000"/>
-                      </a:schemeClr>
-                    </a:solidFill>
-                  </a:rPr>
-                  <a:t>step size</a:t>
-                </a:r>
-              </a:p>
-              <a:p>
-                <a:pPr lvl="1"/>
-                <a:r>
-                  <a:rPr lang="en-US" dirty="0"/>
-                  <a:t>In machine learning, this is called the </a:t>
-                </a:r>
-                <a:r>
-                  <a:rPr lang="en-US" dirty="0">
-                    <a:solidFill>
-                      <a:schemeClr val="tx2">
-                        <a:lumMod val="60000"/>
-                        <a:lumOff val="40000"/>
-                      </a:schemeClr>
-                    </a:solidFill>
-                  </a:rPr>
-                  <a:t>learning rate</a:t>
-                </a:r>
-              </a:p>
-              <a:p>
-                <a:endParaRPr lang="en-US" dirty="0"/>
-              </a:p>
-            </p:txBody>
-          </p:sp>
-        </mc:Choice>
-        <mc:Fallback xmlns="">
-          <p:sp>
-            <p:nvSpPr>
-              <p:cNvPr id="4" name="Content Placeholder 3"/>
-              <p:cNvSpPr>
-                <a:spLocks noGrp="1" noRot="1" noChangeAspect="1" noMove="1" noResize="1" noEditPoints="1" noAdjustHandles="1" noChangeArrowheads="1" noChangeShapeType="1" noTextEdit="1"/>
-              </p:cNvSpPr>
-              <p:nvPr>
-                <p:ph sz="quarter" idx="1"/>
-              </p:nvPr>
-            </p:nvSpPr>
-            <p:spPr>
-              <a:blipFill>
-                <a:blip r:embed="rId2"/>
-                <a:stretch>
-                  <a:fillRect l="-1455" t="-1549"/>
-                </a:stretch>
-              </a:blipFill>
-            </p:spPr>
-            <p:txBody>
-              <a:bodyPr/>
-              <a:lstStyle/>
-              <a:p>
-                <a:r>
-                  <a:rPr lang="en-US">
-                    <a:noFill/>
-                  </a:rPr>
-                  <a:t> </a:t>
-                </a:r>
-              </a:p>
-            </p:txBody>
-          </p:sp>
-        </mc:Fallback>
-      </mc:AlternateContent>
-    </p:spTree>
-    <p:extLst>
-      <p:ext uri="{BB962C8B-B14F-4D97-AF65-F5344CB8AC3E}">
-        <p14:creationId xmlns:p14="http://schemas.microsoft.com/office/powerpoint/2010/main" val="4282920011"/>
       </p:ext>
     </p:extLst>
   </p:cSld>
@@ -24998,6 +25278,1039 @@
           <a:p>
             <a:r>
               <a:rPr lang="en-US" dirty="0"/>
+              <a:t>Numerical Optimization</a:t>
+            </a:r>
+          </a:p>
+        </p:txBody>
+      </p:sp>
+      <p:sp>
+        <p:nvSpPr>
+          <p:cNvPr id="3" name="Slide Number Placeholder 2"/>
+          <p:cNvSpPr>
+            <a:spLocks noGrp="1"/>
+          </p:cNvSpPr>
+          <p:nvPr>
+            <p:ph type="sldNum" sz="quarter" idx="12"/>
+          </p:nvPr>
+        </p:nvSpPr>
+        <p:spPr/>
+        <p:txBody>
+          <a:bodyPr/>
+          <a:lstStyle/>
+          <a:p>
+            <a:fld id="{529F9F8D-2534-4D48-85E3-73908409BCC5}" type="slidenum">
+              <a:rPr lang="en-US" smtClean="0"/>
+              <a:pPr/>
+              <a:t>30</a:t>
+            </a:fld>
+            <a:endParaRPr lang="en-US"/>
+          </a:p>
+        </p:txBody>
+      </p:sp>
+      <mc:AlternateContent xmlns:mc="http://schemas.openxmlformats.org/markup-compatibility/2006" xmlns:a14="http://schemas.microsoft.com/office/drawing/2010/main">
+        <mc:Choice Requires="a14">
+          <p:sp>
+            <p:nvSpPr>
+              <p:cNvPr id="4" name="Content Placeholder 3"/>
+              <p:cNvSpPr>
+                <a:spLocks noGrp="1"/>
+              </p:cNvSpPr>
+              <p:nvPr>
+                <p:ph sz="quarter" idx="1"/>
+              </p:nvPr>
+            </p:nvSpPr>
+            <p:spPr/>
+            <p:txBody>
+              <a:bodyPr/>
+              <a:lstStyle/>
+              <a:p>
+                <a:r>
+                  <a:rPr lang="en-US" dirty="0"/>
+                  <a:t>We saw that we can find minima by setting </a:t>
+                </a:r>
+                <a14:m>
+                  <m:oMath xmlns:m="http://schemas.openxmlformats.org/officeDocument/2006/math">
+                    <m:r>
+                      <a:rPr lang="en-US" b="0" i="0" smtClean="0">
+                        <a:latin typeface="Cambria Math" panose="02040503050406030204" pitchFamily="18" charset="0"/>
+                      </a:rPr>
+                      <m:t>𝛻</m:t>
+                    </m:r>
+                    <m:r>
+                      <a:rPr lang="en-US" b="0" i="1" smtClean="0">
+                        <a:latin typeface="Cambria Math" panose="02040503050406030204" pitchFamily="18" charset="0"/>
+                      </a:rPr>
+                      <m:t>𝑓</m:t>
+                    </m:r>
+                    <m:d>
+                      <m:dPr>
+                        <m:ctrlPr>
+                          <a:rPr lang="en-US" b="0" i="1" smtClean="0">
+                            <a:latin typeface="Cambria Math" panose="02040503050406030204" pitchFamily="18" charset="0"/>
+                          </a:rPr>
+                        </m:ctrlPr>
+                      </m:dPr>
+                      <m:e>
+                        <m:r>
+                          <a:rPr lang="en-US" b="0" i="1" smtClean="0">
+                            <a:latin typeface="Cambria Math" panose="02040503050406030204" pitchFamily="18" charset="0"/>
+                          </a:rPr>
+                          <m:t>𝑤</m:t>
+                        </m:r>
+                      </m:e>
+                    </m:d>
+                    <m:r>
+                      <a:rPr lang="en-US" b="0" i="1" smtClean="0">
+                        <a:latin typeface="Cambria Math" panose="02040503050406030204" pitchFamily="18" charset="0"/>
+                      </a:rPr>
+                      <m:t>=0</m:t>
+                    </m:r>
+                  </m:oMath>
+                </a14:m>
+                <a:endParaRPr lang="en-US" b="0" dirty="0"/>
+              </a:p>
+              <a:p>
+                <a:pPr lvl="1"/>
+                <a14:m>
+                  <m:oMath xmlns:m="http://schemas.openxmlformats.org/officeDocument/2006/math">
+                    <m:r>
+                      <a:rPr lang="en-US" b="0" i="1" smtClean="0">
+                        <a:latin typeface="Cambria Math" panose="02040503050406030204" pitchFamily="18" charset="0"/>
+                      </a:rPr>
+                      <m:t>𝑀</m:t>
+                    </m:r>
+                  </m:oMath>
+                </a14:m>
+                <a:r>
+                  <a:rPr lang="en-US" dirty="0"/>
+                  <a:t> equations and </a:t>
+                </a:r>
+                <a14:m>
+                  <m:oMath xmlns:m="http://schemas.openxmlformats.org/officeDocument/2006/math">
+                    <m:r>
+                      <a:rPr lang="en-US" b="0" i="1" smtClean="0">
+                        <a:latin typeface="Cambria Math" panose="02040503050406030204" pitchFamily="18" charset="0"/>
+                      </a:rPr>
+                      <m:t>𝑀</m:t>
+                    </m:r>
+                  </m:oMath>
+                </a14:m>
+                <a:r>
+                  <a:rPr lang="en-US" dirty="0"/>
+                  <a:t> unknowns.  </a:t>
+                </a:r>
+              </a:p>
+              <a:p>
+                <a:pPr lvl="1"/>
+                <a:r>
+                  <a:rPr lang="en-US" dirty="0"/>
+                  <a:t>May not have closed-form solution</a:t>
+                </a:r>
+              </a:p>
+              <a:p>
+                <a:endParaRPr lang="en-US" dirty="0"/>
+              </a:p>
+              <a:p>
+                <a:r>
+                  <a:rPr lang="en-US" dirty="0">
+                    <a:solidFill>
+                      <a:schemeClr val="accent1">
+                        <a:lumMod val="60000"/>
+                        <a:lumOff val="40000"/>
+                      </a:schemeClr>
+                    </a:solidFill>
+                  </a:rPr>
+                  <a:t>Numerical methods</a:t>
+                </a:r>
+                <a:r>
+                  <a:rPr lang="en-US" dirty="0"/>
+                  <a:t>:  Finds a sequence of estimates </a:t>
+                </a:r>
+                <a14:m>
+                  <m:oMath xmlns:m="http://schemas.openxmlformats.org/officeDocument/2006/math">
+                    <m:sSup>
+                      <m:sSupPr>
+                        <m:ctrlPr>
+                          <a:rPr lang="en-US" b="0" i="1" smtClean="0">
+                            <a:latin typeface="Cambria Math" panose="02040503050406030204" pitchFamily="18" charset="0"/>
+                          </a:rPr>
+                        </m:ctrlPr>
+                      </m:sSupPr>
+                      <m:e>
+                        <m:r>
+                          <a:rPr lang="en-US" b="0" i="1" smtClean="0">
+                            <a:latin typeface="Cambria Math" panose="02040503050406030204" pitchFamily="18" charset="0"/>
+                          </a:rPr>
+                          <m:t>𝑤</m:t>
+                        </m:r>
+                      </m:e>
+                      <m:sup>
+                        <m:r>
+                          <a:rPr lang="en-US" b="0" i="1" smtClean="0">
+                            <a:latin typeface="Cambria Math" panose="02040503050406030204" pitchFamily="18" charset="0"/>
+                          </a:rPr>
+                          <m:t>𝑘</m:t>
+                        </m:r>
+                      </m:sup>
+                    </m:sSup>
+                  </m:oMath>
+                </a14:m>
+                <a:r>
+                  <a:rPr lang="en-US" dirty="0"/>
+                  <a:t> that converges to the true solution</a:t>
+                </a:r>
+                <a:br>
+                  <a:rPr lang="en-US" dirty="0"/>
+                </a:br>
+                <a14:m>
+                  <m:oMath xmlns:m="http://schemas.openxmlformats.org/officeDocument/2006/math">
+                    <m:sSup>
+                      <m:sSupPr>
+                        <m:ctrlPr>
+                          <a:rPr lang="en-US" b="0" i="1" smtClean="0">
+                            <a:latin typeface="Cambria Math" panose="02040503050406030204" pitchFamily="18" charset="0"/>
+                          </a:rPr>
+                        </m:ctrlPr>
+                      </m:sSupPr>
+                      <m:e>
+                        <m:r>
+                          <a:rPr lang="en-US" b="0" i="1" smtClean="0">
+                            <a:latin typeface="Cambria Math" panose="02040503050406030204" pitchFamily="18" charset="0"/>
+                          </a:rPr>
+                          <m:t>𝑤</m:t>
+                        </m:r>
+                      </m:e>
+                      <m:sup>
+                        <m:r>
+                          <a:rPr lang="en-US" b="0" i="1" smtClean="0">
+                            <a:latin typeface="Cambria Math" panose="02040503050406030204" pitchFamily="18" charset="0"/>
+                          </a:rPr>
+                          <m:t>𝑘</m:t>
+                        </m:r>
+                      </m:sup>
+                    </m:sSup>
+                    <m:r>
+                      <a:rPr lang="en-US" b="0" i="1" smtClean="0">
+                        <a:latin typeface="Cambria Math" panose="02040503050406030204" pitchFamily="18" charset="0"/>
+                      </a:rPr>
+                      <m:t>→</m:t>
+                    </m:r>
+                    <m:sSup>
+                      <m:sSupPr>
+                        <m:ctrlPr>
+                          <a:rPr lang="en-US" b="0" i="1" smtClean="0">
+                            <a:latin typeface="Cambria Math" panose="02040503050406030204" pitchFamily="18" charset="0"/>
+                          </a:rPr>
+                        </m:ctrlPr>
+                      </m:sSupPr>
+                      <m:e>
+                        <m:r>
+                          <a:rPr lang="en-US" b="0" i="1" smtClean="0">
+                            <a:latin typeface="Cambria Math" panose="02040503050406030204" pitchFamily="18" charset="0"/>
+                          </a:rPr>
+                          <m:t>𝑤</m:t>
+                        </m:r>
+                      </m:e>
+                      <m:sup>
+                        <m:r>
+                          <a:rPr lang="en-US" b="0" i="1" smtClean="0">
+                            <a:latin typeface="Cambria Math" panose="02040503050406030204" pitchFamily="18" charset="0"/>
+                          </a:rPr>
+                          <m:t>∗</m:t>
+                        </m:r>
+                      </m:sup>
+                    </m:sSup>
+                  </m:oMath>
+                </a14:m>
+                <a:endParaRPr lang="en-US" dirty="0"/>
+              </a:p>
+              <a:p>
+                <a:pPr lvl="1"/>
+                <a:r>
+                  <a:rPr lang="en-US" dirty="0"/>
+                  <a:t>Or converges to some other “good” minima</a:t>
+                </a:r>
+              </a:p>
+              <a:p>
+                <a:pPr lvl="1"/>
+                <a:r>
+                  <a:rPr lang="en-US" dirty="0"/>
+                  <a:t>Run on a computer program, like python</a:t>
+                </a:r>
+              </a:p>
+              <a:p>
+                <a:endParaRPr lang="en-US" dirty="0"/>
+              </a:p>
+              <a:p>
+                <a:endParaRPr lang="en-US" dirty="0"/>
+              </a:p>
+            </p:txBody>
+          </p:sp>
+        </mc:Choice>
+        <mc:Fallback xmlns="">
+          <p:sp>
+            <p:nvSpPr>
+              <p:cNvPr id="4" name="Content Placeholder 3"/>
+              <p:cNvSpPr>
+                <a:spLocks noGrp="1" noRot="1" noChangeAspect="1" noMove="1" noResize="1" noEditPoints="1" noAdjustHandles="1" noChangeArrowheads="1" noChangeShapeType="1" noTextEdit="1"/>
+              </p:cNvSpPr>
+              <p:nvPr>
+                <p:ph sz="quarter" idx="1"/>
+              </p:nvPr>
+            </p:nvSpPr>
+            <p:spPr>
+              <a:blipFill>
+                <a:blip r:embed="rId2"/>
+                <a:stretch>
+                  <a:fillRect l="-1261" t="-1462"/>
+                </a:stretch>
+              </a:blipFill>
+            </p:spPr>
+            <p:txBody>
+              <a:bodyPr/>
+              <a:lstStyle/>
+              <a:p>
+                <a:r>
+                  <a:rPr lang="en-US">
+                    <a:noFill/>
+                  </a:rPr>
+                  <a:t> </a:t>
+                </a:r>
+              </a:p>
+            </p:txBody>
+          </p:sp>
+        </mc:Fallback>
+      </mc:AlternateContent>
+    </p:spTree>
+    <p:extLst>
+      <p:ext uri="{BB962C8B-B14F-4D97-AF65-F5344CB8AC3E}">
+        <p14:creationId xmlns:p14="http://schemas.microsoft.com/office/powerpoint/2010/main" val="157756368"/>
+      </p:ext>
+    </p:extLst>
+  </p:cSld>
+  <p:clrMapOvr>
+    <a:masterClrMapping/>
+  </p:clrMapOvr>
+</p:sld>
+</file>
+
+<file path=ppt/slides/slide31.xml><?xml version="1.0" encoding="utf-8"?>
+<p:sld xmlns:a="http://schemas.openxmlformats.org/drawingml/2006/main" xmlns:r="http://schemas.openxmlformats.org/officeDocument/2006/relationships" xmlns:p="http://schemas.openxmlformats.org/presentationml/2006/main">
+  <p:cSld>
+    <p:spTree>
+      <p:nvGrpSpPr>
+        <p:cNvPr id="1" name=""/>
+        <p:cNvGrpSpPr/>
+        <p:nvPr/>
+      </p:nvGrpSpPr>
+      <p:grpSpPr>
+        <a:xfrm>
+          <a:off x="0" y="0"/>
+          <a:ext cx="0" cy="0"/>
+          <a:chOff x="0" y="0"/>
+          <a:chExt cx="0" cy="0"/>
+        </a:xfrm>
+      </p:grpSpPr>
+      <p:sp>
+        <p:nvSpPr>
+          <p:cNvPr id="2" name="Title 1"/>
+          <p:cNvSpPr>
+            <a:spLocks noGrp="1"/>
+          </p:cNvSpPr>
+          <p:nvPr>
+            <p:ph type="title"/>
+          </p:nvPr>
+        </p:nvSpPr>
+        <p:spPr/>
+        <p:txBody>
+          <a:bodyPr/>
+          <a:lstStyle/>
+          <a:p>
+            <a:r>
+              <a:rPr lang="en-US" dirty="0"/>
+              <a:t>Gradient Descent</a:t>
+            </a:r>
+          </a:p>
+        </p:txBody>
+      </p:sp>
+      <p:sp>
+        <p:nvSpPr>
+          <p:cNvPr id="3" name="Slide Number Placeholder 2"/>
+          <p:cNvSpPr>
+            <a:spLocks noGrp="1"/>
+          </p:cNvSpPr>
+          <p:nvPr>
+            <p:ph type="sldNum" sz="quarter" idx="12"/>
+          </p:nvPr>
+        </p:nvSpPr>
+        <p:spPr/>
+        <p:txBody>
+          <a:bodyPr/>
+          <a:lstStyle/>
+          <a:p>
+            <a:fld id="{529F9F8D-2534-4D48-85E3-73908409BCC5}" type="slidenum">
+              <a:rPr lang="en-US" smtClean="0"/>
+              <a:pPr/>
+              <a:t>31</a:t>
+            </a:fld>
+            <a:endParaRPr lang="en-US"/>
+          </a:p>
+        </p:txBody>
+      </p:sp>
+      <mc:AlternateContent xmlns:mc="http://schemas.openxmlformats.org/markup-compatibility/2006" xmlns:a14="http://schemas.microsoft.com/office/drawing/2010/main">
+        <mc:Choice Requires="a14">
+          <p:sp>
+            <p:nvSpPr>
+              <p:cNvPr id="4" name="Content Placeholder 3"/>
+              <p:cNvSpPr>
+                <a:spLocks noGrp="1"/>
+              </p:cNvSpPr>
+              <p:nvPr>
+                <p:ph sz="quarter" idx="1"/>
+              </p:nvPr>
+            </p:nvSpPr>
+            <p:spPr/>
+            <p:txBody>
+              <a:bodyPr/>
+              <a:lstStyle/>
+              <a:p>
+                <a:r>
+                  <a:rPr lang="en-US" dirty="0"/>
+                  <a:t>Most simple method for unconstrained optimization</a:t>
+                </a:r>
+              </a:p>
+              <a:p>
+                <a:r>
+                  <a:rPr lang="en-US" dirty="0"/>
+                  <a:t>Recall gradient:  </a:t>
+                </a:r>
+                <a:br>
+                  <a:rPr lang="en-US" dirty="0"/>
+                </a:br>
+                <a14:m>
+                  <m:oMath xmlns:m="http://schemas.openxmlformats.org/officeDocument/2006/math">
+                    <m:sSub>
+                      <m:sSubPr>
+                        <m:ctrlPr>
+                          <a:rPr lang="en-US" i="1">
+                            <a:latin typeface="Cambria Math" panose="02040503050406030204" pitchFamily="18" charset="0"/>
+                          </a:rPr>
+                        </m:ctrlPr>
+                      </m:sSubPr>
+                      <m:e>
+                        <m:r>
+                          <a:rPr lang="en-US" i="1">
+                            <a:latin typeface="Cambria Math" panose="02040503050406030204" pitchFamily="18" charset="0"/>
+                          </a:rPr>
+                          <m:t>𝛻</m:t>
+                        </m:r>
+                      </m:e>
+                      <m:sub>
+                        <m:r>
+                          <a:rPr lang="en-US" i="1">
+                            <a:latin typeface="Cambria Math" panose="02040503050406030204" pitchFamily="18" charset="0"/>
+                          </a:rPr>
+                          <m:t>𝑤</m:t>
+                        </m:r>
+                      </m:sub>
+                    </m:sSub>
+                    <m:r>
+                      <a:rPr lang="en-US" i="1">
+                        <a:latin typeface="Cambria Math" panose="02040503050406030204" pitchFamily="18" charset="0"/>
+                      </a:rPr>
+                      <m:t>𝑓</m:t>
+                    </m:r>
+                    <m:d>
+                      <m:dPr>
+                        <m:ctrlPr>
+                          <a:rPr lang="en-US" i="1">
+                            <a:latin typeface="Cambria Math" panose="02040503050406030204" pitchFamily="18" charset="0"/>
+                          </a:rPr>
+                        </m:ctrlPr>
+                      </m:dPr>
+                      <m:e>
+                        <m:r>
+                          <a:rPr lang="en-US" b="1" i="1">
+                            <a:latin typeface="Cambria Math" panose="02040503050406030204" pitchFamily="18" charset="0"/>
+                          </a:rPr>
+                          <m:t>𝒘</m:t>
+                        </m:r>
+                      </m:e>
+                    </m:d>
+                    <m:r>
+                      <a:rPr lang="en-US" i="1">
+                        <a:latin typeface="Cambria Math" panose="02040503050406030204" pitchFamily="18" charset="0"/>
+                      </a:rPr>
+                      <m:t>=</m:t>
+                    </m:r>
+                    <m:d>
+                      <m:dPr>
+                        <m:begChr m:val="["/>
+                        <m:endChr m:val="]"/>
+                        <m:ctrlPr>
+                          <a:rPr lang="en-US" i="1">
+                            <a:latin typeface="Cambria Math" panose="02040503050406030204" pitchFamily="18" charset="0"/>
+                          </a:rPr>
+                        </m:ctrlPr>
+                      </m:dPr>
+                      <m:e>
+                        <m:m>
+                          <m:mPr>
+                            <m:mcs>
+                              <m:mc>
+                                <m:mcPr>
+                                  <m:count m:val="1"/>
+                                  <m:mcJc m:val="center"/>
+                                </m:mcPr>
+                              </m:mc>
+                            </m:mcs>
+                            <m:ctrlPr>
+                              <a:rPr lang="en-US" i="1">
+                                <a:latin typeface="Cambria Math" panose="02040503050406030204" pitchFamily="18" charset="0"/>
+                              </a:rPr>
+                            </m:ctrlPr>
+                          </m:mPr>
+                          <m:mr>
+                            <m:e>
+                              <m:f>
+                                <m:fPr>
+                                  <m:type m:val="lin"/>
+                                  <m:ctrlPr>
+                                    <a:rPr lang="en-US" i="1">
+                                      <a:latin typeface="Cambria Math" panose="02040503050406030204" pitchFamily="18" charset="0"/>
+                                    </a:rPr>
+                                  </m:ctrlPr>
+                                </m:fPr>
+                                <m:num>
+                                  <m:r>
+                                    <a:rPr lang="en-US" i="1">
+                                      <a:latin typeface="Cambria Math" panose="02040503050406030204" pitchFamily="18" charset="0"/>
+                                    </a:rPr>
+                                    <m:t>𝜕</m:t>
+                                  </m:r>
+                                  <m:r>
+                                    <a:rPr lang="en-US" i="1">
+                                      <a:latin typeface="Cambria Math" panose="02040503050406030204" pitchFamily="18" charset="0"/>
+                                    </a:rPr>
+                                    <m:t>𝑓</m:t>
+                                  </m:r>
+                                  <m:r>
+                                    <a:rPr lang="en-US" i="1">
+                                      <a:latin typeface="Cambria Math" panose="02040503050406030204" pitchFamily="18" charset="0"/>
+                                    </a:rPr>
+                                    <m:t>(</m:t>
+                                  </m:r>
+                                  <m:r>
+                                    <a:rPr lang="en-US" b="1" i="1">
+                                      <a:latin typeface="Cambria Math" panose="02040503050406030204" pitchFamily="18" charset="0"/>
+                                    </a:rPr>
+                                    <m:t>𝒘</m:t>
+                                  </m:r>
+                                  <m:r>
+                                    <a:rPr lang="en-US" i="1">
+                                      <a:latin typeface="Cambria Math" panose="02040503050406030204" pitchFamily="18" charset="0"/>
+                                    </a:rPr>
+                                    <m:t>)</m:t>
+                                  </m:r>
+                                </m:num>
+                                <m:den>
+                                  <m:r>
+                                    <m:rPr>
+                                      <m:brk m:alnAt="7"/>
+                                    </m:rPr>
+                                    <a:rPr lang="en-US" i="1">
+                                      <a:latin typeface="Cambria Math" panose="02040503050406030204" pitchFamily="18" charset="0"/>
+                                    </a:rPr>
+                                    <m:t>𝜕</m:t>
+                                  </m:r>
+                                  <m:sSub>
+                                    <m:sSubPr>
+                                      <m:ctrlPr>
+                                        <a:rPr lang="en-US" i="1">
+                                          <a:latin typeface="Cambria Math" panose="02040503050406030204" pitchFamily="18" charset="0"/>
+                                        </a:rPr>
+                                      </m:ctrlPr>
+                                    </m:sSubPr>
+                                    <m:e>
+                                      <m:r>
+                                        <m:rPr>
+                                          <m:brk m:alnAt="7"/>
+                                        </m:rPr>
+                                        <a:rPr lang="en-US" i="1">
+                                          <a:latin typeface="Cambria Math" panose="02040503050406030204" pitchFamily="18" charset="0"/>
+                                        </a:rPr>
+                                        <m:t>𝑤</m:t>
+                                      </m:r>
+                                    </m:e>
+                                    <m:sub>
+                                      <m:r>
+                                        <m:rPr>
+                                          <m:brk m:alnAt="7"/>
+                                        </m:rPr>
+                                        <a:rPr lang="en-US" i="1">
+                                          <a:latin typeface="Cambria Math" panose="02040503050406030204" pitchFamily="18" charset="0"/>
+                                        </a:rPr>
+                                        <m:t>1</m:t>
+                                      </m:r>
+                                    </m:sub>
+                                  </m:sSub>
+                                </m:den>
+                              </m:f>
+                            </m:e>
+                          </m:mr>
+                          <m:mr>
+                            <m:e>
+                              <m:r>
+                                <a:rPr lang="en-US" i="1">
+                                  <a:latin typeface="Cambria Math" panose="02040503050406030204" pitchFamily="18" charset="0"/>
+                                </a:rPr>
+                                <m:t>⋮</m:t>
+                              </m:r>
+                            </m:e>
+                          </m:mr>
+                          <m:mr>
+                            <m:e>
+                              <m:f>
+                                <m:fPr>
+                                  <m:type m:val="lin"/>
+                                  <m:ctrlPr>
+                                    <a:rPr lang="en-US" i="1">
+                                      <a:latin typeface="Cambria Math" panose="02040503050406030204" pitchFamily="18" charset="0"/>
+                                    </a:rPr>
+                                  </m:ctrlPr>
+                                </m:fPr>
+                                <m:num>
+                                  <m:r>
+                                    <a:rPr lang="en-US" i="1">
+                                      <a:latin typeface="Cambria Math" panose="02040503050406030204" pitchFamily="18" charset="0"/>
+                                    </a:rPr>
+                                    <m:t>𝜕</m:t>
+                                  </m:r>
+                                  <m:r>
+                                    <a:rPr lang="en-US" i="1">
+                                      <a:latin typeface="Cambria Math" panose="02040503050406030204" pitchFamily="18" charset="0"/>
+                                    </a:rPr>
+                                    <m:t>𝑓</m:t>
+                                  </m:r>
+                                  <m:r>
+                                    <a:rPr lang="en-US" i="1">
+                                      <a:latin typeface="Cambria Math" panose="02040503050406030204" pitchFamily="18" charset="0"/>
+                                    </a:rPr>
+                                    <m:t>(</m:t>
+                                  </m:r>
+                                  <m:r>
+                                    <a:rPr lang="en-US" b="1" i="1">
+                                      <a:latin typeface="Cambria Math" panose="02040503050406030204" pitchFamily="18" charset="0"/>
+                                    </a:rPr>
+                                    <m:t>𝒘</m:t>
+                                  </m:r>
+                                  <m:r>
+                                    <a:rPr lang="en-US" i="1">
+                                      <a:latin typeface="Cambria Math" panose="02040503050406030204" pitchFamily="18" charset="0"/>
+                                    </a:rPr>
+                                    <m:t>)</m:t>
+                                  </m:r>
+                                </m:num>
+                                <m:den>
+                                  <m:r>
+                                    <m:rPr>
+                                      <m:brk m:alnAt="7"/>
+                                    </m:rPr>
+                                    <a:rPr lang="en-US" i="1">
+                                      <a:latin typeface="Cambria Math" panose="02040503050406030204" pitchFamily="18" charset="0"/>
+                                    </a:rPr>
+                                    <m:t>𝜕</m:t>
+                                  </m:r>
+                                  <m:sSub>
+                                    <m:sSubPr>
+                                      <m:ctrlPr>
+                                        <a:rPr lang="en-US" i="1">
+                                          <a:latin typeface="Cambria Math" panose="02040503050406030204" pitchFamily="18" charset="0"/>
+                                        </a:rPr>
+                                      </m:ctrlPr>
+                                    </m:sSubPr>
+                                    <m:e>
+                                      <m:r>
+                                        <m:rPr>
+                                          <m:brk m:alnAt="7"/>
+                                        </m:rPr>
+                                        <a:rPr lang="en-US" i="1">
+                                          <a:latin typeface="Cambria Math" panose="02040503050406030204" pitchFamily="18" charset="0"/>
+                                        </a:rPr>
+                                        <m:t>𝑤</m:t>
+                                      </m:r>
+                                    </m:e>
+                                    <m:sub>
+                                      <m:r>
+                                        <a:rPr lang="en-US" i="1">
+                                          <a:latin typeface="Cambria Math" panose="02040503050406030204" pitchFamily="18" charset="0"/>
+                                        </a:rPr>
+                                        <m:t>𝑁</m:t>
+                                      </m:r>
+                                    </m:sub>
+                                  </m:sSub>
+                                </m:den>
+                              </m:f>
+                            </m:e>
+                          </m:mr>
+                        </m:m>
+                      </m:e>
+                    </m:d>
+                  </m:oMath>
+                </a14:m>
+                <a:endParaRPr lang="en-US" dirty="0"/>
+              </a:p>
+              <a:p>
+                <a:r>
+                  <a:rPr lang="en-US" dirty="0"/>
+                  <a:t>Gradient descent algorithm:</a:t>
+                </a:r>
+              </a:p>
+              <a:p>
+                <a:pPr lvl="1"/>
+                <a:r>
+                  <a:rPr lang="en-US" dirty="0"/>
+                  <a:t>Start with initial </a:t>
+                </a:r>
+                <a14:m>
+                  <m:oMath xmlns:m="http://schemas.openxmlformats.org/officeDocument/2006/math">
+                    <m:sSup>
+                      <m:sSupPr>
+                        <m:ctrlPr>
+                          <a:rPr lang="en-US" b="0" i="1" smtClean="0">
+                            <a:latin typeface="Cambria Math" panose="02040503050406030204" pitchFamily="18" charset="0"/>
+                          </a:rPr>
+                        </m:ctrlPr>
+                      </m:sSupPr>
+                      <m:e>
+                        <m:r>
+                          <a:rPr lang="en-US" b="0" i="1" smtClean="0">
+                            <a:latin typeface="Cambria Math" panose="02040503050406030204" pitchFamily="18" charset="0"/>
+                          </a:rPr>
+                          <m:t>𝑤</m:t>
+                        </m:r>
+                      </m:e>
+                      <m:sup>
+                        <m:r>
+                          <a:rPr lang="en-US" b="0" i="1" smtClean="0">
+                            <a:latin typeface="Cambria Math" panose="02040503050406030204" pitchFamily="18" charset="0"/>
+                          </a:rPr>
+                          <m:t>0</m:t>
+                        </m:r>
+                      </m:sup>
+                    </m:sSup>
+                  </m:oMath>
+                </a14:m>
+                <a:endParaRPr lang="en-US" dirty="0"/>
+              </a:p>
+              <a:p>
+                <a:pPr lvl="1"/>
+                <a14:m>
+                  <m:oMath xmlns:m="http://schemas.openxmlformats.org/officeDocument/2006/math">
+                    <m:sSup>
+                      <m:sSupPr>
+                        <m:ctrlPr>
+                          <a:rPr lang="en-US" b="0" i="1" smtClean="0">
+                            <a:latin typeface="Cambria Math" panose="02040503050406030204" pitchFamily="18" charset="0"/>
+                          </a:rPr>
+                        </m:ctrlPr>
+                      </m:sSupPr>
+                      <m:e>
+                        <m:r>
+                          <a:rPr lang="en-US" b="0" i="1" smtClean="0">
+                            <a:latin typeface="Cambria Math" panose="02040503050406030204" pitchFamily="18" charset="0"/>
+                          </a:rPr>
+                          <m:t>𝑤</m:t>
+                        </m:r>
+                      </m:e>
+                      <m:sup>
+                        <m:r>
+                          <a:rPr lang="en-US" b="0" i="1" smtClean="0">
+                            <a:latin typeface="Cambria Math" panose="02040503050406030204" pitchFamily="18" charset="0"/>
+                          </a:rPr>
+                          <m:t>𝑘</m:t>
+                        </m:r>
+                        <m:r>
+                          <a:rPr lang="en-US" b="0" i="1" smtClean="0">
+                            <a:latin typeface="Cambria Math" panose="02040503050406030204" pitchFamily="18" charset="0"/>
+                          </a:rPr>
+                          <m:t>+1</m:t>
+                        </m:r>
+                      </m:sup>
+                    </m:sSup>
+                    <m:r>
+                      <a:rPr lang="en-US" b="0" i="1" smtClean="0">
+                        <a:latin typeface="Cambria Math" panose="02040503050406030204" pitchFamily="18" charset="0"/>
+                      </a:rPr>
+                      <m:t>=</m:t>
+                    </m:r>
+                    <m:sSup>
+                      <m:sSupPr>
+                        <m:ctrlPr>
+                          <a:rPr lang="en-US" b="0" i="1" smtClean="0">
+                            <a:latin typeface="Cambria Math" panose="02040503050406030204" pitchFamily="18" charset="0"/>
+                          </a:rPr>
+                        </m:ctrlPr>
+                      </m:sSupPr>
+                      <m:e>
+                        <m:r>
+                          <a:rPr lang="en-US" b="0" i="1" smtClean="0">
+                            <a:latin typeface="Cambria Math" panose="02040503050406030204" pitchFamily="18" charset="0"/>
+                          </a:rPr>
+                          <m:t>𝑤</m:t>
+                        </m:r>
+                      </m:e>
+                      <m:sup>
+                        <m:r>
+                          <a:rPr lang="en-US" b="0" i="1" smtClean="0">
+                            <a:latin typeface="Cambria Math" panose="02040503050406030204" pitchFamily="18" charset="0"/>
+                          </a:rPr>
+                          <m:t>𝑘</m:t>
+                        </m:r>
+                      </m:sup>
+                    </m:sSup>
+                    <m:r>
+                      <a:rPr lang="en-US" b="0" i="1" smtClean="0">
+                        <a:latin typeface="Cambria Math" panose="02040503050406030204" pitchFamily="18" charset="0"/>
+                      </a:rPr>
+                      <m:t>−</m:t>
+                    </m:r>
+                    <m:sSub>
+                      <m:sSubPr>
+                        <m:ctrlPr>
+                          <a:rPr lang="en-US" b="0" i="1" smtClean="0">
+                            <a:latin typeface="Cambria Math" panose="02040503050406030204" pitchFamily="18" charset="0"/>
+                          </a:rPr>
+                        </m:ctrlPr>
+                      </m:sSubPr>
+                      <m:e>
+                        <m:r>
+                          <a:rPr lang="en-US" b="0" i="1" smtClean="0">
+                            <a:latin typeface="Cambria Math" panose="02040503050406030204" pitchFamily="18" charset="0"/>
+                          </a:rPr>
+                          <m:t>𝛼</m:t>
+                        </m:r>
+                      </m:e>
+                      <m:sub>
+                        <m:r>
+                          <a:rPr lang="en-US" b="0" i="1" smtClean="0">
+                            <a:latin typeface="Cambria Math" panose="02040503050406030204" pitchFamily="18" charset="0"/>
+                          </a:rPr>
+                          <m:t>𝑘</m:t>
+                        </m:r>
+                      </m:sub>
+                    </m:sSub>
+                    <m:r>
+                      <a:rPr lang="en-US" b="0" i="0" smtClean="0">
+                        <a:latin typeface="Cambria Math" panose="02040503050406030204" pitchFamily="18" charset="0"/>
+                      </a:rPr>
+                      <m:t>𝛻</m:t>
+                    </m:r>
+                    <m:r>
+                      <a:rPr lang="en-US" b="0" i="1" smtClean="0">
+                        <a:latin typeface="Cambria Math" panose="02040503050406030204" pitchFamily="18" charset="0"/>
+                      </a:rPr>
+                      <m:t>𝑓</m:t>
+                    </m:r>
+                    <m:r>
+                      <a:rPr lang="en-US" b="0" i="1" smtClean="0">
+                        <a:latin typeface="Cambria Math" panose="02040503050406030204" pitchFamily="18" charset="0"/>
+                      </a:rPr>
+                      <m:t>(</m:t>
+                    </m:r>
+                    <m:sSup>
+                      <m:sSupPr>
+                        <m:ctrlPr>
+                          <a:rPr lang="en-US" b="0" i="1" smtClean="0">
+                            <a:latin typeface="Cambria Math" panose="02040503050406030204" pitchFamily="18" charset="0"/>
+                          </a:rPr>
+                        </m:ctrlPr>
+                      </m:sSupPr>
+                      <m:e>
+                        <m:r>
+                          <a:rPr lang="en-US" b="0" i="1" smtClean="0">
+                            <a:latin typeface="Cambria Math" panose="02040503050406030204" pitchFamily="18" charset="0"/>
+                          </a:rPr>
+                          <m:t>𝑤</m:t>
+                        </m:r>
+                      </m:e>
+                      <m:sup>
+                        <m:r>
+                          <a:rPr lang="en-US" b="0" i="1" smtClean="0">
+                            <a:latin typeface="Cambria Math" panose="02040503050406030204" pitchFamily="18" charset="0"/>
+                          </a:rPr>
+                          <m:t>𝑘</m:t>
+                        </m:r>
+                      </m:sup>
+                    </m:sSup>
+                    <m:r>
+                      <a:rPr lang="en-US" b="0" i="1" smtClean="0">
+                        <a:latin typeface="Cambria Math" panose="02040503050406030204" pitchFamily="18" charset="0"/>
+                      </a:rPr>
+                      <m:t>)</m:t>
+                    </m:r>
+                  </m:oMath>
+                </a14:m>
+                <a:endParaRPr lang="en-US" dirty="0"/>
+              </a:p>
+              <a:p>
+                <a:pPr lvl="1"/>
+                <a:r>
+                  <a:rPr lang="en-US" dirty="0"/>
+                  <a:t>Repeat until some stopping criteria</a:t>
+                </a:r>
+              </a:p>
+              <a:p>
+                <a14:m>
+                  <m:oMath xmlns:m="http://schemas.openxmlformats.org/officeDocument/2006/math">
+                    <m:sSub>
+                      <m:sSubPr>
+                        <m:ctrlPr>
+                          <a:rPr lang="en-US" b="0" i="1" smtClean="0">
+                            <a:latin typeface="Cambria Math" panose="02040503050406030204" pitchFamily="18" charset="0"/>
+                          </a:rPr>
+                        </m:ctrlPr>
+                      </m:sSubPr>
+                      <m:e>
+                        <m:r>
+                          <a:rPr lang="en-US" b="0" i="1" smtClean="0">
+                            <a:latin typeface="Cambria Math" panose="02040503050406030204" pitchFamily="18" charset="0"/>
+                          </a:rPr>
+                          <m:t>𝛼</m:t>
+                        </m:r>
+                      </m:e>
+                      <m:sub>
+                        <m:r>
+                          <a:rPr lang="en-US" b="0" i="1" smtClean="0">
+                            <a:latin typeface="Cambria Math" panose="02040503050406030204" pitchFamily="18" charset="0"/>
+                          </a:rPr>
+                          <m:t>𝑘</m:t>
+                        </m:r>
+                      </m:sub>
+                    </m:sSub>
+                  </m:oMath>
+                </a14:m>
+                <a:r>
+                  <a:rPr lang="en-US" dirty="0"/>
+                  <a:t> is called the </a:t>
+                </a:r>
+                <a:r>
+                  <a:rPr lang="en-US" dirty="0">
+                    <a:solidFill>
+                      <a:schemeClr val="tx2">
+                        <a:lumMod val="60000"/>
+                        <a:lumOff val="40000"/>
+                      </a:schemeClr>
+                    </a:solidFill>
+                  </a:rPr>
+                  <a:t>step size</a:t>
+                </a:r>
+              </a:p>
+              <a:p>
+                <a:pPr lvl="1"/>
+                <a:r>
+                  <a:rPr lang="en-US" dirty="0"/>
+                  <a:t>In machine learning, this is called the </a:t>
+                </a:r>
+                <a:r>
+                  <a:rPr lang="en-US" dirty="0">
+                    <a:solidFill>
+                      <a:schemeClr val="tx2">
+                        <a:lumMod val="60000"/>
+                        <a:lumOff val="40000"/>
+                      </a:schemeClr>
+                    </a:solidFill>
+                  </a:rPr>
+                  <a:t>learning rate</a:t>
+                </a:r>
+              </a:p>
+              <a:p>
+                <a:endParaRPr lang="en-US" dirty="0"/>
+              </a:p>
+            </p:txBody>
+          </p:sp>
+        </mc:Choice>
+        <mc:Fallback xmlns="">
+          <p:sp>
+            <p:nvSpPr>
+              <p:cNvPr id="4" name="Content Placeholder 3"/>
+              <p:cNvSpPr>
+                <a:spLocks noGrp="1" noRot="1" noChangeAspect="1" noMove="1" noResize="1" noEditPoints="1" noAdjustHandles="1" noChangeArrowheads="1" noChangeShapeType="1" noTextEdit="1"/>
+              </p:cNvSpPr>
+              <p:nvPr>
+                <p:ph sz="quarter" idx="1"/>
+              </p:nvPr>
+            </p:nvSpPr>
+            <p:spPr>
+              <a:blipFill>
+                <a:blip r:embed="rId2"/>
+                <a:stretch>
+                  <a:fillRect l="-1455" t="-1549"/>
+                </a:stretch>
+              </a:blipFill>
+            </p:spPr>
+            <p:txBody>
+              <a:bodyPr/>
+              <a:lstStyle/>
+              <a:p>
+                <a:r>
+                  <a:rPr lang="en-US">
+                    <a:noFill/>
+                  </a:rPr>
+                  <a:t> </a:t>
+                </a:r>
+              </a:p>
+            </p:txBody>
+          </p:sp>
+        </mc:Fallback>
+      </mc:AlternateContent>
+    </p:spTree>
+    <p:extLst>
+      <p:ext uri="{BB962C8B-B14F-4D97-AF65-F5344CB8AC3E}">
+        <p14:creationId xmlns:p14="http://schemas.microsoft.com/office/powerpoint/2010/main" val="4282920011"/>
+      </p:ext>
+    </p:extLst>
+  </p:cSld>
+  <p:clrMapOvr>
+    <a:masterClrMapping/>
+  </p:clrMapOvr>
+</p:sld>
+</file>
+
+<file path=ppt/slides/slide32.xml><?xml version="1.0" encoding="utf-8"?>
+<p:sld xmlns:a="http://schemas.openxmlformats.org/drawingml/2006/main" xmlns:r="http://schemas.openxmlformats.org/officeDocument/2006/relationships" xmlns:p="http://schemas.openxmlformats.org/presentationml/2006/main">
+  <p:cSld>
+    <p:spTree>
+      <p:nvGrpSpPr>
+        <p:cNvPr id="1" name=""/>
+        <p:cNvGrpSpPr/>
+        <p:nvPr/>
+      </p:nvGrpSpPr>
+      <p:grpSpPr>
+        <a:xfrm>
+          <a:off x="0" y="0"/>
+          <a:ext cx="0" cy="0"/>
+          <a:chOff x="0" y="0"/>
+          <a:chExt cx="0" cy="0"/>
+        </a:xfrm>
+      </p:grpSpPr>
+      <p:sp>
+        <p:nvSpPr>
+          <p:cNvPr id="2" name="Title 1"/>
+          <p:cNvSpPr>
+            <a:spLocks noGrp="1"/>
+          </p:cNvSpPr>
+          <p:nvPr>
+            <p:ph type="title"/>
+          </p:nvPr>
+        </p:nvSpPr>
+        <p:spPr/>
+        <p:txBody>
+          <a:bodyPr/>
+          <a:lstStyle/>
+          <a:p>
+            <a:r>
+              <a:rPr lang="en-US" dirty="0"/>
               <a:t>Gradient Descent Illustrated</a:t>
             </a:r>
           </a:p>
@@ -25021,7 +26334,7 @@
             <a:fld id="{529F9F8D-2534-4D48-85E3-73908409BCC5}" type="slidenum">
               <a:rPr lang="en-US" smtClean="0"/>
               <a:pPr/>
-              <a:t>30</a:t>
+              <a:t>32</a:t>
             </a:fld>
             <a:endParaRPr lang="en-US"/>
           </a:p>
@@ -25458,7 +26771,7 @@
 </p:sld>
 </file>
 
-<file path=ppt/slides/slide31.xml><?xml version="1.0" encoding="utf-8"?>
+<file path=ppt/slides/slide33.xml><?xml version="1.0" encoding="utf-8"?>
 <p:sld xmlns:a="http://schemas.openxmlformats.org/drawingml/2006/main" xmlns:r="http://schemas.openxmlformats.org/officeDocument/2006/relationships" xmlns:p="http://schemas.openxmlformats.org/presentationml/2006/main">
   <p:cSld>
     <p:spTree>
@@ -25515,7 +26828,7 @@
             <a:fld id="{529F9F8D-2534-4D48-85E3-73908409BCC5}" type="slidenum">
               <a:rPr lang="en-US" smtClean="0"/>
               <a:pPr/>
-              <a:t>31</a:t>
+              <a:t>33</a:t>
             </a:fld>
             <a:endParaRPr lang="en-US"/>
           </a:p>
@@ -26560,7 +27873,7 @@
 </p:sld>
 </file>
 
-<file path=ppt/slides/slide32.xml><?xml version="1.0" encoding="utf-8"?>
+<file path=ppt/slides/slide34.xml><?xml version="1.0" encoding="utf-8"?>
 <p:sld xmlns:a="http://schemas.openxmlformats.org/drawingml/2006/main" xmlns:r="http://schemas.openxmlformats.org/officeDocument/2006/relationships" xmlns:p="http://schemas.openxmlformats.org/presentationml/2006/main">
   <p:cSld>
     <p:spTree>
@@ -26617,7 +27930,7 @@
             <a:fld id="{529F9F8D-2534-4D48-85E3-73908409BCC5}" type="slidenum">
               <a:rPr lang="en-US" smtClean="0"/>
               <a:pPr/>
-              <a:t>32</a:t>
+              <a:t>34</a:t>
             </a:fld>
             <a:endParaRPr lang="en-US"/>
           </a:p>
@@ -27117,7 +28430,7 @@
 </p:sld>
 </file>
 
-<file path=ppt/slides/slide33.xml><?xml version="1.0" encoding="utf-8"?>
+<file path=ppt/slides/slide35.xml><?xml version="1.0" encoding="utf-8"?>
 <p:sld xmlns:a="http://schemas.openxmlformats.org/drawingml/2006/main" xmlns:r="http://schemas.openxmlformats.org/officeDocument/2006/relationships" xmlns:p="http://schemas.openxmlformats.org/presentationml/2006/main">
   <p:cSld>
     <p:spTree>
@@ -28935,7 +30248,7 @@
           <a:p>
             <a:fld id="{629637A9-119A-49DA-BD12-AAC58B377D80}" type="slidenum">
               <a:rPr lang="en-US" smtClean="0"/>
-              <a:t>33</a:t>
+              <a:t>35</a:t>
             </a:fld>
             <a:endParaRPr lang="en-US" dirty="0"/>
           </a:p>
@@ -28954,7 +30267,7 @@
 </p:sld>
 </file>
 
-<file path=ppt/slides/slide34.xml><?xml version="1.0" encoding="utf-8"?>
+<file path=ppt/slides/slide36.xml><?xml version="1.0" encoding="utf-8"?>
 <p:sld xmlns:a="http://schemas.openxmlformats.org/drawingml/2006/main" xmlns:r="http://schemas.openxmlformats.org/officeDocument/2006/relationships" xmlns:p="http://schemas.openxmlformats.org/presentationml/2006/main">
   <p:cSld>
     <p:spTree>
@@ -30288,7 +31601,7 @@
           <a:p>
             <a:fld id="{629637A9-119A-49DA-BD12-AAC58B377D80}" type="slidenum">
               <a:rPr lang="en-US" smtClean="0"/>
-              <a:t>34</a:t>
+              <a:t>36</a:t>
             </a:fld>
             <a:endParaRPr lang="en-US" dirty="0"/>
           </a:p>
@@ -30307,7 +31620,7 @@
 </p:sld>
 </file>
 
-<file path=ppt/slides/slide35.xml><?xml version="1.0" encoding="utf-8"?>
+<file path=ppt/slides/slide37.xml><?xml version="1.0" encoding="utf-8"?>
 <p:sld xmlns:a="http://schemas.openxmlformats.org/drawingml/2006/main" xmlns:r="http://schemas.openxmlformats.org/officeDocument/2006/relationships" xmlns:p="http://schemas.openxmlformats.org/presentationml/2006/main">
   <p:cSld>
     <p:spTree>
@@ -31675,7 +32988,7 @@
           <a:p>
             <a:fld id="{629637A9-119A-49DA-BD12-AAC58B377D80}" type="slidenum">
               <a:rPr lang="en-US" smtClean="0"/>
-              <a:t>35</a:t>
+              <a:t>37</a:t>
             </a:fld>
             <a:endParaRPr lang="en-US" dirty="0"/>
           </a:p>
@@ -31694,7 +33007,7 @@
 </p:sld>
 </file>
 
-<file path=ppt/slides/slide36.xml><?xml version="1.0" encoding="utf-8"?>
+<file path=ppt/slides/slide38.xml><?xml version="1.0" encoding="utf-8"?>
 <p:sld xmlns:a="http://schemas.openxmlformats.org/drawingml/2006/main" xmlns:r="http://schemas.openxmlformats.org/officeDocument/2006/relationships" xmlns:p="http://schemas.openxmlformats.org/presentationml/2006/main">
   <p:cSld>
     <p:spTree>
@@ -32678,7 +33991,7 @@
           <a:p>
             <a:fld id="{629637A9-119A-49DA-BD12-AAC58B377D80}" type="slidenum">
               <a:rPr lang="en-US" smtClean="0"/>
-              <a:t>36</a:t>
+              <a:t>38</a:t>
             </a:fld>
             <a:endParaRPr lang="en-US" dirty="0"/>
           </a:p>
@@ -32697,7 +34010,7 @@
 </p:sld>
 </file>
 
-<file path=ppt/slides/slide37.xml><?xml version="1.0" encoding="utf-8"?>
+<file path=ppt/slides/slide39.xml><?xml version="1.0" encoding="utf-8"?>
 <p:sld xmlns:a="http://schemas.openxmlformats.org/drawingml/2006/main" xmlns:r="http://schemas.openxmlformats.org/officeDocument/2006/relationships" xmlns:p="http://schemas.openxmlformats.org/presentationml/2006/main">
   <p:cSld>
     <p:spTree>
@@ -33834,7 +35147,7 @@
           <a:p>
             <a:fld id="{629637A9-119A-49DA-BD12-AAC58B377D80}" type="slidenum">
               <a:rPr lang="en-US" smtClean="0"/>
-              <a:t>37</a:t>
+              <a:t>39</a:t>
             </a:fld>
             <a:endParaRPr lang="en-US" dirty="0"/>
           </a:p>
@@ -33883,7 +35196,163 @@
 </p:sld>
 </file>
 
-<file path=ppt/slides/slide38.xml><?xml version="1.0" encoding="utf-8"?>
+<file path=ppt/slides/slide4.xml><?xml version="1.0" encoding="utf-8"?>
+<p:sld xmlns:a="http://schemas.openxmlformats.org/drawingml/2006/main" xmlns:r="http://schemas.openxmlformats.org/officeDocument/2006/relationships" xmlns:p="http://schemas.openxmlformats.org/presentationml/2006/main">
+  <p:cSld>
+    <p:spTree>
+      <p:nvGrpSpPr>
+        <p:cNvPr id="1" name=""/>
+        <p:cNvGrpSpPr/>
+        <p:nvPr/>
+      </p:nvGrpSpPr>
+      <p:grpSpPr>
+        <a:xfrm>
+          <a:off x="0" y="0"/>
+          <a:ext cx="0" cy="0"/>
+          <a:chOff x="0" y="0"/>
+          <a:chExt cx="0" cy="0"/>
+        </a:xfrm>
+      </p:grpSpPr>
+      <p:sp>
+        <p:nvSpPr>
+          <p:cNvPr id="2" name="Title 1">
+            <a:extLst>
+              <a:ext uri="{FF2B5EF4-FFF2-40B4-BE49-F238E27FC236}">
+                <a16:creationId xmlns:a16="http://schemas.microsoft.com/office/drawing/2014/main" id="{11B515E8-3F99-4E61-A0BC-1C540285DD4A}"/>
+              </a:ext>
+            </a:extLst>
+          </p:cNvPr>
+          <p:cNvSpPr>
+            <a:spLocks noGrp="1"/>
+          </p:cNvSpPr>
+          <p:nvPr>
+            <p:ph type="title"/>
+          </p:nvPr>
+        </p:nvSpPr>
+        <p:spPr/>
+        <p:txBody>
+          <a:bodyPr/>
+          <a:lstStyle/>
+          <a:p>
+            <a:r>
+              <a:rPr lang="en-US" dirty="0"/>
+              <a:t>Demo on GitHub</a:t>
+            </a:r>
+          </a:p>
+        </p:txBody>
+      </p:sp>
+      <p:sp>
+        <p:nvSpPr>
+          <p:cNvPr id="3" name="Content Placeholder 2">
+            <a:extLst>
+              <a:ext uri="{FF2B5EF4-FFF2-40B4-BE49-F238E27FC236}">
+                <a16:creationId xmlns:a16="http://schemas.microsoft.com/office/drawing/2014/main" id="{9E804AB2-3EE2-4D28-B2BC-E12F8D22D4D3}"/>
+              </a:ext>
+            </a:extLst>
+          </p:cNvPr>
+          <p:cNvSpPr>
+            <a:spLocks noGrp="1"/>
+          </p:cNvSpPr>
+          <p:nvPr>
+            <p:ph idx="1"/>
+          </p:nvPr>
+        </p:nvSpPr>
+        <p:spPr>
+          <a:xfrm>
+            <a:off x="1097280" y="1539278"/>
+            <a:ext cx="10058400" cy="1017656"/>
+          </a:xfrm>
+        </p:spPr>
+        <p:txBody>
+          <a:bodyPr/>
+          <a:lstStyle/>
+          <a:p>
+            <a:r>
+              <a:rPr lang="en-US" dirty="0">
+                <a:hlinkClick r:id="rId2"/>
+              </a:rPr>
+              <a:t>https://github.com/sdrangan/introml/blob/master/optim/grad_descent.ipynb</a:t>
+            </a:r>
+            <a:endParaRPr lang="en-US" dirty="0"/>
+          </a:p>
+          <a:p>
+            <a:endParaRPr lang="en-US" dirty="0"/>
+          </a:p>
+        </p:txBody>
+      </p:sp>
+      <p:sp>
+        <p:nvSpPr>
+          <p:cNvPr id="4" name="Slide Number Placeholder 3">
+            <a:extLst>
+              <a:ext uri="{FF2B5EF4-FFF2-40B4-BE49-F238E27FC236}">
+                <a16:creationId xmlns:a16="http://schemas.microsoft.com/office/drawing/2014/main" id="{86304746-EEFB-4B39-81D8-B42602192BAE}"/>
+              </a:ext>
+            </a:extLst>
+          </p:cNvPr>
+          <p:cNvSpPr>
+            <a:spLocks noGrp="1"/>
+          </p:cNvSpPr>
+          <p:nvPr>
+            <p:ph type="sldNum" sz="quarter" idx="12"/>
+          </p:nvPr>
+        </p:nvSpPr>
+        <p:spPr/>
+        <p:txBody>
+          <a:bodyPr/>
+          <a:lstStyle/>
+          <a:p>
+            <a:fld id="{629637A9-119A-49DA-BD12-AAC58B377D80}" type="slidenum">
+              <a:rPr lang="en-US" smtClean="0"/>
+              <a:t>4</a:t>
+            </a:fld>
+            <a:endParaRPr lang="en-US" dirty="0"/>
+          </a:p>
+        </p:txBody>
+      </p:sp>
+      <p:pic>
+        <p:nvPicPr>
+          <p:cNvPr id="5" name="Picture 4">
+            <a:extLst>
+              <a:ext uri="{FF2B5EF4-FFF2-40B4-BE49-F238E27FC236}">
+                <a16:creationId xmlns:a16="http://schemas.microsoft.com/office/drawing/2014/main" id="{2796C7A7-5B6C-47F3-9BE2-967EDD7956B6}"/>
+              </a:ext>
+            </a:extLst>
+          </p:cNvPr>
+          <p:cNvPicPr>
+            <a:picLocks noChangeAspect="1"/>
+          </p:cNvPicPr>
+          <p:nvPr/>
+        </p:nvPicPr>
+        <p:blipFill>
+          <a:blip r:embed="rId3"/>
+          <a:stretch>
+            <a:fillRect/>
+          </a:stretch>
+        </p:blipFill>
+        <p:spPr>
+          <a:xfrm>
+            <a:off x="2134658" y="2230020"/>
+            <a:ext cx="7686675" cy="4266810"/>
+          </a:xfrm>
+          <a:prstGeom prst="rect">
+            <a:avLst/>
+          </a:prstGeom>
+        </p:spPr>
+      </p:pic>
+    </p:spTree>
+    <p:extLst>
+      <p:ext uri="{BB962C8B-B14F-4D97-AF65-F5344CB8AC3E}">
+        <p14:creationId xmlns:p14="http://schemas.microsoft.com/office/powerpoint/2010/main" val="2427658837"/>
+      </p:ext>
+    </p:extLst>
+  </p:cSld>
+  <p:clrMapOvr>
+    <a:masterClrMapping/>
+  </p:clrMapOvr>
+</p:sld>
+</file>
+
+<file path=ppt/slides/slide40.xml><?xml version="1.0" encoding="utf-8"?>
 <p:sld xmlns:a="http://schemas.openxmlformats.org/drawingml/2006/main" xmlns:r="http://schemas.openxmlformats.org/officeDocument/2006/relationships" xmlns:p="http://schemas.openxmlformats.org/presentationml/2006/main">
   <p:cSld>
     <p:spTree>
@@ -34557,7 +36026,7 @@
           <a:p>
             <a:fld id="{629637A9-119A-49DA-BD12-AAC58B377D80}" type="slidenum">
               <a:rPr lang="en-US" smtClean="0"/>
-              <a:t>38</a:t>
+              <a:t>40</a:t>
             </a:fld>
             <a:endParaRPr lang="en-US" dirty="0"/>
           </a:p>
@@ -34735,7 +36204,7 @@
 </p:sld>
 </file>
 
-<file path=ppt/slides/slide39.xml><?xml version="1.0" encoding="utf-8"?>
+<file path=ppt/slides/slide41.xml><?xml version="1.0" encoding="utf-8"?>
 <p:sld xmlns:a="http://schemas.openxmlformats.org/drawingml/2006/main" xmlns:r="http://schemas.openxmlformats.org/officeDocument/2006/relationships" xmlns:p="http://schemas.openxmlformats.org/presentationml/2006/main">
   <p:cSld>
     <p:spTree>
@@ -35061,7 +36530,7 @@
           <a:p>
             <a:fld id="{629637A9-119A-49DA-BD12-AAC58B377D80}" type="slidenum">
               <a:rPr lang="en-US" smtClean="0"/>
-              <a:t>39</a:t>
+              <a:t>41</a:t>
             </a:fld>
             <a:endParaRPr lang="en-US" dirty="0"/>
           </a:p>
@@ -35140,163 +36609,7 @@
 </p:sld>
 </file>
 
-<file path=ppt/slides/slide4.xml><?xml version="1.0" encoding="utf-8"?>
-<p:sld xmlns:a="http://schemas.openxmlformats.org/drawingml/2006/main" xmlns:r="http://schemas.openxmlformats.org/officeDocument/2006/relationships" xmlns:p="http://schemas.openxmlformats.org/presentationml/2006/main">
-  <p:cSld>
-    <p:spTree>
-      <p:nvGrpSpPr>
-        <p:cNvPr id="1" name=""/>
-        <p:cNvGrpSpPr/>
-        <p:nvPr/>
-      </p:nvGrpSpPr>
-      <p:grpSpPr>
-        <a:xfrm>
-          <a:off x="0" y="0"/>
-          <a:ext cx="0" cy="0"/>
-          <a:chOff x="0" y="0"/>
-          <a:chExt cx="0" cy="0"/>
-        </a:xfrm>
-      </p:grpSpPr>
-      <p:sp>
-        <p:nvSpPr>
-          <p:cNvPr id="2" name="Title 1">
-            <a:extLst>
-              <a:ext uri="{FF2B5EF4-FFF2-40B4-BE49-F238E27FC236}">
-                <a16:creationId xmlns:a16="http://schemas.microsoft.com/office/drawing/2014/main" id="{11B515E8-3F99-4E61-A0BC-1C540285DD4A}"/>
-              </a:ext>
-            </a:extLst>
-          </p:cNvPr>
-          <p:cNvSpPr>
-            <a:spLocks noGrp="1"/>
-          </p:cNvSpPr>
-          <p:nvPr>
-            <p:ph type="title"/>
-          </p:nvPr>
-        </p:nvSpPr>
-        <p:spPr/>
-        <p:txBody>
-          <a:bodyPr/>
-          <a:lstStyle/>
-          <a:p>
-            <a:r>
-              <a:rPr lang="en-US" dirty="0"/>
-              <a:t>Demo on GitHub</a:t>
-            </a:r>
-          </a:p>
-        </p:txBody>
-      </p:sp>
-      <p:sp>
-        <p:nvSpPr>
-          <p:cNvPr id="3" name="Content Placeholder 2">
-            <a:extLst>
-              <a:ext uri="{FF2B5EF4-FFF2-40B4-BE49-F238E27FC236}">
-                <a16:creationId xmlns:a16="http://schemas.microsoft.com/office/drawing/2014/main" id="{9E804AB2-3EE2-4D28-B2BC-E12F8D22D4D3}"/>
-              </a:ext>
-            </a:extLst>
-          </p:cNvPr>
-          <p:cNvSpPr>
-            <a:spLocks noGrp="1"/>
-          </p:cNvSpPr>
-          <p:nvPr>
-            <p:ph idx="1"/>
-          </p:nvPr>
-        </p:nvSpPr>
-        <p:spPr>
-          <a:xfrm>
-            <a:off x="1097280" y="1539278"/>
-            <a:ext cx="10058400" cy="1017656"/>
-          </a:xfrm>
-        </p:spPr>
-        <p:txBody>
-          <a:bodyPr/>
-          <a:lstStyle/>
-          <a:p>
-            <a:r>
-              <a:rPr lang="en-US" dirty="0">
-                <a:hlinkClick r:id="rId2"/>
-              </a:rPr>
-              <a:t>https://github.com/sdrangan/introml/blob/master/optim/grad_descent.ipynb</a:t>
-            </a:r>
-            <a:endParaRPr lang="en-US" dirty="0"/>
-          </a:p>
-          <a:p>
-            <a:endParaRPr lang="en-US" dirty="0"/>
-          </a:p>
-        </p:txBody>
-      </p:sp>
-      <p:sp>
-        <p:nvSpPr>
-          <p:cNvPr id="4" name="Slide Number Placeholder 3">
-            <a:extLst>
-              <a:ext uri="{FF2B5EF4-FFF2-40B4-BE49-F238E27FC236}">
-                <a16:creationId xmlns:a16="http://schemas.microsoft.com/office/drawing/2014/main" id="{86304746-EEFB-4B39-81D8-B42602192BAE}"/>
-              </a:ext>
-            </a:extLst>
-          </p:cNvPr>
-          <p:cNvSpPr>
-            <a:spLocks noGrp="1"/>
-          </p:cNvSpPr>
-          <p:nvPr>
-            <p:ph type="sldNum" sz="quarter" idx="12"/>
-          </p:nvPr>
-        </p:nvSpPr>
-        <p:spPr/>
-        <p:txBody>
-          <a:bodyPr/>
-          <a:lstStyle/>
-          <a:p>
-            <a:fld id="{629637A9-119A-49DA-BD12-AAC58B377D80}" type="slidenum">
-              <a:rPr lang="en-US" smtClean="0"/>
-              <a:t>4</a:t>
-            </a:fld>
-            <a:endParaRPr lang="en-US" dirty="0"/>
-          </a:p>
-        </p:txBody>
-      </p:sp>
-      <p:pic>
-        <p:nvPicPr>
-          <p:cNvPr id="5" name="Picture 4">
-            <a:extLst>
-              <a:ext uri="{FF2B5EF4-FFF2-40B4-BE49-F238E27FC236}">
-                <a16:creationId xmlns:a16="http://schemas.microsoft.com/office/drawing/2014/main" id="{2796C7A7-5B6C-47F3-9BE2-967EDD7956B6}"/>
-              </a:ext>
-            </a:extLst>
-          </p:cNvPr>
-          <p:cNvPicPr>
-            <a:picLocks noChangeAspect="1"/>
-          </p:cNvPicPr>
-          <p:nvPr/>
-        </p:nvPicPr>
-        <p:blipFill>
-          <a:blip r:embed="rId3"/>
-          <a:stretch>
-            <a:fillRect/>
-          </a:stretch>
-        </p:blipFill>
-        <p:spPr>
-          <a:xfrm>
-            <a:off x="2134658" y="2230020"/>
-            <a:ext cx="7686675" cy="4266810"/>
-          </a:xfrm>
-          <a:prstGeom prst="rect">
-            <a:avLst/>
-          </a:prstGeom>
-        </p:spPr>
-      </p:pic>
-    </p:spTree>
-    <p:extLst>
-      <p:ext uri="{BB962C8B-B14F-4D97-AF65-F5344CB8AC3E}">
-        <p14:creationId xmlns:p14="http://schemas.microsoft.com/office/powerpoint/2010/main" val="2427658837"/>
-      </p:ext>
-    </p:extLst>
-  </p:cSld>
-  <p:clrMapOvr>
-    <a:masterClrMapping/>
-  </p:clrMapOvr>
-</p:sld>
-</file>
-
-<file path=ppt/slides/slide40.xml><?xml version="1.0" encoding="utf-8"?>
+<file path=ppt/slides/slide42.xml><?xml version="1.0" encoding="utf-8"?>
 <p:sld xmlns:a="http://schemas.openxmlformats.org/drawingml/2006/main" xmlns:r="http://schemas.openxmlformats.org/officeDocument/2006/relationships" xmlns:p="http://schemas.openxmlformats.org/presentationml/2006/main">
   <p:cSld>
     <p:spTree>
@@ -35751,7 +37064,7 @@
           <a:p>
             <a:fld id="{629637A9-119A-49DA-BD12-AAC58B377D80}" type="slidenum">
               <a:rPr lang="en-US" smtClean="0"/>
-              <a:t>40</a:t>
+              <a:t>42</a:t>
             </a:fld>
             <a:endParaRPr lang="en-US" dirty="0"/>
           </a:p>
@@ -35800,7 +37113,7 @@
 </p:sld>
 </file>
 
-<file path=ppt/slides/slide41.xml><?xml version="1.0" encoding="utf-8"?>
+<file path=ppt/slides/slide43.xml><?xml version="1.0" encoding="utf-8"?>
 <p:sld xmlns:a="http://schemas.openxmlformats.org/drawingml/2006/main" xmlns:r="http://schemas.openxmlformats.org/officeDocument/2006/relationships" xmlns:p="http://schemas.openxmlformats.org/presentationml/2006/main">
   <p:cSld>
     <p:spTree>
@@ -36024,7 +37337,7 @@
           <a:p>
             <a:fld id="{629637A9-119A-49DA-BD12-AAC58B377D80}" type="slidenum">
               <a:rPr lang="en-US" smtClean="0"/>
-              <a:t>41</a:t>
+              <a:t>43</a:t>
             </a:fld>
             <a:endParaRPr lang="en-US" dirty="0"/>
           </a:p>
@@ -36073,7 +37386,7 @@
 </p:sld>
 </file>
 
-<file path=ppt/slides/slide42.xml><?xml version="1.0" encoding="utf-8"?>
+<file path=ppt/slides/slide44.xml><?xml version="1.0" encoding="utf-8"?>
 <p:sld xmlns:a="http://schemas.openxmlformats.org/drawingml/2006/main" xmlns:r="http://schemas.openxmlformats.org/officeDocument/2006/relationships" xmlns:p="http://schemas.openxmlformats.org/presentationml/2006/main">
   <p:cSld>
     <p:spTree>
@@ -36395,7 +37708,7 @@
           <a:p>
             <a:fld id="{629637A9-119A-49DA-BD12-AAC58B377D80}" type="slidenum">
               <a:rPr lang="en-US" smtClean="0"/>
-              <a:t>42</a:t>
+              <a:t>44</a:t>
             </a:fld>
             <a:endParaRPr lang="en-US" dirty="0"/>
           </a:p>
@@ -36444,7 +37757,7 @@
 </p:sld>
 </file>
 
-<file path=ppt/slides/slide43.xml><?xml version="1.0" encoding="utf-8"?>
+<file path=ppt/slides/slide45.xml><?xml version="1.0" encoding="utf-8"?>
 <p:sld xmlns:a="http://schemas.openxmlformats.org/drawingml/2006/main" xmlns:r="http://schemas.openxmlformats.org/officeDocument/2006/relationships" xmlns:p="http://schemas.openxmlformats.org/presentationml/2006/main">
   <p:cSld>
     <p:spTree>
@@ -36570,7 +37883,7 @@
           <a:p>
             <a:fld id="{629637A9-119A-49DA-BD12-AAC58B377D80}" type="slidenum">
               <a:rPr lang="en-US" smtClean="0"/>
-              <a:t>43</a:t>
+              <a:t>45</a:t>
             </a:fld>
             <a:endParaRPr lang="en-US" dirty="0"/>
           </a:p>
@@ -36679,7 +37992,7 @@
 </p:sld>
 </file>
 
-<file path=ppt/slides/slide44.xml><?xml version="1.0" encoding="utf-8"?>
+<file path=ppt/slides/slide46.xml><?xml version="1.0" encoding="utf-8"?>
 <p:sld xmlns:a="http://schemas.openxmlformats.org/drawingml/2006/main" xmlns:r="http://schemas.openxmlformats.org/officeDocument/2006/relationships" xmlns:p="http://schemas.openxmlformats.org/presentationml/2006/main">
   <p:cSld>
     <p:spTree>
@@ -36781,7 +38094,7 @@
           <a:p>
             <a:fld id="{629637A9-119A-49DA-BD12-AAC58B377D80}" type="slidenum">
               <a:rPr lang="en-US" smtClean="0"/>
-              <a:t>44</a:t>
+              <a:t>46</a:t>
             </a:fld>
             <a:endParaRPr lang="en-US" dirty="0"/>
           </a:p>
@@ -36860,7 +38173,7 @@
 </p:sld>
 </file>
 
-<file path=ppt/slides/slide45.xml><?xml version="1.0" encoding="utf-8"?>
+<file path=ppt/slides/slide47.xml><?xml version="1.0" encoding="utf-8"?>
 <p:sld xmlns:a="http://schemas.openxmlformats.org/drawingml/2006/main" xmlns:r="http://schemas.openxmlformats.org/officeDocument/2006/relationships" xmlns:p="http://schemas.openxmlformats.org/presentationml/2006/main">
   <p:cSld>
     <p:spTree>
@@ -36965,7 +38278,7 @@
           <a:p>
             <a:fld id="{629637A9-119A-49DA-BD12-AAC58B377D80}" type="slidenum">
               <a:rPr lang="en-US" smtClean="0"/>
-              <a:t>45</a:t>
+              <a:t>47</a:t>
             </a:fld>
             <a:endParaRPr lang="en-US" dirty="0"/>
           </a:p>
@@ -37030,7 +38343,7 @@
 </p:sld>
 </file>
 
-<file path=ppt/slides/slide46.xml><?xml version="1.0" encoding="utf-8"?>
+<file path=ppt/slides/slide48.xml><?xml version="1.0" encoding="utf-8"?>
 <p:sld xmlns:a="http://schemas.openxmlformats.org/drawingml/2006/main" xmlns:r="http://schemas.openxmlformats.org/officeDocument/2006/relationships" xmlns:p="http://schemas.openxmlformats.org/presentationml/2006/main">
   <p:cSld>
     <p:spTree>
@@ -37087,7 +38400,7 @@
             <a:fld id="{529F9F8D-2534-4D48-85E3-73908409BCC5}" type="slidenum">
               <a:rPr lang="en-US" smtClean="0"/>
               <a:pPr/>
-              <a:t>46</a:t>
+              <a:t>48</a:t>
             </a:fld>
             <a:endParaRPr lang="en-US"/>
           </a:p>
@@ -37413,7 +38726,7 @@
 </p:sld>
 </file>
 
-<file path=ppt/slides/slide47.xml><?xml version="1.0" encoding="utf-8"?>
+<file path=ppt/slides/slide49.xml><?xml version="1.0" encoding="utf-8"?>
 <p:sld xmlns:a="http://schemas.openxmlformats.org/drawingml/2006/main" xmlns:r="http://schemas.openxmlformats.org/officeDocument/2006/relationships" xmlns:p="http://schemas.openxmlformats.org/presentationml/2006/main">
   <p:cSld>
     <p:spTree>
@@ -37470,7 +38783,7 @@
             <a:fld id="{529F9F8D-2534-4D48-85E3-73908409BCC5}" type="slidenum">
               <a:rPr lang="en-US" smtClean="0"/>
               <a:pPr/>
-              <a:t>47</a:t>
+              <a:t>49</a:t>
             </a:fld>
             <a:endParaRPr lang="en-US"/>
           </a:p>
@@ -38451,7 +39764,994 @@
 </p:sld>
 </file>
 
-<file path=ppt/slides/slide48.xml><?xml version="1.0" encoding="utf-8"?>
+<file path=ppt/slides/slide5.xml><?xml version="1.0" encoding="utf-8"?>
+<p:sld xmlns:a="http://schemas.openxmlformats.org/drawingml/2006/main" xmlns:r="http://schemas.openxmlformats.org/officeDocument/2006/relationships" xmlns:p="http://schemas.openxmlformats.org/presentationml/2006/main">
+  <p:cSld>
+    <p:spTree>
+      <p:nvGrpSpPr>
+        <p:cNvPr id="1" name=""/>
+        <p:cNvGrpSpPr/>
+        <p:nvPr/>
+      </p:nvGrpSpPr>
+      <p:grpSpPr>
+        <a:xfrm>
+          <a:off x="0" y="0"/>
+          <a:ext cx="0" cy="0"/>
+          <a:chOff x="0" y="0"/>
+          <a:chExt cx="0" cy="0"/>
+        </a:xfrm>
+      </p:grpSpPr>
+      <p:sp>
+        <p:nvSpPr>
+          <p:cNvPr id="2" name="Title 1"/>
+          <p:cNvSpPr>
+            <a:spLocks noGrp="1"/>
+          </p:cNvSpPr>
+          <p:nvPr>
+            <p:ph type="title"/>
+          </p:nvPr>
+        </p:nvSpPr>
+        <p:spPr/>
+        <p:txBody>
+          <a:bodyPr/>
+          <a:lstStyle/>
+          <a:p>
+            <a:r>
+              <a:rPr lang="en-US" dirty="0"/>
+              <a:t>Recap: Breast Cancer Example</a:t>
+            </a:r>
+          </a:p>
+        </p:txBody>
+      </p:sp>
+      <mc:AlternateContent xmlns:mc="http://schemas.openxmlformats.org/markup-compatibility/2006">
+        <mc:Choice xmlns:a14="http://schemas.microsoft.com/office/drawing/2010/main" Requires="a14">
+          <p:sp>
+            <p:nvSpPr>
+              <p:cNvPr id="3" name="Content Placeholder 2"/>
+              <p:cNvSpPr>
+                <a:spLocks noGrp="1"/>
+              </p:cNvSpPr>
+              <p:nvPr>
+                <p:ph idx="1"/>
+              </p:nvPr>
+            </p:nvSpPr>
+            <p:spPr>
+              <a:xfrm>
+                <a:off x="1097280" y="1539277"/>
+                <a:ext cx="5798470" cy="4329817"/>
+              </a:xfrm>
+            </p:spPr>
+            <p:txBody>
+              <a:bodyPr>
+                <a:normAutofit/>
+              </a:bodyPr>
+              <a:lstStyle/>
+              <a:p>
+                <a:r>
+                  <a:rPr lang="en-US" dirty="0">
+                    <a:solidFill>
+                      <a:schemeClr val="tx1"/>
+                    </a:solidFill>
+                  </a:rPr>
+                  <a:t>Problem from Unit 6:  </a:t>
+                </a:r>
+                <a:br>
+                  <a:rPr lang="en-US" dirty="0">
+                    <a:solidFill>
+                      <a:schemeClr val="tx1"/>
+                    </a:solidFill>
+                  </a:rPr>
+                </a:br>
+                <a:r>
+                  <a:rPr lang="en-US" dirty="0">
+                    <a:solidFill>
+                      <a:schemeClr val="tx1"/>
+                    </a:solidFill>
+                  </a:rPr>
+                  <a:t>  Determine if sample indicates cancer</a:t>
+                </a:r>
+              </a:p>
+              <a:p>
+                <a:r>
+                  <a:rPr lang="en-US" dirty="0">
+                    <a:solidFill>
+                      <a:schemeClr val="tx1"/>
+                    </a:solidFill>
+                  </a:rPr>
+                  <a:t>Classification problem:</a:t>
+                </a:r>
+              </a:p>
+              <a:p>
+                <a:pPr lvl="1"/>
+                <a:r>
+                  <a:rPr lang="en-US" dirty="0">
+                    <a:solidFill>
+                      <a:schemeClr val="tx2">
+                        <a:lumMod val="60000"/>
+                        <a:lumOff val="40000"/>
+                      </a:schemeClr>
+                    </a:solidFill>
+                  </a:rPr>
+                  <a:t>Input:</a:t>
+                </a:r>
+                <a:r>
+                  <a:rPr lang="en-US" b="1" dirty="0"/>
+                  <a:t> </a:t>
+                </a:r>
+                <a14:m>
+                  <m:oMath xmlns:m="http://schemas.openxmlformats.org/officeDocument/2006/math">
+                    <m:r>
+                      <a:rPr lang="en-US" b="1" i="1" smtClean="0">
+                        <a:latin typeface="Cambria Math" panose="02040503050406030204" pitchFamily="18" charset="0"/>
+                      </a:rPr>
+                      <m:t>𝒙</m:t>
+                    </m:r>
+                    <m:r>
+                      <a:rPr lang="en-US" b="0" i="1" smtClean="0">
+                        <a:latin typeface="Cambria Math" panose="02040503050406030204" pitchFamily="18" charset="0"/>
+                      </a:rPr>
+                      <m:t>= </m:t>
+                    </m:r>
+                  </m:oMath>
+                </a14:m>
+                <a:r>
+                  <a:rPr lang="en-US" dirty="0"/>
+                  <a:t>10 features of sample (size, cell mitosis, etc..)</a:t>
+                </a:r>
+              </a:p>
+              <a:p>
+                <a:pPr lvl="1"/>
+                <a:r>
+                  <a:rPr lang="en-US" dirty="0">
+                    <a:solidFill>
+                      <a:schemeClr val="tx2">
+                        <a:lumMod val="60000"/>
+                        <a:lumOff val="40000"/>
+                      </a:schemeClr>
+                    </a:solidFill>
+                  </a:rPr>
+                  <a:t>Output</a:t>
+                </a:r>
+                <a:r>
+                  <a:rPr lang="en-US" b="1" dirty="0">
+                    <a:solidFill>
+                      <a:schemeClr val="tx2">
+                        <a:lumMod val="60000"/>
+                        <a:lumOff val="40000"/>
+                      </a:schemeClr>
+                    </a:solidFill>
+                  </a:rPr>
+                  <a:t>:  </a:t>
+                </a:r>
+                <a:r>
+                  <a:rPr lang="en-US" dirty="0">
+                    <a:solidFill>
+                      <a:schemeClr val="tx1"/>
+                    </a:solidFill>
+                  </a:rPr>
+                  <a:t>Is the s</a:t>
+                </a:r>
+                <a:r>
+                  <a:rPr lang="en-US" dirty="0"/>
+                  <a:t>ample benign or malignant?</a:t>
+                </a:r>
+                <a:br>
+                  <a:rPr lang="en-US" dirty="0"/>
+                </a:br>
+                <a14:m>
+                  <m:oMath xmlns:m="http://schemas.openxmlformats.org/officeDocument/2006/math">
+                    <m:acc>
+                      <m:accPr>
+                        <m:chr m:val="̂"/>
+                        <m:ctrlPr>
+                          <a:rPr lang="en-US" i="1" smtClean="0">
+                            <a:latin typeface="Cambria Math" panose="02040503050406030204" pitchFamily="18" charset="0"/>
+                          </a:rPr>
+                        </m:ctrlPr>
+                      </m:accPr>
+                      <m:e>
+                        <m:r>
+                          <a:rPr lang="en-US" b="0" i="1" smtClean="0">
+                            <a:latin typeface="Cambria Math" panose="02040503050406030204" pitchFamily="18" charset="0"/>
+                          </a:rPr>
+                          <m:t>𝑦</m:t>
+                        </m:r>
+                      </m:e>
+                    </m:acc>
+                    <m:r>
+                      <a:rPr lang="en-US" b="0" i="1" smtClean="0">
+                        <a:latin typeface="Cambria Math" panose="02040503050406030204" pitchFamily="18" charset="0"/>
+                      </a:rPr>
+                      <m:t>=</m:t>
+                    </m:r>
+                    <m:d>
+                      <m:dPr>
+                        <m:begChr m:val="{"/>
+                        <m:endChr m:val=""/>
+                        <m:ctrlPr>
+                          <a:rPr lang="en-US" b="0" i="1" smtClean="0">
+                            <a:latin typeface="Cambria Math" panose="02040503050406030204" pitchFamily="18" charset="0"/>
+                          </a:rPr>
+                        </m:ctrlPr>
+                      </m:dPr>
+                      <m:e>
+                        <m:m>
+                          <m:mPr>
+                            <m:mcs>
+                              <m:mc>
+                                <m:mcPr>
+                                  <m:count m:val="2"/>
+                                  <m:mcJc m:val="center"/>
+                                </m:mcPr>
+                              </m:mc>
+                            </m:mcs>
+                            <m:ctrlPr>
+                              <a:rPr lang="en-US" b="0" i="1" smtClean="0">
+                                <a:latin typeface="Cambria Math" panose="02040503050406030204" pitchFamily="18" charset="0"/>
+                              </a:rPr>
+                            </m:ctrlPr>
+                          </m:mPr>
+                          <m:mr>
+                            <m:e>
+                              <m:r>
+                                <m:rPr>
+                                  <m:brk m:alnAt="7"/>
+                                </m:rPr>
+                                <a:rPr lang="en-US" b="0" i="1" smtClean="0">
+                                  <a:latin typeface="Cambria Math" panose="02040503050406030204" pitchFamily="18" charset="0"/>
+                                </a:rPr>
+                                <m:t>1</m:t>
+                              </m:r>
+                            </m:e>
+                            <m:e>
+                              <m:r>
+                                <m:rPr>
+                                  <m:nor/>
+                                </m:rPr>
+                                <a:rPr lang="en-US" b="0" i="0" smtClean="0">
+                                  <a:latin typeface="Cambria Math" panose="02040503050406030204" pitchFamily="18" charset="0"/>
+                                </a:rPr>
+                                <m:t>malignant</m:t>
+                              </m:r>
+                              <m:r>
+                                <m:rPr>
+                                  <m:nor/>
+                                </m:rPr>
+                                <a:rPr lang="en-US" b="0" i="0" smtClean="0">
+                                  <a:latin typeface="Cambria Math" panose="02040503050406030204" pitchFamily="18" charset="0"/>
+                                </a:rPr>
+                                <m:t> (</m:t>
+                              </m:r>
+                              <m:r>
+                                <m:rPr>
+                                  <m:nor/>
+                                </m:rPr>
+                                <a:rPr lang="en-US" b="0" i="0" smtClean="0">
+                                  <a:latin typeface="Cambria Math" panose="02040503050406030204" pitchFamily="18" charset="0"/>
+                                </a:rPr>
+                                <m:t>cancer</m:t>
+                              </m:r>
+                              <m:r>
+                                <m:rPr>
+                                  <m:nor/>
+                                </m:rPr>
+                                <a:rPr lang="en-US" b="0" i="0" smtClean="0">
+                                  <a:latin typeface="Cambria Math" panose="02040503050406030204" pitchFamily="18" charset="0"/>
+                                </a:rPr>
+                                <m:t>)</m:t>
+                              </m:r>
+                            </m:e>
+                          </m:mr>
+                          <m:mr>
+                            <m:e>
+                              <m:r>
+                                <a:rPr lang="en-US" b="0" i="1" smtClean="0">
+                                  <a:latin typeface="Cambria Math" panose="02040503050406030204" pitchFamily="18" charset="0"/>
+                                </a:rPr>
+                                <m:t>0</m:t>
+                              </m:r>
+                            </m:e>
+                            <m:e>
+                              <m:r>
+                                <m:rPr>
+                                  <m:nor/>
+                                </m:rPr>
+                                <a:rPr lang="en-US" b="0" i="0" smtClean="0">
+                                  <a:latin typeface="Cambria Math" panose="02040503050406030204" pitchFamily="18" charset="0"/>
+                                </a:rPr>
+                                <m:t>benign</m:t>
+                              </m:r>
+                              <m:r>
+                                <m:rPr>
+                                  <m:nor/>
+                                </m:rPr>
+                                <a:rPr lang="en-US" b="0" i="0" smtClean="0">
+                                  <a:latin typeface="Cambria Math" panose="02040503050406030204" pitchFamily="18" charset="0"/>
+                                </a:rPr>
+                                <m:t> (</m:t>
+                              </m:r>
+                              <m:r>
+                                <m:rPr>
+                                  <m:nor/>
+                                </m:rPr>
+                                <a:rPr lang="en-US" b="0" i="0" smtClean="0">
+                                  <a:latin typeface="Cambria Math" panose="02040503050406030204" pitchFamily="18" charset="0"/>
+                                </a:rPr>
+                                <m:t>no</m:t>
+                              </m:r>
+                              <m:r>
+                                <m:rPr>
+                                  <m:nor/>
+                                </m:rPr>
+                                <a:rPr lang="en-US" b="0" i="0" smtClean="0">
+                                  <a:latin typeface="Cambria Math" panose="02040503050406030204" pitchFamily="18" charset="0"/>
+                                </a:rPr>
+                                <m:t> </m:t>
+                              </m:r>
+                              <m:r>
+                                <m:rPr>
+                                  <m:nor/>
+                                </m:rPr>
+                                <a:rPr lang="en-US" b="0" i="0" smtClean="0">
+                                  <a:latin typeface="Cambria Math" panose="02040503050406030204" pitchFamily="18" charset="0"/>
+                                </a:rPr>
+                                <m:t>cancer</m:t>
+                              </m:r>
+                              <m:r>
+                                <m:rPr>
+                                  <m:nor/>
+                                </m:rPr>
+                                <a:rPr lang="en-US" b="0" i="0" smtClean="0">
+                                  <a:latin typeface="Cambria Math" panose="02040503050406030204" pitchFamily="18" charset="0"/>
+                                </a:rPr>
+                                <m:t>)</m:t>
+                              </m:r>
+                            </m:e>
+                          </m:mr>
+                        </m:m>
+                      </m:e>
+                    </m:d>
+                  </m:oMath>
+                </a14:m>
+                <a:endParaRPr lang="en-US" dirty="0"/>
+              </a:p>
+              <a:p>
+                <a:endParaRPr lang="en-US" dirty="0"/>
+              </a:p>
+              <a:p>
+                <a:r>
+                  <a:rPr lang="en-US" dirty="0"/>
+                  <a:t>Training data </a:t>
+                </a:r>
+                <a14:m>
+                  <m:oMath xmlns:m="http://schemas.openxmlformats.org/officeDocument/2006/math">
+                    <m:d>
+                      <m:dPr>
+                        <m:ctrlPr>
+                          <a:rPr lang="en-US" b="0" i="1" smtClean="0">
+                            <a:latin typeface="Cambria Math" panose="02040503050406030204" pitchFamily="18" charset="0"/>
+                          </a:rPr>
+                        </m:ctrlPr>
+                      </m:dPr>
+                      <m:e>
+                        <m:sSub>
+                          <m:sSubPr>
+                            <m:ctrlPr>
+                              <a:rPr lang="en-US" b="0" i="1" smtClean="0">
+                                <a:latin typeface="Cambria Math" panose="02040503050406030204" pitchFamily="18" charset="0"/>
+                              </a:rPr>
+                            </m:ctrlPr>
+                          </m:sSubPr>
+                          <m:e>
+                            <m:r>
+                              <a:rPr lang="en-US" b="1" i="1" smtClean="0">
+                                <a:latin typeface="Cambria Math" panose="02040503050406030204" pitchFamily="18" charset="0"/>
+                              </a:rPr>
+                              <m:t>𝒙</m:t>
+                            </m:r>
+                          </m:e>
+                          <m:sub>
+                            <m:r>
+                              <a:rPr lang="en-US" b="0" i="1" smtClean="0">
+                                <a:latin typeface="Cambria Math" panose="02040503050406030204" pitchFamily="18" charset="0"/>
+                              </a:rPr>
+                              <m:t>𝑖</m:t>
+                            </m:r>
+                          </m:sub>
+                        </m:sSub>
+                        <m:r>
+                          <a:rPr lang="en-US" b="0" i="1" smtClean="0">
+                            <a:latin typeface="Cambria Math" panose="02040503050406030204" pitchFamily="18" charset="0"/>
+                          </a:rPr>
+                          <m:t>,</m:t>
+                        </m:r>
+                        <m:sSub>
+                          <m:sSubPr>
+                            <m:ctrlPr>
+                              <a:rPr lang="en-US" b="0" i="1" smtClean="0">
+                                <a:latin typeface="Cambria Math" panose="02040503050406030204" pitchFamily="18" charset="0"/>
+                              </a:rPr>
+                            </m:ctrlPr>
+                          </m:sSubPr>
+                          <m:e>
+                            <m:r>
+                              <a:rPr lang="en-US" b="0" i="1" smtClean="0">
+                                <a:latin typeface="Cambria Math" panose="02040503050406030204" pitchFamily="18" charset="0"/>
+                              </a:rPr>
+                              <m:t>𝑦</m:t>
+                            </m:r>
+                          </m:e>
+                          <m:sub>
+                            <m:r>
+                              <a:rPr lang="en-US" b="0" i="1" smtClean="0">
+                                <a:latin typeface="Cambria Math" panose="02040503050406030204" pitchFamily="18" charset="0"/>
+                              </a:rPr>
+                              <m:t>𝑖</m:t>
+                            </m:r>
+                          </m:sub>
+                        </m:sSub>
+                      </m:e>
+                    </m:d>
+                    <m:r>
+                      <a:rPr lang="en-US" b="0" i="1" smtClean="0">
+                        <a:latin typeface="Cambria Math" panose="02040503050406030204" pitchFamily="18" charset="0"/>
+                      </a:rPr>
+                      <m:t>, </m:t>
+                    </m:r>
+                    <m:r>
+                      <a:rPr lang="en-US" b="0" i="1" smtClean="0">
+                        <a:latin typeface="Cambria Math" panose="02040503050406030204" pitchFamily="18" charset="0"/>
+                      </a:rPr>
+                      <m:t>𝑖</m:t>
+                    </m:r>
+                    <m:r>
+                      <a:rPr lang="en-US" b="0" i="1" smtClean="0">
+                        <a:latin typeface="Cambria Math" panose="02040503050406030204" pitchFamily="18" charset="0"/>
+                      </a:rPr>
+                      <m:t>=1,…,</m:t>
+                    </m:r>
+                    <m:r>
+                      <a:rPr lang="en-US" b="0" i="1" smtClean="0">
+                        <a:latin typeface="Cambria Math" panose="02040503050406030204" pitchFamily="18" charset="0"/>
+                      </a:rPr>
+                      <m:t>𝑁</m:t>
+                    </m:r>
+                  </m:oMath>
+                </a14:m>
+                <a:endParaRPr lang="en-US" dirty="0"/>
+              </a:p>
+              <a:p>
+                <a:pPr lvl="1"/>
+                <a:r>
+                  <a:rPr lang="en-US" dirty="0"/>
+                  <a:t>Data from </a:t>
+                </a:r>
+                <a14:m>
+                  <m:oMath xmlns:m="http://schemas.openxmlformats.org/officeDocument/2006/math">
+                    <m:r>
+                      <a:rPr lang="en-US" i="1" dirty="0" smtClean="0">
+                        <a:latin typeface="Cambria Math" panose="02040503050406030204" pitchFamily="18" charset="0"/>
+                      </a:rPr>
+                      <m:t>𝑁</m:t>
+                    </m:r>
+                    <m:r>
+                      <a:rPr lang="en-US" i="1" dirty="0" smtClean="0">
+                        <a:latin typeface="Cambria Math" panose="02040503050406030204" pitchFamily="18" charset="0"/>
+                      </a:rPr>
+                      <m:t>=</m:t>
+                    </m:r>
+                  </m:oMath>
+                </a14:m>
+                <a:r>
+                  <a:rPr lang="en-US" dirty="0"/>
+                  <a:t>569 patients</a:t>
+                </a:r>
+              </a:p>
+              <a:p>
+                <a:r>
+                  <a:rPr lang="en-US" dirty="0"/>
+                  <a:t>Learn a classification rule from </a:t>
+                </a:r>
+                <a14:m>
+                  <m:oMath xmlns:m="http://schemas.openxmlformats.org/officeDocument/2006/math">
+                    <m:r>
+                      <a:rPr lang="es-ES" b="1" i="1" smtClean="0">
+                        <a:latin typeface="Cambria Math" panose="02040503050406030204" pitchFamily="18" charset="0"/>
+                      </a:rPr>
+                      <m:t>𝒙</m:t>
+                    </m:r>
+                  </m:oMath>
+                </a14:m>
+                <a:r>
+                  <a:rPr lang="en-US" dirty="0"/>
+                  <a:t> to </a:t>
+                </a:r>
+                <a14:m>
+                  <m:oMath xmlns:m="http://schemas.openxmlformats.org/officeDocument/2006/math">
+                    <m:r>
+                      <a:rPr lang="es-ES" b="0" i="1" smtClean="0">
+                        <a:latin typeface="Cambria Math" panose="02040503050406030204" pitchFamily="18" charset="0"/>
+                      </a:rPr>
+                      <m:t>𝑦</m:t>
+                    </m:r>
+                  </m:oMath>
+                </a14:m>
+                <a:endParaRPr lang="en-US" dirty="0"/>
+              </a:p>
+              <a:p>
+                <a:pPr lvl="1"/>
+                <a:endParaRPr lang="en-US" dirty="0"/>
+              </a:p>
+              <a:p>
+                <a:pPr lvl="1"/>
+                <a:endParaRPr lang="en-US" dirty="0"/>
+              </a:p>
+            </p:txBody>
+          </p:sp>
+        </mc:Choice>
+        <mc:Fallback>
+          <p:sp>
+            <p:nvSpPr>
+              <p:cNvPr id="3" name="Content Placeholder 2"/>
+              <p:cNvSpPr>
+                <a:spLocks noGrp="1" noRot="1" noChangeAspect="1" noMove="1" noResize="1" noEditPoints="1" noAdjustHandles="1" noChangeArrowheads="1" noChangeShapeType="1" noTextEdit="1"/>
+              </p:cNvSpPr>
+              <p:nvPr>
+                <p:ph idx="1"/>
+              </p:nvPr>
+            </p:nvSpPr>
+            <p:spPr>
+              <a:xfrm>
+                <a:off x="1097280" y="1539277"/>
+                <a:ext cx="5798470" cy="4329817"/>
+              </a:xfrm>
+              <a:blipFill>
+                <a:blip r:embed="rId2"/>
+                <a:stretch>
+                  <a:fillRect l="-2524" t="-1549"/>
+                </a:stretch>
+              </a:blipFill>
+            </p:spPr>
+            <p:txBody>
+              <a:bodyPr/>
+              <a:lstStyle/>
+              <a:p>
+                <a:r>
+                  <a:rPr lang="en-US">
+                    <a:noFill/>
+                  </a:rPr>
+                  <a:t> </a:t>
+                </a:r>
+              </a:p>
+            </p:txBody>
+          </p:sp>
+        </mc:Fallback>
+      </mc:AlternateContent>
+      <p:sp>
+        <p:nvSpPr>
+          <p:cNvPr id="4" name="Slide Number Placeholder 3"/>
+          <p:cNvSpPr>
+            <a:spLocks noGrp="1"/>
+          </p:cNvSpPr>
+          <p:nvPr>
+            <p:ph type="sldNum" sz="quarter" idx="12"/>
+          </p:nvPr>
+        </p:nvSpPr>
+        <p:spPr/>
+        <p:txBody>
+          <a:bodyPr/>
+          <a:lstStyle/>
+          <a:p>
+            <a:fld id="{629637A9-119A-49DA-BD12-AAC58B377D80}" type="slidenum">
+              <a:rPr lang="en-US" smtClean="0"/>
+              <a:t>5</a:t>
+            </a:fld>
+            <a:endParaRPr lang="en-US" dirty="0"/>
+          </a:p>
+        </p:txBody>
+      </p:sp>
+      <p:pic>
+        <p:nvPicPr>
+          <p:cNvPr id="1026" name="Picture 2" descr="Fig 5-7 FNA cytology. Grade 1, 2, 3"/>
+          <p:cNvPicPr>
+            <a:picLocks noChangeAspect="1" noChangeArrowheads="1"/>
+          </p:cNvPicPr>
+          <p:nvPr/>
+        </p:nvPicPr>
+        <p:blipFill>
+          <a:blip r:embed="rId3">
+            <a:extLst>
+              <a:ext uri="{28A0092B-C50C-407E-A947-70E740481C1C}">
+                <a14:useLocalDpi xmlns:a14="http://schemas.microsoft.com/office/drawing/2010/main" val="0"/>
+              </a:ext>
+            </a:extLst>
+          </a:blip>
+          <a:srcRect/>
+          <a:stretch>
+            <a:fillRect/>
+          </a:stretch>
+        </p:blipFill>
+        <p:spPr bwMode="auto">
+          <a:xfrm>
+            <a:off x="8053518" y="3600529"/>
+            <a:ext cx="2969615" cy="1329256"/>
+          </a:xfrm>
+          <a:prstGeom prst="rect">
+            <a:avLst/>
+          </a:prstGeom>
+          <a:noFill/>
+          <a:extLst>
+            <a:ext uri="{909E8E84-426E-40DD-AFC4-6F175D3DCCD1}">
+              <a14:hiddenFill xmlns:a14="http://schemas.microsoft.com/office/drawing/2010/main">
+                <a:solidFill>
+                  <a:srgbClr val="FFFFFF"/>
+                </a:solidFill>
+              </a14:hiddenFill>
+            </a:ext>
+          </a:extLst>
+        </p:spPr>
+      </p:pic>
+      <p:sp>
+        <p:nvSpPr>
+          <p:cNvPr id="5" name="TextBox 4"/>
+          <p:cNvSpPr txBox="1"/>
+          <p:nvPr/>
+        </p:nvSpPr>
+        <p:spPr>
+          <a:xfrm flipH="1">
+            <a:off x="8053518" y="4999839"/>
+            <a:ext cx="3444101" cy="523220"/>
+          </a:xfrm>
+          <a:prstGeom prst="rect">
+            <a:avLst/>
+          </a:prstGeom>
+          <a:noFill/>
+        </p:spPr>
+        <p:txBody>
+          <a:bodyPr wrap="square" rtlCol="0">
+            <a:spAutoFit/>
+          </a:bodyPr>
+          <a:lstStyle/>
+          <a:p>
+            <a:r>
+              <a:rPr lang="en-US" sz="1400" dirty="0"/>
+              <a:t>Grades of carcinoma cells</a:t>
+            </a:r>
+          </a:p>
+          <a:p>
+            <a:r>
+              <a:rPr lang="en-US" sz="1400" dirty="0"/>
+              <a:t>http://breast-cancer.ca/5a-types/</a:t>
+            </a:r>
+          </a:p>
+        </p:txBody>
+      </p:sp>
+      <p:pic>
+        <p:nvPicPr>
+          <p:cNvPr id="7" name="Picture 6"/>
+          <p:cNvPicPr>
+            <a:picLocks noChangeAspect="1"/>
+          </p:cNvPicPr>
+          <p:nvPr/>
+        </p:nvPicPr>
+        <p:blipFill>
+          <a:blip r:embed="rId4"/>
+          <a:stretch>
+            <a:fillRect/>
+          </a:stretch>
+        </p:blipFill>
+        <p:spPr>
+          <a:xfrm>
+            <a:off x="8053518" y="1636267"/>
+            <a:ext cx="3028950" cy="1514475"/>
+          </a:xfrm>
+          <a:prstGeom prst="rect">
+            <a:avLst/>
+          </a:prstGeom>
+        </p:spPr>
+      </p:pic>
+    </p:spTree>
+    <p:extLst>
+      <p:ext uri="{BB962C8B-B14F-4D97-AF65-F5344CB8AC3E}">
+        <p14:creationId xmlns:p14="http://schemas.microsoft.com/office/powerpoint/2010/main" val="2587325733"/>
+      </p:ext>
+    </p:extLst>
+  </p:cSld>
+  <p:clrMapOvr>
+    <a:masterClrMapping/>
+  </p:clrMapOvr>
+  <p:timing>
+    <p:tnLst>
+      <p:par>
+        <p:cTn id="1" dur="indefinite" restart="never" nodeType="tmRoot">
+          <p:childTnLst>
+            <p:seq concurrent="1" nextAc="seek">
+              <p:cTn id="2" dur="indefinite" nodeType="mainSeq">
+                <p:childTnLst>
+                  <p:par>
+                    <p:cTn id="3" fill="hold">
+                      <p:stCondLst>
+                        <p:cond delay="indefinite"/>
+                      </p:stCondLst>
+                      <p:childTnLst>
+                        <p:par>
+                          <p:cTn id="4" fill="hold">
+                            <p:stCondLst>
+                              <p:cond delay="0"/>
+                            </p:stCondLst>
+                            <p:childTnLst>
+                              <p:par>
+                                <p:cTn id="5" presetID="1" presetClass="entr" presetSubtype="0" fill="hold" nodeType="clickEffect">
+                                  <p:stCondLst>
+                                    <p:cond delay="0"/>
+                                  </p:stCondLst>
+                                  <p:childTnLst>
+                                    <p:set>
+                                      <p:cBhvr>
+                                        <p:cTn id="6" dur="1" fill="hold">
+                                          <p:stCondLst>
+                                            <p:cond delay="0"/>
+                                          </p:stCondLst>
+                                        </p:cTn>
+                                        <p:tgtEl>
+                                          <p:spTgt spid="3">
+                                            <p:txEl>
+                                              <p:pRg st="1" end="1"/>
+                                            </p:txEl>
+                                          </p:spTgt>
+                                        </p:tgtEl>
+                                        <p:attrNameLst>
+                                          <p:attrName>style.visibility</p:attrName>
+                                        </p:attrNameLst>
+                                      </p:cBhvr>
+                                      <p:to>
+                                        <p:strVal val="visible"/>
+                                      </p:to>
+                                    </p:set>
+                                  </p:childTnLst>
+                                </p:cTn>
+                              </p:par>
+                              <p:par>
+                                <p:cTn id="7" presetID="1" presetClass="entr" presetSubtype="0" fill="hold" nodeType="withEffect">
+                                  <p:stCondLst>
+                                    <p:cond delay="0"/>
+                                  </p:stCondLst>
+                                  <p:childTnLst>
+                                    <p:set>
+                                      <p:cBhvr>
+                                        <p:cTn id="8" dur="1" fill="hold">
+                                          <p:stCondLst>
+                                            <p:cond delay="0"/>
+                                          </p:stCondLst>
+                                        </p:cTn>
+                                        <p:tgtEl>
+                                          <p:spTgt spid="3">
+                                            <p:txEl>
+                                              <p:pRg st="2" end="2"/>
+                                            </p:txEl>
+                                          </p:spTgt>
+                                        </p:tgtEl>
+                                        <p:attrNameLst>
+                                          <p:attrName>style.visibility</p:attrName>
+                                        </p:attrNameLst>
+                                      </p:cBhvr>
+                                      <p:to>
+                                        <p:strVal val="visible"/>
+                                      </p:to>
+                                    </p:set>
+                                  </p:childTnLst>
+                                </p:cTn>
+                              </p:par>
+                              <p:par>
+                                <p:cTn id="9" presetID="1" presetClass="entr" presetSubtype="0" fill="hold" nodeType="withEffect">
+                                  <p:stCondLst>
+                                    <p:cond delay="0"/>
+                                  </p:stCondLst>
+                                  <p:childTnLst>
+                                    <p:set>
+                                      <p:cBhvr>
+                                        <p:cTn id="10" dur="1" fill="hold">
+                                          <p:stCondLst>
+                                            <p:cond delay="0"/>
+                                          </p:stCondLst>
+                                        </p:cTn>
+                                        <p:tgtEl>
+                                          <p:spTgt spid="3">
+                                            <p:txEl>
+                                              <p:pRg st="3" end="3"/>
+                                            </p:txEl>
+                                          </p:spTgt>
+                                        </p:tgtEl>
+                                        <p:attrNameLst>
+                                          <p:attrName>style.visibility</p:attrName>
+                                        </p:attrNameLst>
+                                      </p:cBhvr>
+                                      <p:to>
+                                        <p:strVal val="visible"/>
+                                      </p:to>
+                                    </p:set>
+                                  </p:childTnLst>
+                                </p:cTn>
+                              </p:par>
+                            </p:childTnLst>
+                          </p:cTn>
+                        </p:par>
+                      </p:childTnLst>
+                    </p:cTn>
+                  </p:par>
+                  <p:par>
+                    <p:cTn id="11" fill="hold">
+                      <p:stCondLst>
+                        <p:cond delay="indefinite"/>
+                      </p:stCondLst>
+                      <p:childTnLst>
+                        <p:par>
+                          <p:cTn id="12" fill="hold">
+                            <p:stCondLst>
+                              <p:cond delay="0"/>
+                            </p:stCondLst>
+                            <p:childTnLst>
+                              <p:par>
+                                <p:cTn id="13" presetID="1" presetClass="entr" presetSubtype="0" fill="hold" nodeType="clickEffect">
+                                  <p:stCondLst>
+                                    <p:cond delay="0"/>
+                                  </p:stCondLst>
+                                  <p:childTnLst>
+                                    <p:set>
+                                      <p:cBhvr>
+                                        <p:cTn id="14" dur="1" fill="hold">
+                                          <p:stCondLst>
+                                            <p:cond delay="0"/>
+                                          </p:stCondLst>
+                                        </p:cTn>
+                                        <p:tgtEl>
+                                          <p:spTgt spid="3">
+                                            <p:txEl>
+                                              <p:pRg st="5" end="5"/>
+                                            </p:txEl>
+                                          </p:spTgt>
+                                        </p:tgtEl>
+                                        <p:attrNameLst>
+                                          <p:attrName>style.visibility</p:attrName>
+                                        </p:attrNameLst>
+                                      </p:cBhvr>
+                                      <p:to>
+                                        <p:strVal val="visible"/>
+                                      </p:to>
+                                    </p:set>
+                                  </p:childTnLst>
+                                </p:cTn>
+                              </p:par>
+                            </p:childTnLst>
+                          </p:cTn>
+                        </p:par>
+                      </p:childTnLst>
+                    </p:cTn>
+                  </p:par>
+                  <p:par>
+                    <p:cTn id="15" fill="hold">
+                      <p:stCondLst>
+                        <p:cond delay="indefinite"/>
+                      </p:stCondLst>
+                      <p:childTnLst>
+                        <p:par>
+                          <p:cTn id="16" fill="hold">
+                            <p:stCondLst>
+                              <p:cond delay="0"/>
+                            </p:stCondLst>
+                            <p:childTnLst>
+                              <p:par>
+                                <p:cTn id="17" presetID="1" presetClass="entr" presetSubtype="0" fill="hold" nodeType="clickEffect">
+                                  <p:stCondLst>
+                                    <p:cond delay="0"/>
+                                  </p:stCondLst>
+                                  <p:childTnLst>
+                                    <p:set>
+                                      <p:cBhvr>
+                                        <p:cTn id="18" dur="1" fill="hold">
+                                          <p:stCondLst>
+                                            <p:cond delay="0"/>
+                                          </p:stCondLst>
+                                        </p:cTn>
+                                        <p:tgtEl>
+                                          <p:spTgt spid="3">
+                                            <p:txEl>
+                                              <p:pRg st="6" end="6"/>
+                                            </p:txEl>
+                                          </p:spTgt>
+                                        </p:tgtEl>
+                                        <p:attrNameLst>
+                                          <p:attrName>style.visibility</p:attrName>
+                                        </p:attrNameLst>
+                                      </p:cBhvr>
+                                      <p:to>
+                                        <p:strVal val="visible"/>
+                                      </p:to>
+                                    </p:set>
+                                  </p:childTnLst>
+                                </p:cTn>
+                              </p:par>
+                            </p:childTnLst>
+                          </p:cTn>
+                        </p:par>
+                      </p:childTnLst>
+                    </p:cTn>
+                  </p:par>
+                  <p:par>
+                    <p:cTn id="19" fill="hold">
+                      <p:stCondLst>
+                        <p:cond delay="indefinite"/>
+                      </p:stCondLst>
+                      <p:childTnLst>
+                        <p:par>
+                          <p:cTn id="20" fill="hold">
+                            <p:stCondLst>
+                              <p:cond delay="0"/>
+                            </p:stCondLst>
+                            <p:childTnLst>
+                              <p:par>
+                                <p:cTn id="21" presetID="1" presetClass="entr" presetSubtype="0" fill="hold" nodeType="clickEffect">
+                                  <p:stCondLst>
+                                    <p:cond delay="0"/>
+                                  </p:stCondLst>
+                                  <p:childTnLst>
+                                    <p:set>
+                                      <p:cBhvr>
+                                        <p:cTn id="22" dur="1" fill="hold">
+                                          <p:stCondLst>
+                                            <p:cond delay="0"/>
+                                          </p:stCondLst>
+                                        </p:cTn>
+                                        <p:tgtEl>
+                                          <p:spTgt spid="3">
+                                            <p:txEl>
+                                              <p:pRg st="7" end="7"/>
+                                            </p:txEl>
+                                          </p:spTgt>
+                                        </p:tgtEl>
+                                        <p:attrNameLst>
+                                          <p:attrName>style.visibility</p:attrName>
+                                        </p:attrNameLst>
+                                      </p:cBhvr>
+                                      <p:to>
+                                        <p:strVal val="visible"/>
+                                      </p:to>
+                                    </p:set>
+                                  </p:childTnLst>
+                                </p:cTn>
+                              </p:par>
+                            </p:childTnLst>
+                          </p:cTn>
+                        </p:par>
+                      </p:childTnLst>
+                    </p:cTn>
+                  </p:par>
+                </p:childTnLst>
+              </p:cTn>
+              <p:prevCondLst>
+                <p:cond evt="onPrev" delay="0">
+                  <p:tgtEl>
+                    <p:sldTgt/>
+                  </p:tgtEl>
+                </p:cond>
+              </p:prevCondLst>
+              <p:nextCondLst>
+                <p:cond evt="onNext" delay="0">
+                  <p:tgtEl>
+                    <p:sldTgt/>
+                  </p:tgtEl>
+                </p:cond>
+              </p:nextCondLst>
+            </p:seq>
+          </p:childTnLst>
+        </p:cTn>
+      </p:par>
+    </p:tnLst>
+  </p:timing>
+</p:sld>
+</file>
+
+<file path=ppt/slides/slide50.xml><?xml version="1.0" encoding="utf-8"?>
 <p:sld xmlns:a="http://schemas.openxmlformats.org/drawingml/2006/main" xmlns:r="http://schemas.openxmlformats.org/officeDocument/2006/relationships" xmlns:p="http://schemas.openxmlformats.org/presentationml/2006/main">
   <p:cSld>
     <p:spTree>
@@ -38508,7 +40808,7 @@
             <a:fld id="{529F9F8D-2534-4D48-85E3-73908409BCC5}" type="slidenum">
               <a:rPr lang="en-US" smtClean="0"/>
               <a:pPr/>
-              <a:t>48</a:t>
+              <a:t>50</a:t>
             </a:fld>
             <a:endParaRPr lang="en-US"/>
           </a:p>
@@ -39371,7 +41671,7 @@
 </p:sld>
 </file>
 
-<file path=ppt/slides/slide49.xml><?xml version="1.0" encoding="utf-8"?>
+<file path=ppt/slides/slide51.xml><?xml version="1.0" encoding="utf-8"?>
 <p:sld xmlns:a="http://schemas.openxmlformats.org/drawingml/2006/main" xmlns:r="http://schemas.openxmlformats.org/officeDocument/2006/relationships" xmlns:p="http://schemas.openxmlformats.org/presentationml/2006/main">
   <p:cSld>
     <p:spTree>
@@ -39472,7 +41772,7 @@
           <a:p>
             <a:fld id="{629637A9-119A-49DA-BD12-AAC58B377D80}" type="slidenum">
               <a:rPr lang="en-US" smtClean="0"/>
-              <a:t>49</a:t>
+              <a:t>51</a:t>
             </a:fld>
             <a:endParaRPr lang="en-US" dirty="0"/>
           </a:p>
@@ -39654,675 +41954,7 @@
 </p:sld>
 </file>
 
-<file path=ppt/slides/slide5.xml><?xml version="1.0" encoding="utf-8"?>
-<p:sld xmlns:a="http://schemas.openxmlformats.org/drawingml/2006/main" xmlns:r="http://schemas.openxmlformats.org/officeDocument/2006/relationships" xmlns:p="http://schemas.openxmlformats.org/presentationml/2006/main">
-  <p:cSld>
-    <p:spTree>
-      <p:nvGrpSpPr>
-        <p:cNvPr id="1" name=""/>
-        <p:cNvGrpSpPr/>
-        <p:nvPr/>
-      </p:nvGrpSpPr>
-      <p:grpSpPr>
-        <a:xfrm>
-          <a:off x="0" y="0"/>
-          <a:ext cx="0" cy="0"/>
-          <a:chOff x="0" y="0"/>
-          <a:chExt cx="0" cy="0"/>
-        </a:xfrm>
-      </p:grpSpPr>
-      <p:sp>
-        <p:nvSpPr>
-          <p:cNvPr id="2" name="Title 1"/>
-          <p:cNvSpPr>
-            <a:spLocks noGrp="1"/>
-          </p:cNvSpPr>
-          <p:nvPr>
-            <p:ph type="title"/>
-          </p:nvPr>
-        </p:nvSpPr>
-        <p:spPr/>
-        <p:txBody>
-          <a:bodyPr/>
-          <a:lstStyle/>
-          <a:p>
-            <a:r>
-              <a:rPr lang="en-US" dirty="0"/>
-              <a:t>Recap: Breast Cancer Example</a:t>
-            </a:r>
-          </a:p>
-        </p:txBody>
-      </p:sp>
-      <mc:AlternateContent xmlns:mc="http://schemas.openxmlformats.org/markup-compatibility/2006" xmlns:a14="http://schemas.microsoft.com/office/drawing/2010/main">
-        <mc:Choice Requires="a14">
-          <p:sp>
-            <p:nvSpPr>
-              <p:cNvPr id="3" name="Content Placeholder 2"/>
-              <p:cNvSpPr>
-                <a:spLocks noGrp="1"/>
-              </p:cNvSpPr>
-              <p:nvPr>
-                <p:ph idx="1"/>
-              </p:nvPr>
-            </p:nvSpPr>
-            <p:spPr>
-              <a:xfrm>
-                <a:off x="1097280" y="1539277"/>
-                <a:ext cx="5798470" cy="4329817"/>
-              </a:xfrm>
-            </p:spPr>
-            <p:txBody>
-              <a:bodyPr>
-                <a:normAutofit/>
-              </a:bodyPr>
-              <a:lstStyle/>
-              <a:p>
-                <a:r>
-                  <a:rPr lang="en-US" dirty="0">
-                    <a:solidFill>
-                      <a:schemeClr val="tx1"/>
-                    </a:solidFill>
-                  </a:rPr>
-                  <a:t>Problem from Lecture 6:  </a:t>
-                </a:r>
-                <a:br>
-                  <a:rPr lang="en-US" dirty="0">
-                    <a:solidFill>
-                      <a:schemeClr val="tx1"/>
-                    </a:solidFill>
-                  </a:rPr>
-                </a:br>
-                <a:r>
-                  <a:rPr lang="en-US" dirty="0">
-                    <a:solidFill>
-                      <a:schemeClr val="tx1"/>
-                    </a:solidFill>
-                  </a:rPr>
-                  <a:t>  Determine if sample indicates cancer</a:t>
-                </a:r>
-              </a:p>
-              <a:p>
-                <a:r>
-                  <a:rPr lang="en-US" dirty="0">
-                    <a:solidFill>
-                      <a:schemeClr val="tx1"/>
-                    </a:solidFill>
-                  </a:rPr>
-                  <a:t>Classification problem:</a:t>
-                </a:r>
-              </a:p>
-              <a:p>
-                <a:pPr lvl="1"/>
-                <a:r>
-                  <a:rPr lang="en-US" dirty="0">
-                    <a:solidFill>
-                      <a:schemeClr val="tx2">
-                        <a:lumMod val="60000"/>
-                        <a:lumOff val="40000"/>
-                      </a:schemeClr>
-                    </a:solidFill>
-                  </a:rPr>
-                  <a:t>Input</a:t>
-                </a:r>
-                <a:r>
-                  <a:rPr lang="en-US" b="1" dirty="0"/>
-                  <a:t> </a:t>
-                </a:r>
-                <a14:m>
-                  <m:oMath xmlns:m="http://schemas.openxmlformats.org/officeDocument/2006/math">
-                    <m:r>
-                      <a:rPr lang="en-US" b="1" i="1" smtClean="0">
-                        <a:latin typeface="Cambria Math" panose="02040503050406030204" pitchFamily="18" charset="0"/>
-                      </a:rPr>
-                      <m:t>𝒙</m:t>
-                    </m:r>
-                    <m:r>
-                      <a:rPr lang="en-US" b="0" i="1" smtClean="0">
-                        <a:latin typeface="Cambria Math" panose="02040503050406030204" pitchFamily="18" charset="0"/>
-                      </a:rPr>
-                      <m:t>= </m:t>
-                    </m:r>
-                  </m:oMath>
-                </a14:m>
-                <a:r>
-                  <a:rPr lang="en-US" dirty="0"/>
-                  <a:t>10 features of sample (size, cell mitosis, etc..)</a:t>
-                </a:r>
-              </a:p>
-              <a:p>
-                <a:pPr lvl="1"/>
-                <a:r>
-                  <a:rPr lang="en-US" dirty="0">
-                    <a:solidFill>
-                      <a:schemeClr val="tx2">
-                        <a:lumMod val="60000"/>
-                        <a:lumOff val="40000"/>
-                      </a:schemeClr>
-                    </a:solidFill>
-                  </a:rPr>
-                  <a:t>Output</a:t>
-                </a:r>
-                <a:r>
-                  <a:rPr lang="en-US" b="1" dirty="0">
-                    <a:solidFill>
-                      <a:schemeClr val="tx2">
-                        <a:lumMod val="60000"/>
-                        <a:lumOff val="40000"/>
-                      </a:schemeClr>
-                    </a:solidFill>
-                  </a:rPr>
-                  <a:t>:  </a:t>
-                </a:r>
-                <a:r>
-                  <a:rPr lang="en-US" dirty="0">
-                    <a:solidFill>
-                      <a:schemeClr val="tx1"/>
-                    </a:solidFill>
-                  </a:rPr>
-                  <a:t>Is the s</a:t>
-                </a:r>
-                <a:r>
-                  <a:rPr lang="en-US" dirty="0"/>
-                  <a:t>ample benign or malignant?</a:t>
-                </a:r>
-                <a:br>
-                  <a:rPr lang="en-US" dirty="0"/>
-                </a:br>
-                <a14:m>
-                  <m:oMath xmlns:m="http://schemas.openxmlformats.org/officeDocument/2006/math">
-                    <m:acc>
-                      <m:accPr>
-                        <m:chr m:val="̂"/>
-                        <m:ctrlPr>
-                          <a:rPr lang="en-US" i="1" smtClean="0">
-                            <a:latin typeface="Cambria Math" panose="02040503050406030204" pitchFamily="18" charset="0"/>
-                          </a:rPr>
-                        </m:ctrlPr>
-                      </m:accPr>
-                      <m:e>
-                        <m:r>
-                          <a:rPr lang="en-US" b="0" i="1" smtClean="0">
-                            <a:latin typeface="Cambria Math" panose="02040503050406030204" pitchFamily="18" charset="0"/>
-                          </a:rPr>
-                          <m:t>𝑦</m:t>
-                        </m:r>
-                      </m:e>
-                    </m:acc>
-                    <m:r>
-                      <a:rPr lang="en-US" b="0" i="1" smtClean="0">
-                        <a:latin typeface="Cambria Math" panose="02040503050406030204" pitchFamily="18" charset="0"/>
-                      </a:rPr>
-                      <m:t>=</m:t>
-                    </m:r>
-                    <m:d>
-                      <m:dPr>
-                        <m:begChr m:val="{"/>
-                        <m:endChr m:val=""/>
-                        <m:ctrlPr>
-                          <a:rPr lang="en-US" b="0" i="1" smtClean="0">
-                            <a:latin typeface="Cambria Math" panose="02040503050406030204" pitchFamily="18" charset="0"/>
-                          </a:rPr>
-                        </m:ctrlPr>
-                      </m:dPr>
-                      <m:e>
-                        <m:m>
-                          <m:mPr>
-                            <m:mcs>
-                              <m:mc>
-                                <m:mcPr>
-                                  <m:count m:val="2"/>
-                                  <m:mcJc m:val="center"/>
-                                </m:mcPr>
-                              </m:mc>
-                            </m:mcs>
-                            <m:ctrlPr>
-                              <a:rPr lang="en-US" b="0" i="1" smtClean="0">
-                                <a:latin typeface="Cambria Math" panose="02040503050406030204" pitchFamily="18" charset="0"/>
-                              </a:rPr>
-                            </m:ctrlPr>
-                          </m:mPr>
-                          <m:mr>
-                            <m:e>
-                              <m:r>
-                                <m:rPr>
-                                  <m:brk m:alnAt="7"/>
-                                </m:rPr>
-                                <a:rPr lang="en-US" b="0" i="1" smtClean="0">
-                                  <a:latin typeface="Cambria Math" panose="02040503050406030204" pitchFamily="18" charset="0"/>
-                                </a:rPr>
-                                <m:t>1</m:t>
-                              </m:r>
-                            </m:e>
-                            <m:e>
-                              <m:r>
-                                <m:rPr>
-                                  <m:nor/>
-                                </m:rPr>
-                                <a:rPr lang="en-US" b="0" i="0" smtClean="0">
-                                  <a:latin typeface="Cambria Math" panose="02040503050406030204" pitchFamily="18" charset="0"/>
-                                </a:rPr>
-                                <m:t>malignant</m:t>
-                              </m:r>
-                              <m:r>
-                                <m:rPr>
-                                  <m:nor/>
-                                </m:rPr>
-                                <a:rPr lang="en-US" b="0" i="0" smtClean="0">
-                                  <a:latin typeface="Cambria Math" panose="02040503050406030204" pitchFamily="18" charset="0"/>
-                                </a:rPr>
-                                <m:t> (</m:t>
-                              </m:r>
-                              <m:r>
-                                <m:rPr>
-                                  <m:nor/>
-                                </m:rPr>
-                                <a:rPr lang="en-US" b="0" i="0" smtClean="0">
-                                  <a:latin typeface="Cambria Math" panose="02040503050406030204" pitchFamily="18" charset="0"/>
-                                </a:rPr>
-                                <m:t>cancer</m:t>
-                              </m:r>
-                              <m:r>
-                                <m:rPr>
-                                  <m:nor/>
-                                </m:rPr>
-                                <a:rPr lang="en-US" b="0" i="0" smtClean="0">
-                                  <a:latin typeface="Cambria Math" panose="02040503050406030204" pitchFamily="18" charset="0"/>
-                                </a:rPr>
-                                <m:t>)</m:t>
-                              </m:r>
-                            </m:e>
-                          </m:mr>
-                          <m:mr>
-                            <m:e>
-                              <m:r>
-                                <a:rPr lang="en-US" b="0" i="1" smtClean="0">
-                                  <a:latin typeface="Cambria Math" panose="02040503050406030204" pitchFamily="18" charset="0"/>
-                                </a:rPr>
-                                <m:t>0</m:t>
-                              </m:r>
-                            </m:e>
-                            <m:e>
-                              <m:r>
-                                <m:rPr>
-                                  <m:nor/>
-                                </m:rPr>
-                                <a:rPr lang="en-US" b="0" i="0" smtClean="0">
-                                  <a:latin typeface="Cambria Math" panose="02040503050406030204" pitchFamily="18" charset="0"/>
-                                </a:rPr>
-                                <m:t>benign</m:t>
-                              </m:r>
-                              <m:r>
-                                <m:rPr>
-                                  <m:nor/>
-                                </m:rPr>
-                                <a:rPr lang="en-US" b="0" i="0" smtClean="0">
-                                  <a:latin typeface="Cambria Math" panose="02040503050406030204" pitchFamily="18" charset="0"/>
-                                </a:rPr>
-                                <m:t> (</m:t>
-                              </m:r>
-                              <m:r>
-                                <m:rPr>
-                                  <m:nor/>
-                                </m:rPr>
-                                <a:rPr lang="en-US" b="0" i="0" smtClean="0">
-                                  <a:latin typeface="Cambria Math" panose="02040503050406030204" pitchFamily="18" charset="0"/>
-                                </a:rPr>
-                                <m:t>no</m:t>
-                              </m:r>
-                              <m:r>
-                                <m:rPr>
-                                  <m:nor/>
-                                </m:rPr>
-                                <a:rPr lang="en-US" b="0" i="0" smtClean="0">
-                                  <a:latin typeface="Cambria Math" panose="02040503050406030204" pitchFamily="18" charset="0"/>
-                                </a:rPr>
-                                <m:t> </m:t>
-                              </m:r>
-                              <m:r>
-                                <m:rPr>
-                                  <m:nor/>
-                                </m:rPr>
-                                <a:rPr lang="en-US" b="0" i="0" smtClean="0">
-                                  <a:latin typeface="Cambria Math" panose="02040503050406030204" pitchFamily="18" charset="0"/>
-                                </a:rPr>
-                                <m:t>cancer</m:t>
-                              </m:r>
-                              <m:r>
-                                <m:rPr>
-                                  <m:nor/>
-                                </m:rPr>
-                                <a:rPr lang="en-US" b="0" i="0" smtClean="0">
-                                  <a:latin typeface="Cambria Math" panose="02040503050406030204" pitchFamily="18" charset="0"/>
-                                </a:rPr>
-                                <m:t>)</m:t>
-                              </m:r>
-                            </m:e>
-                          </m:mr>
-                        </m:m>
-                      </m:e>
-                    </m:d>
-                  </m:oMath>
-                </a14:m>
-                <a:endParaRPr lang="en-US" dirty="0"/>
-              </a:p>
-              <a:p>
-                <a:endParaRPr lang="en-US" dirty="0"/>
-              </a:p>
-              <a:p>
-                <a:r>
-                  <a:rPr lang="en-US" dirty="0"/>
-                  <a:t>Training data </a:t>
-                </a:r>
-                <a14:m>
-                  <m:oMath xmlns:m="http://schemas.openxmlformats.org/officeDocument/2006/math">
-                    <m:d>
-                      <m:dPr>
-                        <m:ctrlPr>
-                          <a:rPr lang="en-US" b="0" i="1" smtClean="0">
-                            <a:latin typeface="Cambria Math" panose="02040503050406030204" pitchFamily="18" charset="0"/>
-                          </a:rPr>
-                        </m:ctrlPr>
-                      </m:dPr>
-                      <m:e>
-                        <m:sSub>
-                          <m:sSubPr>
-                            <m:ctrlPr>
-                              <a:rPr lang="en-US" b="0" i="1" smtClean="0">
-                                <a:latin typeface="Cambria Math" panose="02040503050406030204" pitchFamily="18" charset="0"/>
-                              </a:rPr>
-                            </m:ctrlPr>
-                          </m:sSubPr>
-                          <m:e>
-                            <m:r>
-                              <a:rPr lang="en-US" b="1" i="1" smtClean="0">
-                                <a:latin typeface="Cambria Math" panose="02040503050406030204" pitchFamily="18" charset="0"/>
-                              </a:rPr>
-                              <m:t>𝒙</m:t>
-                            </m:r>
-                          </m:e>
-                          <m:sub>
-                            <m:r>
-                              <a:rPr lang="en-US" b="0" i="1" smtClean="0">
-                                <a:latin typeface="Cambria Math" panose="02040503050406030204" pitchFamily="18" charset="0"/>
-                              </a:rPr>
-                              <m:t>𝑖</m:t>
-                            </m:r>
-                          </m:sub>
-                        </m:sSub>
-                        <m:r>
-                          <a:rPr lang="en-US" b="0" i="1" smtClean="0">
-                            <a:latin typeface="Cambria Math" panose="02040503050406030204" pitchFamily="18" charset="0"/>
-                          </a:rPr>
-                          <m:t>,</m:t>
-                        </m:r>
-                        <m:sSub>
-                          <m:sSubPr>
-                            <m:ctrlPr>
-                              <a:rPr lang="en-US" b="0" i="1" smtClean="0">
-                                <a:latin typeface="Cambria Math" panose="02040503050406030204" pitchFamily="18" charset="0"/>
-                              </a:rPr>
-                            </m:ctrlPr>
-                          </m:sSubPr>
-                          <m:e>
-                            <m:r>
-                              <a:rPr lang="en-US" b="0" i="1" smtClean="0">
-                                <a:latin typeface="Cambria Math" panose="02040503050406030204" pitchFamily="18" charset="0"/>
-                              </a:rPr>
-                              <m:t>𝑦</m:t>
-                            </m:r>
-                          </m:e>
-                          <m:sub>
-                            <m:r>
-                              <a:rPr lang="en-US" b="0" i="1" smtClean="0">
-                                <a:latin typeface="Cambria Math" panose="02040503050406030204" pitchFamily="18" charset="0"/>
-                              </a:rPr>
-                              <m:t>𝑖</m:t>
-                            </m:r>
-                          </m:sub>
-                        </m:sSub>
-                      </m:e>
-                    </m:d>
-                    <m:r>
-                      <a:rPr lang="en-US" b="0" i="1" smtClean="0">
-                        <a:latin typeface="Cambria Math" panose="02040503050406030204" pitchFamily="18" charset="0"/>
-                      </a:rPr>
-                      <m:t>, </m:t>
-                    </m:r>
-                    <m:r>
-                      <a:rPr lang="en-US" b="0" i="1" smtClean="0">
-                        <a:latin typeface="Cambria Math" panose="02040503050406030204" pitchFamily="18" charset="0"/>
-                      </a:rPr>
-                      <m:t>𝑖</m:t>
-                    </m:r>
-                    <m:r>
-                      <a:rPr lang="en-US" b="0" i="1" smtClean="0">
-                        <a:latin typeface="Cambria Math" panose="02040503050406030204" pitchFamily="18" charset="0"/>
-                      </a:rPr>
-                      <m:t>=1,…,</m:t>
-                    </m:r>
-                    <m:r>
-                      <a:rPr lang="en-US" b="0" i="1" smtClean="0">
-                        <a:latin typeface="Cambria Math" panose="02040503050406030204" pitchFamily="18" charset="0"/>
-                      </a:rPr>
-                      <m:t>𝑁</m:t>
-                    </m:r>
-                  </m:oMath>
-                </a14:m>
-                <a:endParaRPr lang="en-US" dirty="0"/>
-              </a:p>
-              <a:p>
-                <a:pPr lvl="1"/>
-                <a:r>
-                  <a:rPr lang="en-US" dirty="0"/>
-                  <a:t>Data from </a:t>
-                </a:r>
-                <a14:m>
-                  <m:oMath xmlns:m="http://schemas.openxmlformats.org/officeDocument/2006/math">
-                    <m:r>
-                      <a:rPr lang="en-US" i="1" dirty="0" smtClean="0">
-                        <a:latin typeface="Cambria Math" panose="02040503050406030204" pitchFamily="18" charset="0"/>
-                      </a:rPr>
-                      <m:t>𝑁</m:t>
-                    </m:r>
-                    <m:r>
-                      <a:rPr lang="en-US" i="1" dirty="0" smtClean="0">
-                        <a:latin typeface="Cambria Math" panose="02040503050406030204" pitchFamily="18" charset="0"/>
-                      </a:rPr>
-                      <m:t>=</m:t>
-                    </m:r>
-                  </m:oMath>
-                </a14:m>
-                <a:r>
-                  <a:rPr lang="en-US" dirty="0"/>
-                  <a:t>569 patients</a:t>
-                </a:r>
-              </a:p>
-              <a:p>
-                <a:pPr lvl="1"/>
-                <a:endParaRPr lang="en-US" dirty="0"/>
-              </a:p>
-              <a:p>
-                <a:pPr lvl="1"/>
-                <a:endParaRPr lang="en-US" dirty="0"/>
-              </a:p>
-            </p:txBody>
-          </p:sp>
-        </mc:Choice>
-        <mc:Fallback xmlns="">
-          <p:sp>
-            <p:nvSpPr>
-              <p:cNvPr id="3" name="Content Placeholder 2"/>
-              <p:cNvSpPr>
-                <a:spLocks noGrp="1" noRot="1" noChangeAspect="1" noMove="1" noResize="1" noEditPoints="1" noAdjustHandles="1" noChangeArrowheads="1" noChangeShapeType="1" noTextEdit="1"/>
-              </p:cNvSpPr>
-              <p:nvPr>
-                <p:ph idx="1"/>
-              </p:nvPr>
-            </p:nvSpPr>
-            <p:spPr>
-              <a:xfrm>
-                <a:off x="1097280" y="1539277"/>
-                <a:ext cx="5798470" cy="4329817"/>
-              </a:xfrm>
-              <a:blipFill rotWithShape="0">
-                <a:blip r:embed="rId2"/>
-                <a:stretch>
-                  <a:fillRect l="-2524" t="-1549"/>
-                </a:stretch>
-              </a:blipFill>
-            </p:spPr>
-            <p:txBody>
-              <a:bodyPr/>
-              <a:lstStyle/>
-              <a:p>
-                <a:r>
-                  <a:rPr lang="en-US">
-                    <a:noFill/>
-                  </a:rPr>
-                  <a:t> </a:t>
-                </a:r>
-              </a:p>
-            </p:txBody>
-          </p:sp>
-        </mc:Fallback>
-      </mc:AlternateContent>
-      <p:sp>
-        <p:nvSpPr>
-          <p:cNvPr id="4" name="Slide Number Placeholder 3"/>
-          <p:cNvSpPr>
-            <a:spLocks noGrp="1"/>
-          </p:cNvSpPr>
-          <p:nvPr>
-            <p:ph type="sldNum" sz="quarter" idx="12"/>
-          </p:nvPr>
-        </p:nvSpPr>
-        <p:spPr/>
-        <p:txBody>
-          <a:bodyPr/>
-          <a:lstStyle/>
-          <a:p>
-            <a:fld id="{629637A9-119A-49DA-BD12-AAC58B377D80}" type="slidenum">
-              <a:rPr lang="en-US" smtClean="0"/>
-              <a:t>5</a:t>
-            </a:fld>
-            <a:endParaRPr lang="en-US" dirty="0"/>
-          </a:p>
-        </p:txBody>
-      </p:sp>
-      <p:pic>
-        <p:nvPicPr>
-          <p:cNvPr id="1026" name="Picture 2" descr="Fig 5-7 FNA cytology. Grade 1, 2, 3"/>
-          <p:cNvPicPr>
-            <a:picLocks noChangeAspect="1" noChangeArrowheads="1"/>
-          </p:cNvPicPr>
-          <p:nvPr/>
-        </p:nvPicPr>
-        <p:blipFill>
-          <a:blip r:embed="rId3">
-            <a:extLst>
-              <a:ext uri="{28A0092B-C50C-407E-A947-70E740481C1C}">
-                <a14:useLocalDpi xmlns:a14="http://schemas.microsoft.com/office/drawing/2010/main" val="0"/>
-              </a:ext>
-            </a:extLst>
-          </a:blip>
-          <a:srcRect/>
-          <a:stretch>
-            <a:fillRect/>
-          </a:stretch>
-        </p:blipFill>
-        <p:spPr bwMode="auto">
-          <a:xfrm>
-            <a:off x="8053518" y="3600529"/>
-            <a:ext cx="2969615" cy="1329256"/>
-          </a:xfrm>
-          <a:prstGeom prst="rect">
-            <a:avLst/>
-          </a:prstGeom>
-          <a:noFill/>
-          <a:extLst>
-            <a:ext uri="{909E8E84-426E-40DD-AFC4-6F175D3DCCD1}">
-              <a14:hiddenFill xmlns:a14="http://schemas.microsoft.com/office/drawing/2010/main">
-                <a:solidFill>
-                  <a:srgbClr val="FFFFFF"/>
-                </a:solidFill>
-              </a14:hiddenFill>
-            </a:ext>
-          </a:extLst>
-        </p:spPr>
-      </p:pic>
-      <p:sp>
-        <p:nvSpPr>
-          <p:cNvPr id="5" name="TextBox 4"/>
-          <p:cNvSpPr txBox="1"/>
-          <p:nvPr/>
-        </p:nvSpPr>
-        <p:spPr>
-          <a:xfrm flipH="1">
-            <a:off x="8053518" y="4999839"/>
-            <a:ext cx="3444101" cy="523220"/>
-          </a:xfrm>
-          <a:prstGeom prst="rect">
-            <a:avLst/>
-          </a:prstGeom>
-          <a:noFill/>
-        </p:spPr>
-        <p:txBody>
-          <a:bodyPr wrap="square" rtlCol="0">
-            <a:spAutoFit/>
-          </a:bodyPr>
-          <a:lstStyle/>
-          <a:p>
-            <a:r>
-              <a:rPr lang="en-US" sz="1400" dirty="0"/>
-              <a:t>Grades of carcinoma cells</a:t>
-            </a:r>
-          </a:p>
-          <a:p>
-            <a:r>
-              <a:rPr lang="en-US" sz="1400" dirty="0"/>
-              <a:t>http://breast-cancer.ca/5a-types/</a:t>
-            </a:r>
-          </a:p>
-        </p:txBody>
-      </p:sp>
-      <p:pic>
-        <p:nvPicPr>
-          <p:cNvPr id="7" name="Picture 6"/>
-          <p:cNvPicPr>
-            <a:picLocks noChangeAspect="1"/>
-          </p:cNvPicPr>
-          <p:nvPr/>
-        </p:nvPicPr>
-        <p:blipFill>
-          <a:blip r:embed="rId4"/>
-          <a:stretch>
-            <a:fillRect/>
-          </a:stretch>
-        </p:blipFill>
-        <p:spPr>
-          <a:xfrm>
-            <a:off x="8053518" y="1636267"/>
-            <a:ext cx="3028950" cy="1514475"/>
-          </a:xfrm>
-          <a:prstGeom prst="rect">
-            <a:avLst/>
-          </a:prstGeom>
-        </p:spPr>
-      </p:pic>
-    </p:spTree>
-    <p:extLst>
-      <p:ext uri="{BB962C8B-B14F-4D97-AF65-F5344CB8AC3E}">
-        <p14:creationId xmlns:p14="http://schemas.microsoft.com/office/powerpoint/2010/main" val="2587325733"/>
-      </p:ext>
-    </p:extLst>
-  </p:cSld>
-  <p:clrMapOvr>
-    <a:masterClrMapping/>
-  </p:clrMapOvr>
-</p:sld>
-</file>
-
-<file path=ppt/slides/slide50.xml><?xml version="1.0" encoding="utf-8"?>
+<file path=ppt/slides/slide52.xml><?xml version="1.0" encoding="utf-8"?>
 <p:sld xmlns:a="http://schemas.openxmlformats.org/drawingml/2006/main" xmlns:r="http://schemas.openxmlformats.org/officeDocument/2006/relationships" xmlns:p="http://schemas.openxmlformats.org/presentationml/2006/main">
   <p:cSld>
     <p:spTree>
@@ -40426,7 +42058,7 @@
           <a:p>
             <a:fld id="{629637A9-119A-49DA-BD12-AAC58B377D80}" type="slidenum">
               <a:rPr lang="en-US" smtClean="0"/>
-              <a:t>50</a:t>
+              <a:t>52</a:t>
             </a:fld>
             <a:endParaRPr lang="en-US" dirty="0"/>
           </a:p>
@@ -40475,7 +42107,7 @@
 </p:sld>
 </file>
 
-<file path=ppt/slides/slide51.xml><?xml version="1.0" encoding="utf-8"?>
+<file path=ppt/slides/slide53.xml><?xml version="1.0" encoding="utf-8"?>
 <p:sld xmlns:a="http://schemas.openxmlformats.org/drawingml/2006/main" xmlns:r="http://schemas.openxmlformats.org/officeDocument/2006/relationships" xmlns:p="http://schemas.openxmlformats.org/presentationml/2006/main">
   <p:cSld>
     <p:spTree>
@@ -40580,7 +42212,7 @@
           <a:p>
             <a:fld id="{629637A9-119A-49DA-BD12-AAC58B377D80}" type="slidenum">
               <a:rPr lang="en-US" smtClean="0"/>
-              <a:t>51</a:t>
+              <a:t>53</a:t>
             </a:fld>
             <a:endParaRPr lang="en-US" dirty="0"/>
           </a:p>
@@ -40645,7 +42277,7 @@
 </p:sld>
 </file>
 
-<file path=ppt/slides/slide52.xml><?xml version="1.0" encoding="utf-8"?>
+<file path=ppt/slides/slide54.xml><?xml version="1.0" encoding="utf-8"?>
 <p:sld xmlns:a="http://schemas.openxmlformats.org/drawingml/2006/main" xmlns:r="http://schemas.openxmlformats.org/officeDocument/2006/relationships" xmlns:p="http://schemas.openxmlformats.org/presentationml/2006/main">
   <p:cSld>
     <p:spTree>
@@ -40702,7 +42334,7 @@
             <a:fld id="{529F9F8D-2534-4D48-85E3-73908409BCC5}" type="slidenum">
               <a:rPr lang="en-US" smtClean="0"/>
               <a:pPr/>
-              <a:t>52</a:t>
+              <a:t>54</a:t>
             </a:fld>
             <a:endParaRPr lang="en-US"/>
           </a:p>
@@ -41084,7 +42716,7 @@
 </p:sld>
 </file>
 
-<file path=ppt/slides/slide53.xml><?xml version="1.0" encoding="utf-8"?>
+<file path=ppt/slides/slide55.xml><?xml version="1.0" encoding="utf-8"?>
 <p:sld xmlns:a="http://schemas.openxmlformats.org/drawingml/2006/main" xmlns:r="http://schemas.openxmlformats.org/officeDocument/2006/relationships" xmlns:p="http://schemas.openxmlformats.org/presentationml/2006/main">
   <p:cSld>
     <p:spTree>
@@ -41141,7 +42773,7 @@
             <a:fld id="{529F9F8D-2534-4D48-85E3-73908409BCC5}" type="slidenum">
               <a:rPr lang="en-US" smtClean="0"/>
               <a:pPr/>
-              <a:t>53</a:t>
+              <a:t>55</a:t>
             </a:fld>
             <a:endParaRPr lang="en-US"/>
           </a:p>
@@ -41284,7 +42916,7 @@
 </p:sld>
 </file>
 
-<file path=ppt/slides/slide54.xml><?xml version="1.0" encoding="utf-8"?>
+<file path=ppt/slides/slide56.xml><?xml version="1.0" encoding="utf-8"?>
 <p:sld xmlns:a="http://schemas.openxmlformats.org/drawingml/2006/main" xmlns:r="http://schemas.openxmlformats.org/officeDocument/2006/relationships" xmlns:p="http://schemas.openxmlformats.org/presentationml/2006/main">
   <p:cSld>
     <p:spTree>
@@ -41341,7 +42973,7 @@
             <a:fld id="{529F9F8D-2534-4D48-85E3-73908409BCC5}" type="slidenum">
               <a:rPr lang="en-US" smtClean="0"/>
               <a:pPr/>
-              <a:t>54</a:t>
+              <a:t>56</a:t>
             </a:fld>
             <a:endParaRPr lang="en-US"/>
           </a:p>
@@ -41714,7 +43346,7 @@
 </p:sld>
 </file>
 
-<file path=ppt/slides/slide55.xml><?xml version="1.0" encoding="utf-8"?>
+<file path=ppt/slides/slide57.xml><?xml version="1.0" encoding="utf-8"?>
 <p:sld xmlns:a="http://schemas.openxmlformats.org/drawingml/2006/main" xmlns:r="http://schemas.openxmlformats.org/officeDocument/2006/relationships" xmlns:p="http://schemas.openxmlformats.org/presentationml/2006/main">
   <p:cSld>
     <p:spTree>
@@ -41771,7 +43403,7 @@
             <a:fld id="{529F9F8D-2534-4D48-85E3-73908409BCC5}" type="slidenum">
               <a:rPr lang="en-US" smtClean="0"/>
               <a:pPr/>
-              <a:t>55</a:t>
+              <a:t>57</a:t>
             </a:fld>
             <a:endParaRPr lang="en-US"/>
           </a:p>
@@ -42519,7 +44151,7 @@
 </p:sld>
 </file>
 
-<file path=ppt/slides/slide56.xml><?xml version="1.0" encoding="utf-8"?>
+<file path=ppt/slides/slide58.xml><?xml version="1.0" encoding="utf-8"?>
 <p:sld xmlns:a="http://schemas.openxmlformats.org/drawingml/2006/main" xmlns:r="http://schemas.openxmlformats.org/officeDocument/2006/relationships" xmlns:p="http://schemas.openxmlformats.org/presentationml/2006/main">
   <p:cSld>
     <p:spTree>
@@ -42775,7 +44407,7 @@
           <a:p>
             <a:fld id="{629637A9-119A-49DA-BD12-AAC58B377D80}" type="slidenum">
               <a:rPr lang="en-US" smtClean="0"/>
-              <a:t>56</a:t>
+              <a:t>58</a:t>
             </a:fld>
             <a:endParaRPr lang="en-US" dirty="0"/>
           </a:p>
@@ -42830,7 +44462,7 @@
 </p:sld>
 </file>
 
-<file path=ppt/slides/slide57.xml><?xml version="1.0" encoding="utf-8"?>
+<file path=ppt/slides/slide59.xml><?xml version="1.0" encoding="utf-8"?>
 <p:sld xmlns:a="http://schemas.openxmlformats.org/drawingml/2006/main" xmlns:r="http://schemas.openxmlformats.org/officeDocument/2006/relationships" xmlns:p="http://schemas.openxmlformats.org/presentationml/2006/main">
   <p:cSld>
     <p:spTree>
@@ -42981,7 +44613,7 @@
           <a:p>
             <a:fld id="{629637A9-119A-49DA-BD12-AAC58B377D80}" type="slidenum">
               <a:rPr lang="en-US" smtClean="0"/>
-              <a:t>57</a:t>
+              <a:t>59</a:t>
             </a:fld>
             <a:endParaRPr lang="en-US" dirty="0"/>
           </a:p>
@@ -43000,7 +44632,1158 @@
 </p:sld>
 </file>
 
-<file path=ppt/slides/slide58.xml><?xml version="1.0" encoding="utf-8"?>
+<file path=ppt/slides/slide6.xml><?xml version="1.0" encoding="utf-8"?>
+<p:sld xmlns:a="http://schemas.openxmlformats.org/drawingml/2006/main" xmlns:r="http://schemas.openxmlformats.org/officeDocument/2006/relationships" xmlns:p="http://schemas.openxmlformats.org/presentationml/2006/main">
+  <p:cSld>
+    <p:spTree>
+      <p:nvGrpSpPr>
+        <p:cNvPr id="1" name=""/>
+        <p:cNvGrpSpPr/>
+        <p:nvPr/>
+      </p:nvGrpSpPr>
+      <p:grpSpPr>
+        <a:xfrm>
+          <a:off x="0" y="0"/>
+          <a:ext cx="0" cy="0"/>
+          <a:chOff x="0" y="0"/>
+          <a:chExt cx="0" cy="0"/>
+        </a:xfrm>
+      </p:grpSpPr>
+      <p:sp>
+        <p:nvSpPr>
+          <p:cNvPr id="2" name="Title 1">
+            <a:extLst>
+              <a:ext uri="{FF2B5EF4-FFF2-40B4-BE49-F238E27FC236}">
+                <a16:creationId xmlns:a16="http://schemas.microsoft.com/office/drawing/2014/main" id="{36A9DB53-B207-4FED-9159-16EA9066533A}"/>
+              </a:ext>
+            </a:extLst>
+          </p:cNvPr>
+          <p:cNvSpPr>
+            <a:spLocks noGrp="1"/>
+          </p:cNvSpPr>
+          <p:nvPr>
+            <p:ph type="title"/>
+          </p:nvPr>
+        </p:nvSpPr>
+        <p:spPr/>
+        <p:txBody>
+          <a:bodyPr/>
+          <a:lstStyle/>
+          <a:p>
+            <a:r>
+              <a:rPr lang="en-US" dirty="0"/>
+              <a:t>Logistic Regression Maximum Likelihood</a:t>
+            </a:r>
+          </a:p>
+        </p:txBody>
+      </p:sp>
+      <mc:AlternateContent xmlns:mc="http://schemas.openxmlformats.org/markup-compatibility/2006">
+        <mc:Choice xmlns:a14="http://schemas.microsoft.com/office/drawing/2010/main" Requires="a14">
+          <p:sp>
+            <p:nvSpPr>
+              <p:cNvPr id="3" name="Content Placeholder 2">
+                <a:extLst>
+                  <a:ext uri="{FF2B5EF4-FFF2-40B4-BE49-F238E27FC236}">
+                    <a16:creationId xmlns:a16="http://schemas.microsoft.com/office/drawing/2014/main" id="{4CAC64C7-D216-4D4F-B198-DE8CF30BD107}"/>
+                  </a:ext>
+                </a:extLst>
+              </p:cNvPr>
+              <p:cNvSpPr>
+                <a:spLocks noGrp="1"/>
+              </p:cNvSpPr>
+              <p:nvPr>
+                <p:ph idx="1"/>
+              </p:nvPr>
+            </p:nvSpPr>
+            <p:spPr/>
+            <p:txBody>
+              <a:bodyPr>
+                <a:normAutofit/>
+              </a:bodyPr>
+              <a:lstStyle/>
+              <a:p>
+                <a:r>
+                  <a:rPr lang="en-US" dirty="0">
+                    <a:solidFill>
+                      <a:schemeClr val="accent1">
+                        <a:lumMod val="60000"/>
+                        <a:lumOff val="40000"/>
+                      </a:schemeClr>
+                    </a:solidFill>
+                  </a:rPr>
+                  <a:t>Logistic model</a:t>
+                </a:r>
+                <a:r>
+                  <a:rPr lang="en-US" dirty="0"/>
+                  <a:t> for the likelihood function:  </a:t>
+                </a:r>
+                <a:br>
+                  <a:rPr lang="en-US" b="0" i="1" dirty="0">
+                    <a:latin typeface="Cambria Math" panose="02040503050406030204" pitchFamily="18" charset="0"/>
+                  </a:rPr>
+                </a:br>
+                <a14:m>
+                  <m:oMath xmlns:m="http://schemas.openxmlformats.org/officeDocument/2006/math">
+                    <m:r>
+                      <a:rPr lang="en-US" b="0" i="1" smtClean="0">
+                        <a:latin typeface="Cambria Math" panose="02040503050406030204" pitchFamily="18" charset="0"/>
+                      </a:rPr>
+                      <m:t>𝑃</m:t>
+                    </m:r>
+                    <m:d>
+                      <m:dPr>
+                        <m:ctrlPr>
+                          <a:rPr lang="en-US" b="0" i="1" smtClean="0">
+                            <a:latin typeface="Cambria Math" panose="02040503050406030204" pitchFamily="18" charset="0"/>
+                          </a:rPr>
+                        </m:ctrlPr>
+                      </m:dPr>
+                      <m:e>
+                        <m:r>
+                          <a:rPr lang="en-US" b="0" i="1" smtClean="0">
+                            <a:latin typeface="Cambria Math" panose="02040503050406030204" pitchFamily="18" charset="0"/>
+                          </a:rPr>
+                          <m:t>𝑦</m:t>
+                        </m:r>
+                        <m:r>
+                          <a:rPr lang="en-US" b="0" i="1" smtClean="0">
+                            <a:latin typeface="Cambria Math" panose="02040503050406030204" pitchFamily="18" charset="0"/>
+                          </a:rPr>
+                          <m:t>=1</m:t>
+                        </m:r>
+                      </m:e>
+                      <m:e>
+                        <m:r>
+                          <a:rPr lang="en-US" b="1" i="1" smtClean="0">
+                            <a:latin typeface="Cambria Math" panose="02040503050406030204" pitchFamily="18" charset="0"/>
+                          </a:rPr>
+                          <m:t>𝒙</m:t>
+                        </m:r>
+                        <m:r>
+                          <a:rPr lang="en-US" b="0" i="1" smtClean="0">
+                            <a:latin typeface="Cambria Math" panose="02040503050406030204" pitchFamily="18" charset="0"/>
+                          </a:rPr>
+                          <m:t>,</m:t>
+                        </m:r>
+                        <m:r>
+                          <a:rPr lang="en-US" b="1" i="1" smtClean="0">
+                            <a:latin typeface="Cambria Math" panose="02040503050406030204" pitchFamily="18" charset="0"/>
+                          </a:rPr>
+                          <m:t>𝒘</m:t>
+                        </m:r>
+                      </m:e>
+                    </m:d>
+                    <m:r>
+                      <a:rPr lang="en-US" b="0" i="1" smtClean="0">
+                        <a:latin typeface="Cambria Math" panose="02040503050406030204" pitchFamily="18" charset="0"/>
+                      </a:rPr>
+                      <m:t>=</m:t>
+                    </m:r>
+                    <m:f>
+                      <m:fPr>
+                        <m:ctrlPr>
+                          <a:rPr lang="en-US" b="0" i="1" smtClean="0">
+                            <a:latin typeface="Cambria Math" panose="02040503050406030204" pitchFamily="18" charset="0"/>
+                          </a:rPr>
+                        </m:ctrlPr>
+                      </m:fPr>
+                      <m:num>
+                        <m:r>
+                          <a:rPr lang="en-US" b="0" i="1" smtClean="0">
+                            <a:latin typeface="Cambria Math" panose="02040503050406030204" pitchFamily="18" charset="0"/>
+                          </a:rPr>
+                          <m:t>1</m:t>
+                        </m:r>
+                      </m:num>
+                      <m:den>
+                        <m:r>
+                          <a:rPr lang="en-US" b="0" i="1" smtClean="0">
+                            <a:latin typeface="Cambria Math" panose="02040503050406030204" pitchFamily="18" charset="0"/>
+                          </a:rPr>
+                          <m:t>1+</m:t>
+                        </m:r>
+                        <m:sSup>
+                          <m:sSupPr>
+                            <m:ctrlPr>
+                              <a:rPr lang="en-US" b="0" i="1" smtClean="0">
+                                <a:latin typeface="Cambria Math" panose="02040503050406030204" pitchFamily="18" charset="0"/>
+                              </a:rPr>
+                            </m:ctrlPr>
+                          </m:sSupPr>
+                          <m:e>
+                            <m:r>
+                              <a:rPr lang="en-US" b="0" i="1" smtClean="0">
+                                <a:latin typeface="Cambria Math" panose="02040503050406030204" pitchFamily="18" charset="0"/>
+                              </a:rPr>
+                              <m:t>𝑒</m:t>
+                            </m:r>
+                          </m:e>
+                          <m:sup>
+                            <m:r>
+                              <a:rPr lang="en-US" b="0" i="1" smtClean="0">
+                                <a:latin typeface="Cambria Math" panose="02040503050406030204" pitchFamily="18" charset="0"/>
+                              </a:rPr>
+                              <m:t>−</m:t>
+                            </m:r>
+                            <m:r>
+                              <a:rPr lang="en-US" b="0" i="1" smtClean="0">
+                                <a:latin typeface="Cambria Math" panose="02040503050406030204" pitchFamily="18" charset="0"/>
+                              </a:rPr>
+                              <m:t>𝑧</m:t>
+                            </m:r>
+                          </m:sup>
+                        </m:sSup>
+                      </m:den>
+                    </m:f>
+                    <m:r>
+                      <a:rPr lang="en-US" b="0" i="1" smtClean="0">
+                        <a:latin typeface="Cambria Math" panose="02040503050406030204" pitchFamily="18" charset="0"/>
+                      </a:rPr>
+                      <m:t>,   </m:t>
+                    </m:r>
+                    <m:r>
+                      <a:rPr lang="en-US" b="0" i="1" smtClean="0">
+                        <a:latin typeface="Cambria Math" panose="02040503050406030204" pitchFamily="18" charset="0"/>
+                      </a:rPr>
+                      <m:t>𝑧</m:t>
+                    </m:r>
+                    <m:r>
+                      <a:rPr lang="en-US" b="0" i="1" smtClean="0">
+                        <a:latin typeface="Cambria Math" panose="02040503050406030204" pitchFamily="18" charset="0"/>
+                      </a:rPr>
+                      <m:t>=</m:t>
+                    </m:r>
+                    <m:sSubSup>
+                      <m:sSubSupPr>
+                        <m:ctrlPr>
+                          <a:rPr lang="en-US" b="0" i="1" smtClean="0">
+                            <a:latin typeface="Cambria Math" panose="02040503050406030204" pitchFamily="18" charset="0"/>
+                          </a:rPr>
+                        </m:ctrlPr>
+                      </m:sSubSupPr>
+                      <m:e>
+                        <m:r>
+                          <a:rPr lang="en-US" b="1" i="1" smtClean="0">
+                            <a:latin typeface="Cambria Math" panose="02040503050406030204" pitchFamily="18" charset="0"/>
+                          </a:rPr>
+                          <m:t>𝒘</m:t>
+                        </m:r>
+                      </m:e>
+                      <m:sub>
+                        <m:r>
+                          <a:rPr lang="en-US" b="0" i="1" smtClean="0">
+                            <a:latin typeface="Cambria Math" panose="02040503050406030204" pitchFamily="18" charset="0"/>
+                          </a:rPr>
+                          <m:t>1:</m:t>
+                        </m:r>
+                        <m:r>
+                          <a:rPr lang="en-US" b="0" i="1" smtClean="0">
+                            <a:latin typeface="Cambria Math" panose="02040503050406030204" pitchFamily="18" charset="0"/>
+                          </a:rPr>
+                          <m:t>𝑝</m:t>
+                        </m:r>
+                      </m:sub>
+                      <m:sup>
+                        <m:r>
+                          <a:rPr lang="en-US" b="0" i="1" smtClean="0">
+                            <a:latin typeface="Cambria Math" panose="02040503050406030204" pitchFamily="18" charset="0"/>
+                          </a:rPr>
+                          <m:t>𝑇</m:t>
+                        </m:r>
+                      </m:sup>
+                    </m:sSubSup>
+                    <m:r>
+                      <a:rPr lang="en-US" b="1" i="1" smtClean="0">
+                        <a:latin typeface="Cambria Math" panose="02040503050406030204" pitchFamily="18" charset="0"/>
+                      </a:rPr>
+                      <m:t>𝒙</m:t>
+                    </m:r>
+                    <m:r>
+                      <a:rPr lang="en-US" b="0" i="1" smtClean="0">
+                        <a:latin typeface="Cambria Math" panose="02040503050406030204" pitchFamily="18" charset="0"/>
+                      </a:rPr>
+                      <m:t>+</m:t>
+                    </m:r>
+                    <m:sSub>
+                      <m:sSubPr>
+                        <m:ctrlPr>
+                          <a:rPr lang="en-US" b="0" i="1" smtClean="0">
+                            <a:latin typeface="Cambria Math" panose="02040503050406030204" pitchFamily="18" charset="0"/>
+                          </a:rPr>
+                        </m:ctrlPr>
+                      </m:sSubPr>
+                      <m:e>
+                        <m:r>
+                          <a:rPr lang="en-US" b="0" i="1" smtClean="0">
+                            <a:latin typeface="Cambria Math" panose="02040503050406030204" pitchFamily="18" charset="0"/>
+                          </a:rPr>
+                          <m:t>𝑤</m:t>
+                        </m:r>
+                      </m:e>
+                      <m:sub>
+                        <m:r>
+                          <a:rPr lang="en-US" b="0" i="1" smtClean="0">
+                            <a:latin typeface="Cambria Math" panose="02040503050406030204" pitchFamily="18" charset="0"/>
+                          </a:rPr>
+                          <m:t>0</m:t>
+                        </m:r>
+                      </m:sub>
+                    </m:sSub>
+                  </m:oMath>
+                </a14:m>
+                <a:endParaRPr lang="en-US" dirty="0"/>
+              </a:p>
+              <a:p>
+                <a:pPr lvl="1"/>
+                <a14:m>
+                  <m:oMath xmlns:m="http://schemas.openxmlformats.org/officeDocument/2006/math">
+                    <m:r>
+                      <a:rPr lang="en-US" b="1" i="1">
+                        <a:latin typeface="Cambria Math" panose="02040503050406030204" pitchFamily="18" charset="0"/>
+                      </a:rPr>
+                      <m:t>𝒘</m:t>
+                    </m:r>
+                    <m:r>
+                      <a:rPr lang="en-US" b="1" i="1">
+                        <a:latin typeface="Cambria Math" panose="02040503050406030204" pitchFamily="18" charset="0"/>
+                      </a:rPr>
+                      <m:t> </m:t>
+                    </m:r>
+                  </m:oMath>
+                </a14:m>
+                <a:r>
+                  <a:rPr lang="en-US" dirty="0"/>
+                  <a:t>= unknown weights or parameters</a:t>
+                </a:r>
+              </a:p>
+              <a:p>
+                <a:r>
+                  <a:rPr lang="en-US" dirty="0">
+                    <a:solidFill>
+                      <a:schemeClr val="accent1">
+                        <a:lumMod val="60000"/>
+                        <a:lumOff val="40000"/>
+                      </a:schemeClr>
+                    </a:solidFill>
+                  </a:rPr>
+                  <a:t>ML estimation </a:t>
+                </a:r>
+                <a:r>
+                  <a:rPr lang="en-US" dirty="0"/>
+                  <a:t>:  Minimize the negative log likelihood:</a:t>
+                </a:r>
+                <a:br>
+                  <a:rPr lang="en-US" dirty="0"/>
+                </a:br>
+                <a14:m>
+                  <m:oMath xmlns:m="http://schemas.openxmlformats.org/officeDocument/2006/math">
+                    <m:acc>
+                      <m:accPr>
+                        <m:chr m:val="̂"/>
+                        <m:ctrlPr>
+                          <a:rPr lang="en-US" b="0" i="1" smtClean="0">
+                            <a:latin typeface="Cambria Math" panose="02040503050406030204" pitchFamily="18" charset="0"/>
+                          </a:rPr>
+                        </m:ctrlPr>
+                      </m:accPr>
+                      <m:e>
+                        <m:r>
+                          <a:rPr lang="en-US" b="0" i="1" smtClean="0">
+                            <a:latin typeface="Cambria Math" panose="02040503050406030204" pitchFamily="18" charset="0"/>
+                          </a:rPr>
+                          <m:t>𝑤</m:t>
+                        </m:r>
+                      </m:e>
+                    </m:acc>
+                    <m:r>
+                      <a:rPr lang="en-US" b="0" i="1" smtClean="0">
+                        <a:latin typeface="Cambria Math" panose="02040503050406030204" pitchFamily="18" charset="0"/>
+                      </a:rPr>
+                      <m:t>=</m:t>
+                    </m:r>
+                    <m:func>
+                      <m:funcPr>
+                        <m:ctrlPr>
+                          <a:rPr lang="en-US" b="0" i="1" smtClean="0">
+                            <a:latin typeface="Cambria Math" panose="02040503050406030204" pitchFamily="18" charset="0"/>
+                          </a:rPr>
+                        </m:ctrlPr>
+                      </m:funcPr>
+                      <m:fName>
+                        <m:r>
+                          <m:rPr>
+                            <m:sty m:val="p"/>
+                          </m:rPr>
+                          <a:rPr lang="en-US" b="0" i="0" smtClean="0">
+                            <a:latin typeface="Cambria Math" panose="02040503050406030204" pitchFamily="18" charset="0"/>
+                          </a:rPr>
+                          <m:t>arg</m:t>
+                        </m:r>
+                      </m:fName>
+                      <m:e>
+                        <m:func>
+                          <m:funcPr>
+                            <m:ctrlPr>
+                              <a:rPr lang="en-US" b="0" i="1" smtClean="0">
+                                <a:latin typeface="Cambria Math" panose="02040503050406030204" pitchFamily="18" charset="0"/>
+                              </a:rPr>
+                            </m:ctrlPr>
+                          </m:funcPr>
+                          <m:fName>
+                            <m:limLow>
+                              <m:limLowPr>
+                                <m:ctrlPr>
+                                  <a:rPr lang="en-US" b="0" i="1" smtClean="0">
+                                    <a:latin typeface="Cambria Math" panose="02040503050406030204" pitchFamily="18" charset="0"/>
+                                  </a:rPr>
+                                </m:ctrlPr>
+                              </m:limLowPr>
+                              <m:e>
+                                <m:r>
+                                  <m:rPr>
+                                    <m:sty m:val="p"/>
+                                  </m:rPr>
+                                  <a:rPr lang="en-US" b="0" i="0" smtClean="0">
+                                    <a:latin typeface="Cambria Math" panose="02040503050406030204" pitchFamily="18" charset="0"/>
+                                  </a:rPr>
+                                  <m:t>min</m:t>
+                                </m:r>
+                              </m:e>
+                              <m:lim>
+                                <m:r>
+                                  <a:rPr lang="en-US" b="0" i="1" smtClean="0">
+                                    <a:latin typeface="Cambria Math" panose="02040503050406030204" pitchFamily="18" charset="0"/>
+                                  </a:rPr>
+                                  <m:t>𝑤</m:t>
+                                </m:r>
+                              </m:lim>
+                            </m:limLow>
+                          </m:fName>
+                          <m:e>
+                            <m:r>
+                              <a:rPr lang="en-US" b="0" i="1" smtClean="0">
+                                <a:latin typeface="Cambria Math" panose="02040503050406030204" pitchFamily="18" charset="0"/>
+                              </a:rPr>
+                              <m:t>𝑓</m:t>
+                            </m:r>
+                            <m:d>
+                              <m:dPr>
+                                <m:ctrlPr>
+                                  <a:rPr lang="en-US" b="0" i="1" smtClean="0">
+                                    <a:latin typeface="Cambria Math" panose="02040503050406030204" pitchFamily="18" charset="0"/>
+                                  </a:rPr>
+                                </m:ctrlPr>
+                              </m:dPr>
+                              <m:e>
+                                <m:r>
+                                  <a:rPr lang="en-US" b="0" i="1" smtClean="0">
+                                    <a:latin typeface="Cambria Math" panose="02040503050406030204" pitchFamily="18" charset="0"/>
+                                  </a:rPr>
+                                  <m:t>𝑤</m:t>
+                                </m:r>
+                              </m:e>
+                            </m:d>
+                            <m:r>
+                              <a:rPr lang="en-US" b="0" i="1" smtClean="0">
+                                <a:latin typeface="Cambria Math" panose="02040503050406030204" pitchFamily="18" charset="0"/>
+                              </a:rPr>
+                              <m:t>,  </m:t>
+                            </m:r>
+                          </m:e>
+                        </m:func>
+                      </m:e>
+                    </m:func>
+                    <m:r>
+                      <a:rPr lang="en-US" b="0" i="1" smtClean="0">
+                        <a:latin typeface="Cambria Math" panose="02040503050406030204" pitchFamily="18" charset="0"/>
+                      </a:rPr>
+                      <m:t>    </m:t>
+                    </m:r>
+                    <m:r>
+                      <a:rPr lang="en-US" b="0" i="1" smtClean="0">
+                        <a:latin typeface="Cambria Math" panose="02040503050406030204" pitchFamily="18" charset="0"/>
+                      </a:rPr>
+                      <m:t>𝑓</m:t>
+                    </m:r>
+                    <m:d>
+                      <m:dPr>
+                        <m:ctrlPr>
+                          <a:rPr lang="en-US" b="0" i="1" smtClean="0">
+                            <a:latin typeface="Cambria Math" panose="02040503050406030204" pitchFamily="18" charset="0"/>
+                          </a:rPr>
+                        </m:ctrlPr>
+                      </m:dPr>
+                      <m:e>
+                        <m:r>
+                          <a:rPr lang="en-US" b="0" i="1" smtClean="0">
+                            <a:latin typeface="Cambria Math" panose="02040503050406030204" pitchFamily="18" charset="0"/>
+                          </a:rPr>
+                          <m:t>𝑤</m:t>
+                        </m:r>
+                      </m:e>
+                    </m:d>
+                    <m:r>
+                      <a:rPr lang="en-US" b="0" i="1" smtClean="0">
+                        <a:latin typeface="Cambria Math" panose="02040503050406030204" pitchFamily="18" charset="0"/>
+                      </a:rPr>
+                      <m:t>≔−</m:t>
+                    </m:r>
+                    <m:nary>
+                      <m:naryPr>
+                        <m:chr m:val="∑"/>
+                        <m:ctrlPr>
+                          <a:rPr lang="en-US" b="0" i="1" smtClean="0">
+                            <a:latin typeface="Cambria Math" panose="02040503050406030204" pitchFamily="18" charset="0"/>
+                          </a:rPr>
+                        </m:ctrlPr>
+                      </m:naryPr>
+                      <m:sub>
+                        <m:r>
+                          <m:rPr>
+                            <m:brk m:alnAt="23"/>
+                          </m:rPr>
+                          <a:rPr lang="en-US" b="0" i="1" smtClean="0">
+                            <a:latin typeface="Cambria Math" panose="02040503050406030204" pitchFamily="18" charset="0"/>
+                          </a:rPr>
+                          <m:t>𝑖</m:t>
+                        </m:r>
+                        <m:r>
+                          <a:rPr lang="en-US" b="0" i="1" smtClean="0">
+                            <a:latin typeface="Cambria Math" panose="02040503050406030204" pitchFamily="18" charset="0"/>
+                          </a:rPr>
+                          <m:t>=1</m:t>
+                        </m:r>
+                      </m:sub>
+                      <m:sup>
+                        <m:r>
+                          <a:rPr lang="en-US" b="0" i="1" smtClean="0">
+                            <a:latin typeface="Cambria Math" panose="02040503050406030204" pitchFamily="18" charset="0"/>
+                          </a:rPr>
+                          <m:t>𝑁</m:t>
+                        </m:r>
+                      </m:sup>
+                      <m:e>
+                        <m:func>
+                          <m:funcPr>
+                            <m:ctrlPr>
+                              <a:rPr lang="en-US" b="0" i="1" smtClean="0">
+                                <a:latin typeface="Cambria Math" panose="02040503050406030204" pitchFamily="18" charset="0"/>
+                              </a:rPr>
+                            </m:ctrlPr>
+                          </m:funcPr>
+                          <m:fName>
+                            <m:r>
+                              <m:rPr>
+                                <m:sty m:val="p"/>
+                              </m:rPr>
+                              <a:rPr lang="en-US" b="0" i="0" smtClean="0">
+                                <a:latin typeface="Cambria Math" panose="02040503050406030204" pitchFamily="18" charset="0"/>
+                              </a:rPr>
+                              <m:t>ln</m:t>
+                            </m:r>
+                          </m:fName>
+                          <m:e>
+                            <m:r>
+                              <a:rPr lang="en-US" b="0" i="1" smtClean="0">
+                                <a:latin typeface="Cambria Math" panose="02040503050406030204" pitchFamily="18" charset="0"/>
+                              </a:rPr>
+                              <m:t>𝑃</m:t>
+                            </m:r>
+                            <m:d>
+                              <m:dPr>
+                                <m:ctrlPr>
+                                  <a:rPr lang="en-US" b="0" i="1" smtClean="0">
+                                    <a:latin typeface="Cambria Math" panose="02040503050406030204" pitchFamily="18" charset="0"/>
+                                  </a:rPr>
+                                </m:ctrlPr>
+                              </m:dPr>
+                              <m:e>
+                                <m:sSub>
+                                  <m:sSubPr>
+                                    <m:ctrlPr>
+                                      <a:rPr lang="en-US" b="0" i="1" smtClean="0">
+                                        <a:latin typeface="Cambria Math" panose="02040503050406030204" pitchFamily="18" charset="0"/>
+                                      </a:rPr>
+                                    </m:ctrlPr>
+                                  </m:sSubPr>
+                                  <m:e>
+                                    <m:r>
+                                      <a:rPr lang="en-US" b="0" i="1" smtClean="0">
+                                        <a:latin typeface="Cambria Math" panose="02040503050406030204" pitchFamily="18" charset="0"/>
+                                      </a:rPr>
+                                      <m:t>𝑦</m:t>
+                                    </m:r>
+                                  </m:e>
+                                  <m:sub>
+                                    <m:r>
+                                      <a:rPr lang="en-US" b="0" i="1" smtClean="0">
+                                        <a:latin typeface="Cambria Math" panose="02040503050406030204" pitchFamily="18" charset="0"/>
+                                      </a:rPr>
+                                      <m:t>𝑖</m:t>
+                                    </m:r>
+                                  </m:sub>
+                                </m:sSub>
+                              </m:e>
+                              <m:e>
+                                <m:sSub>
+                                  <m:sSubPr>
+                                    <m:ctrlPr>
+                                      <a:rPr lang="en-US" b="0" i="1" smtClean="0">
+                                        <a:latin typeface="Cambria Math" panose="02040503050406030204" pitchFamily="18" charset="0"/>
+                                      </a:rPr>
+                                    </m:ctrlPr>
+                                  </m:sSubPr>
+                                  <m:e>
+                                    <m:r>
+                                      <a:rPr lang="en-US" b="1" i="1" smtClean="0">
+                                        <a:latin typeface="Cambria Math" panose="02040503050406030204" pitchFamily="18" charset="0"/>
+                                      </a:rPr>
+                                      <m:t>𝒙</m:t>
+                                    </m:r>
+                                  </m:e>
+                                  <m:sub>
+                                    <m:r>
+                                      <a:rPr lang="en-US" b="0" i="1" smtClean="0">
+                                        <a:latin typeface="Cambria Math" panose="02040503050406030204" pitchFamily="18" charset="0"/>
+                                      </a:rPr>
+                                      <m:t>𝑖</m:t>
+                                    </m:r>
+                                  </m:sub>
+                                </m:sSub>
+                                <m:r>
+                                  <a:rPr lang="en-US" b="0" i="1" smtClean="0">
+                                    <a:latin typeface="Cambria Math" panose="02040503050406030204" pitchFamily="18" charset="0"/>
+                                  </a:rPr>
+                                  <m:t>,</m:t>
+                                </m:r>
+                                <m:r>
+                                  <a:rPr lang="en-US" b="1" i="1" smtClean="0">
+                                    <a:latin typeface="Cambria Math" panose="02040503050406030204" pitchFamily="18" charset="0"/>
+                                  </a:rPr>
+                                  <m:t>𝒘</m:t>
+                                </m:r>
+                              </m:e>
+                            </m:d>
+                          </m:e>
+                        </m:func>
+                      </m:e>
+                    </m:nary>
+                  </m:oMath>
+                </a14:m>
+                <a:endParaRPr lang="en-US" b="0" dirty="0"/>
+              </a:p>
+              <a:p>
+                <a:pPr lvl="1"/>
+                <a14:m>
+                  <m:oMath xmlns:m="http://schemas.openxmlformats.org/officeDocument/2006/math">
+                    <m:r>
+                      <a:rPr lang="en-US" b="0" i="1" smtClean="0">
+                        <a:latin typeface="Cambria Math" panose="02040503050406030204" pitchFamily="18" charset="0"/>
+                      </a:rPr>
+                      <m:t>𝑓</m:t>
+                    </m:r>
+                    <m:d>
+                      <m:dPr>
+                        <m:ctrlPr>
+                          <a:rPr lang="en-US" i="1">
+                            <a:latin typeface="Cambria Math" panose="02040503050406030204" pitchFamily="18" charset="0"/>
+                          </a:rPr>
+                        </m:ctrlPr>
+                      </m:dPr>
+                      <m:e>
+                        <m:r>
+                          <a:rPr lang="en-US" b="1" i="1" smtClean="0">
+                            <a:latin typeface="Cambria Math" panose="02040503050406030204" pitchFamily="18" charset="0"/>
+                          </a:rPr>
+                          <m:t>𝒘</m:t>
+                        </m:r>
+                      </m:e>
+                    </m:d>
+                  </m:oMath>
+                </a14:m>
+                <a:r>
+                  <a:rPr lang="en-US" b="0" dirty="0"/>
+                  <a:t> = loss function = measure of goodness of fit of parameters</a:t>
+                </a:r>
+              </a:p>
+              <a:p>
+                <a:r>
+                  <a:rPr lang="en-US" dirty="0">
+                    <a:solidFill>
+                      <a:schemeClr val="accent1">
+                        <a:lumMod val="60000"/>
+                        <a:lumOff val="40000"/>
+                      </a:schemeClr>
+                    </a:solidFill>
+                  </a:rPr>
+                  <a:t>Loss function:</a:t>
+                </a:r>
+                <a:r>
+                  <a:rPr lang="en-US" dirty="0"/>
+                  <a:t> binary cross entropy (number of classes K=2)</a:t>
+                </a:r>
+                <a:br>
+                  <a:rPr lang="en-US" dirty="0"/>
+                </a:br>
+                <a14:m>
+                  <m:oMath xmlns:m="http://schemas.openxmlformats.org/officeDocument/2006/math">
+                    <m:r>
+                      <a:rPr lang="en-US" i="1">
+                        <a:latin typeface="Cambria Math" panose="02040503050406030204" pitchFamily="18" charset="0"/>
+                      </a:rPr>
+                      <m:t>𝑓</m:t>
+                    </m:r>
+                    <m:d>
+                      <m:dPr>
+                        <m:ctrlPr>
+                          <a:rPr lang="en-US" i="1">
+                            <a:latin typeface="Cambria Math" panose="02040503050406030204" pitchFamily="18" charset="0"/>
+                          </a:rPr>
+                        </m:ctrlPr>
+                      </m:dPr>
+                      <m:e>
+                        <m:r>
+                          <a:rPr lang="en-US" b="1" i="1">
+                            <a:latin typeface="Cambria Math" panose="02040503050406030204" pitchFamily="18" charset="0"/>
+                          </a:rPr>
+                          <m:t>𝒘</m:t>
+                        </m:r>
+                      </m:e>
+                    </m:d>
+                    <m:r>
+                      <a:rPr lang="en-US" i="1">
+                        <a:latin typeface="Cambria Math" panose="02040503050406030204" pitchFamily="18" charset="0"/>
+                      </a:rPr>
+                      <m:t>≔</m:t>
+                    </m:r>
+                    <m:nary>
+                      <m:naryPr>
+                        <m:chr m:val="∑"/>
+                        <m:ctrlPr>
+                          <a:rPr lang="en-US" i="1">
+                            <a:latin typeface="Cambria Math" panose="02040503050406030204" pitchFamily="18" charset="0"/>
+                          </a:rPr>
+                        </m:ctrlPr>
+                      </m:naryPr>
+                      <m:sub>
+                        <m:r>
+                          <m:rPr>
+                            <m:brk m:alnAt="23"/>
+                          </m:rPr>
+                          <a:rPr lang="en-US" i="1">
+                            <a:latin typeface="Cambria Math" panose="02040503050406030204" pitchFamily="18" charset="0"/>
+                          </a:rPr>
+                          <m:t>𝑖</m:t>
+                        </m:r>
+                        <m:r>
+                          <a:rPr lang="en-US" i="1">
+                            <a:latin typeface="Cambria Math" panose="02040503050406030204" pitchFamily="18" charset="0"/>
+                          </a:rPr>
+                          <m:t>=</m:t>
+                        </m:r>
+                        <m:r>
+                          <m:rPr>
+                            <m:brk m:alnAt="23"/>
+                          </m:rPr>
+                          <a:rPr lang="en-US" i="1">
+                            <a:latin typeface="Cambria Math" panose="02040503050406030204" pitchFamily="18" charset="0"/>
+                          </a:rPr>
+                          <m:t>1</m:t>
+                        </m:r>
+                      </m:sub>
+                      <m:sup>
+                        <m:r>
+                          <a:rPr lang="en-US" i="1">
+                            <a:latin typeface="Cambria Math" panose="02040503050406030204" pitchFamily="18" charset="0"/>
+                          </a:rPr>
+                          <m:t>𝑁</m:t>
+                        </m:r>
+                      </m:sup>
+                      <m:e>
+                        <m:d>
+                          <m:dPr>
+                            <m:begChr m:val="{"/>
+                            <m:endChr m:val="}"/>
+                            <m:ctrlPr>
+                              <a:rPr lang="en-US" i="1" smtClean="0">
+                                <a:latin typeface="Cambria Math" panose="02040503050406030204" pitchFamily="18" charset="0"/>
+                              </a:rPr>
+                            </m:ctrlPr>
+                          </m:dPr>
+                          <m:e>
+                            <m:func>
+                              <m:funcPr>
+                                <m:ctrlPr>
+                                  <a:rPr lang="en-US" i="1">
+                                    <a:latin typeface="Cambria Math" panose="02040503050406030204" pitchFamily="18" charset="0"/>
+                                  </a:rPr>
+                                </m:ctrlPr>
+                              </m:funcPr>
+                              <m:fName>
+                                <m:r>
+                                  <m:rPr>
+                                    <m:sty m:val="p"/>
+                                  </m:rPr>
+                                  <a:rPr lang="en-US">
+                                    <a:latin typeface="Cambria Math" panose="02040503050406030204" pitchFamily="18" charset="0"/>
+                                  </a:rPr>
+                                  <m:t>ln</m:t>
+                                </m:r>
+                              </m:fName>
+                              <m:e>
+                                <m:d>
+                                  <m:dPr>
+                                    <m:begChr m:val="["/>
+                                    <m:endChr m:val="]"/>
+                                    <m:ctrlPr>
+                                      <a:rPr lang="en-US" i="1">
+                                        <a:latin typeface="Cambria Math" panose="02040503050406030204" pitchFamily="18" charset="0"/>
+                                      </a:rPr>
+                                    </m:ctrlPr>
+                                  </m:dPr>
+                                  <m:e>
+                                    <m:r>
+                                      <a:rPr lang="en-US" i="1">
+                                        <a:latin typeface="Cambria Math" panose="02040503050406030204" pitchFamily="18" charset="0"/>
+                                      </a:rPr>
+                                      <m:t>1+</m:t>
+                                    </m:r>
+                                    <m:sSup>
+                                      <m:sSupPr>
+                                        <m:ctrlPr>
+                                          <a:rPr lang="en-US" i="1">
+                                            <a:latin typeface="Cambria Math" panose="02040503050406030204" pitchFamily="18" charset="0"/>
+                                          </a:rPr>
+                                        </m:ctrlPr>
+                                      </m:sSupPr>
+                                      <m:e>
+                                        <m:r>
+                                          <a:rPr lang="en-US" i="1">
+                                            <a:latin typeface="Cambria Math" panose="02040503050406030204" pitchFamily="18" charset="0"/>
+                                          </a:rPr>
+                                          <m:t>𝑒</m:t>
+                                        </m:r>
+                                      </m:e>
+                                      <m:sup>
+                                        <m:sSub>
+                                          <m:sSubPr>
+                                            <m:ctrlPr>
+                                              <a:rPr lang="en-US" i="1">
+                                                <a:latin typeface="Cambria Math" panose="02040503050406030204" pitchFamily="18" charset="0"/>
+                                              </a:rPr>
+                                            </m:ctrlPr>
+                                          </m:sSubPr>
+                                          <m:e>
+                                            <m:r>
+                                              <a:rPr lang="en-US" i="1">
+                                                <a:latin typeface="Cambria Math" panose="02040503050406030204" pitchFamily="18" charset="0"/>
+                                              </a:rPr>
+                                              <m:t>𝑧</m:t>
+                                            </m:r>
+                                          </m:e>
+                                          <m:sub>
+                                            <m:r>
+                                              <a:rPr lang="en-US" i="1">
+                                                <a:latin typeface="Cambria Math" panose="02040503050406030204" pitchFamily="18" charset="0"/>
+                                              </a:rPr>
+                                              <m:t>𝑖</m:t>
+                                            </m:r>
+                                          </m:sub>
+                                        </m:sSub>
+                                      </m:sup>
+                                    </m:sSup>
+                                  </m:e>
+                                </m:d>
+                              </m:e>
+                            </m:func>
+                            <m:sSub>
+                              <m:sSubPr>
+                                <m:ctrlPr>
+                                  <a:rPr lang="en-US" i="1">
+                                    <a:latin typeface="Cambria Math" panose="02040503050406030204" pitchFamily="18" charset="0"/>
+                                  </a:rPr>
+                                </m:ctrlPr>
+                              </m:sSubPr>
+                              <m:e>
+                                <m:r>
+                                  <a:rPr lang="en-US" i="1">
+                                    <a:latin typeface="Cambria Math" panose="02040503050406030204" pitchFamily="18" charset="0"/>
+                                  </a:rPr>
+                                  <m:t>−</m:t>
+                                </m:r>
+                                <m:r>
+                                  <a:rPr lang="en-US" i="1">
+                                    <a:latin typeface="Cambria Math" panose="02040503050406030204" pitchFamily="18" charset="0"/>
+                                  </a:rPr>
+                                  <m:t>𝑦</m:t>
+                                </m:r>
+                              </m:e>
+                              <m:sub>
+                                <m:r>
+                                  <a:rPr lang="en-US" i="1">
+                                    <a:latin typeface="Cambria Math" panose="02040503050406030204" pitchFamily="18" charset="0"/>
+                                  </a:rPr>
+                                  <m:t>𝑖</m:t>
+                                </m:r>
+                              </m:sub>
+                            </m:sSub>
+                            <m:sSub>
+                              <m:sSubPr>
+                                <m:ctrlPr>
+                                  <a:rPr lang="en-US" i="1">
+                                    <a:latin typeface="Cambria Math" panose="02040503050406030204" pitchFamily="18" charset="0"/>
+                                  </a:rPr>
+                                </m:ctrlPr>
+                              </m:sSubPr>
+                              <m:e>
+                                <m:r>
+                                  <a:rPr lang="en-US" i="1">
+                                    <a:latin typeface="Cambria Math" panose="02040503050406030204" pitchFamily="18" charset="0"/>
+                                  </a:rPr>
+                                  <m:t>𝑧</m:t>
+                                </m:r>
+                              </m:e>
+                              <m:sub>
+                                <m:r>
+                                  <a:rPr lang="en-US" i="1">
+                                    <a:latin typeface="Cambria Math" panose="02040503050406030204" pitchFamily="18" charset="0"/>
+                                  </a:rPr>
+                                  <m:t>𝑖</m:t>
+                                </m:r>
+                              </m:sub>
+                            </m:sSub>
+                          </m:e>
+                        </m:d>
+                      </m:e>
+                    </m:nary>
+                    <m:r>
+                      <a:rPr lang="en-US" i="1">
+                        <a:latin typeface="Cambria Math" panose="02040503050406030204" pitchFamily="18" charset="0"/>
+                      </a:rPr>
+                      <m:t>, </m:t>
+                    </m:r>
+                    <m:r>
+                      <a:rPr lang="en-US" b="0" i="1" smtClean="0">
+                        <a:latin typeface="Cambria Math" panose="02040503050406030204" pitchFamily="18" charset="0"/>
+                      </a:rPr>
+                      <m:t> </m:t>
+                    </m:r>
+                    <m:sSub>
+                      <m:sSubPr>
+                        <m:ctrlPr>
+                          <a:rPr lang="en-US" b="0" i="1" smtClean="0">
+                            <a:latin typeface="Cambria Math" panose="02040503050406030204" pitchFamily="18" charset="0"/>
+                          </a:rPr>
+                        </m:ctrlPr>
+                      </m:sSubPr>
+                      <m:e>
+                        <m:r>
+                          <a:rPr lang="en-US" i="1">
+                            <a:latin typeface="Cambria Math" panose="02040503050406030204" pitchFamily="18" charset="0"/>
+                          </a:rPr>
+                          <m:t>𝑧</m:t>
+                        </m:r>
+                      </m:e>
+                      <m:sub>
+                        <m:r>
+                          <a:rPr lang="en-US" b="0" i="1" smtClean="0">
+                            <a:latin typeface="Cambria Math" panose="02040503050406030204" pitchFamily="18" charset="0"/>
+                          </a:rPr>
+                          <m:t>𝑖</m:t>
+                        </m:r>
+                      </m:sub>
+                    </m:sSub>
+                    <m:r>
+                      <a:rPr lang="en-US" i="1">
+                        <a:latin typeface="Cambria Math" panose="02040503050406030204" pitchFamily="18" charset="0"/>
+                      </a:rPr>
+                      <m:t>=</m:t>
+                    </m:r>
+                    <m:sSubSup>
+                      <m:sSubSupPr>
+                        <m:ctrlPr>
+                          <a:rPr lang="en-US" i="1">
+                            <a:latin typeface="Cambria Math" panose="02040503050406030204" pitchFamily="18" charset="0"/>
+                          </a:rPr>
+                        </m:ctrlPr>
+                      </m:sSubSupPr>
+                      <m:e>
+                        <m:r>
+                          <a:rPr lang="en-US" b="1" i="1">
+                            <a:latin typeface="Cambria Math" panose="02040503050406030204" pitchFamily="18" charset="0"/>
+                          </a:rPr>
+                          <m:t>𝒘</m:t>
+                        </m:r>
+                      </m:e>
+                      <m:sub>
+                        <m:r>
+                          <a:rPr lang="en-US" i="1">
+                            <a:latin typeface="Cambria Math" panose="02040503050406030204" pitchFamily="18" charset="0"/>
+                          </a:rPr>
+                          <m:t>1:</m:t>
+                        </m:r>
+                        <m:r>
+                          <a:rPr lang="en-US" i="1">
+                            <a:latin typeface="Cambria Math" panose="02040503050406030204" pitchFamily="18" charset="0"/>
+                          </a:rPr>
+                          <m:t>𝑝</m:t>
+                        </m:r>
+                      </m:sub>
+                      <m:sup>
+                        <m:r>
+                          <a:rPr lang="en-US" i="1">
+                            <a:latin typeface="Cambria Math" panose="02040503050406030204" pitchFamily="18" charset="0"/>
+                          </a:rPr>
+                          <m:t>𝑇</m:t>
+                        </m:r>
+                      </m:sup>
+                    </m:sSubSup>
+                    <m:sSub>
+                      <m:sSubPr>
+                        <m:ctrlPr>
+                          <a:rPr lang="en-US" b="1" i="1" smtClean="0">
+                            <a:latin typeface="Cambria Math" panose="02040503050406030204" pitchFamily="18" charset="0"/>
+                          </a:rPr>
+                        </m:ctrlPr>
+                      </m:sSubPr>
+                      <m:e>
+                        <m:r>
+                          <a:rPr lang="en-US" b="1" i="1">
+                            <a:latin typeface="Cambria Math" panose="02040503050406030204" pitchFamily="18" charset="0"/>
+                          </a:rPr>
+                          <m:t>𝒙</m:t>
+                        </m:r>
+                      </m:e>
+                      <m:sub>
+                        <m:r>
+                          <a:rPr lang="en-US" b="0" i="1" smtClean="0">
+                            <a:latin typeface="Cambria Math" panose="02040503050406030204" pitchFamily="18" charset="0"/>
+                          </a:rPr>
+                          <m:t>𝑖</m:t>
+                        </m:r>
+                      </m:sub>
+                    </m:sSub>
+                    <m:r>
+                      <a:rPr lang="en-US" i="1">
+                        <a:latin typeface="Cambria Math" panose="02040503050406030204" pitchFamily="18" charset="0"/>
+                      </a:rPr>
+                      <m:t>+</m:t>
+                    </m:r>
+                    <m:sSub>
+                      <m:sSubPr>
+                        <m:ctrlPr>
+                          <a:rPr lang="en-US" i="1">
+                            <a:latin typeface="Cambria Math" panose="02040503050406030204" pitchFamily="18" charset="0"/>
+                          </a:rPr>
+                        </m:ctrlPr>
+                      </m:sSubPr>
+                      <m:e>
+                        <m:r>
+                          <a:rPr lang="en-US" i="1">
+                            <a:latin typeface="Cambria Math" panose="02040503050406030204" pitchFamily="18" charset="0"/>
+                          </a:rPr>
+                          <m:t>𝑤</m:t>
+                        </m:r>
+                      </m:e>
+                      <m:sub>
+                        <m:r>
+                          <a:rPr lang="en-US" i="1">
+                            <a:latin typeface="Cambria Math" panose="02040503050406030204" pitchFamily="18" charset="0"/>
+                          </a:rPr>
+                          <m:t>0</m:t>
+                        </m:r>
+                      </m:sub>
+                    </m:sSub>
+                  </m:oMath>
+                </a14:m>
+                <a:endParaRPr lang="en-US" b="0" dirty="0"/>
+              </a:p>
+            </p:txBody>
+          </p:sp>
+        </mc:Choice>
+        <mc:Fallback>
+          <p:sp>
+            <p:nvSpPr>
+              <p:cNvPr id="3" name="Content Placeholder 2">
+                <a:extLst>
+                  <a:ext uri="{FF2B5EF4-FFF2-40B4-BE49-F238E27FC236}">
+                    <a16:creationId xmlns:a16="http://schemas.microsoft.com/office/drawing/2014/main" id="{4CAC64C7-D216-4D4F-B198-DE8CF30BD107}"/>
+                  </a:ext>
+                </a:extLst>
+              </p:cNvPr>
+              <p:cNvSpPr>
+                <a:spLocks noGrp="1" noRot="1" noChangeAspect="1" noMove="1" noResize="1" noEditPoints="1" noAdjustHandles="1" noChangeArrowheads="1" noChangeShapeType="1" noTextEdit="1"/>
+              </p:cNvSpPr>
+              <p:nvPr>
+                <p:ph idx="1"/>
+              </p:nvPr>
+            </p:nvSpPr>
+            <p:spPr>
+              <a:blipFill>
+                <a:blip r:embed="rId2"/>
+                <a:stretch>
+                  <a:fillRect l="-1455" t="-1549"/>
+                </a:stretch>
+              </a:blipFill>
+            </p:spPr>
+            <p:txBody>
+              <a:bodyPr/>
+              <a:lstStyle/>
+              <a:p>
+                <a:r>
+                  <a:rPr lang="en-US">
+                    <a:noFill/>
+                  </a:rPr>
+                  <a:t> </a:t>
+                </a:r>
+              </a:p>
+            </p:txBody>
+          </p:sp>
+        </mc:Fallback>
+      </mc:AlternateContent>
+      <p:sp>
+        <p:nvSpPr>
+          <p:cNvPr id="4" name="Slide Number Placeholder 3">
+            <a:extLst>
+              <a:ext uri="{FF2B5EF4-FFF2-40B4-BE49-F238E27FC236}">
+                <a16:creationId xmlns:a16="http://schemas.microsoft.com/office/drawing/2014/main" id="{3BCD7A04-539C-4558-B078-A107FF598E8F}"/>
+              </a:ext>
+            </a:extLst>
+          </p:cNvPr>
+          <p:cNvSpPr>
+            <a:spLocks noGrp="1"/>
+          </p:cNvSpPr>
+          <p:nvPr>
+            <p:ph type="sldNum" sz="quarter" idx="12"/>
+          </p:nvPr>
+        </p:nvSpPr>
+        <p:spPr/>
+        <p:txBody>
+          <a:bodyPr/>
+          <a:lstStyle/>
+          <a:p>
+            <a:fld id="{629637A9-119A-49DA-BD12-AAC58B377D80}" type="slidenum">
+              <a:rPr lang="en-US" smtClean="0"/>
+              <a:t>6</a:t>
+            </a:fld>
+            <a:endParaRPr lang="en-US" dirty="0"/>
+          </a:p>
+        </p:txBody>
+      </p:sp>
+    </p:spTree>
+    <p:extLst>
+      <p:ext uri="{BB962C8B-B14F-4D97-AF65-F5344CB8AC3E}">
+        <p14:creationId xmlns:p14="http://schemas.microsoft.com/office/powerpoint/2010/main" val="460597352"/>
+      </p:ext>
+    </p:extLst>
+  </p:cSld>
+  <p:clrMapOvr>
+    <a:masterClrMapping/>
+  </p:clrMapOvr>
+</p:sld>
+</file>
+
+<file path=ppt/slides/slide60.xml><?xml version="1.0" encoding="utf-8"?>
 <p:sld xmlns:a="http://schemas.openxmlformats.org/drawingml/2006/main" xmlns:r="http://schemas.openxmlformats.org/officeDocument/2006/relationships" xmlns:p="http://schemas.openxmlformats.org/presentationml/2006/main">
   <p:cSld>
     <p:spTree>
@@ -43135,7 +45918,7 @@
           <a:p>
             <a:fld id="{629637A9-119A-49DA-BD12-AAC58B377D80}" type="slidenum">
               <a:rPr lang="en-US" smtClean="0"/>
-              <a:t>58</a:t>
+              <a:t>60</a:t>
             </a:fld>
             <a:endParaRPr lang="en-US" dirty="0"/>
           </a:p>
@@ -43145,1117 +45928,6 @@
     <p:extLst>
       <p:ext uri="{BB962C8B-B14F-4D97-AF65-F5344CB8AC3E}">
         <p14:creationId xmlns:p14="http://schemas.microsoft.com/office/powerpoint/2010/main" val="1856179891"/>
-      </p:ext>
-    </p:extLst>
-  </p:cSld>
-  <p:clrMapOvr>
-    <a:masterClrMapping/>
-  </p:clrMapOvr>
-</p:sld>
-</file>
-
-<file path=ppt/slides/slide6.xml><?xml version="1.0" encoding="utf-8"?>
-<p:sld xmlns:a="http://schemas.openxmlformats.org/drawingml/2006/main" xmlns:r="http://schemas.openxmlformats.org/officeDocument/2006/relationships" xmlns:p="http://schemas.openxmlformats.org/presentationml/2006/main">
-  <p:cSld>
-    <p:spTree>
-      <p:nvGrpSpPr>
-        <p:cNvPr id="1" name=""/>
-        <p:cNvGrpSpPr/>
-        <p:nvPr/>
-      </p:nvGrpSpPr>
-      <p:grpSpPr>
-        <a:xfrm>
-          <a:off x="0" y="0"/>
-          <a:ext cx="0" cy="0"/>
-          <a:chOff x="0" y="0"/>
-          <a:chExt cx="0" cy="0"/>
-        </a:xfrm>
-      </p:grpSpPr>
-      <p:sp>
-        <p:nvSpPr>
-          <p:cNvPr id="2" name="Title 1">
-            <a:extLst>
-              <a:ext uri="{FF2B5EF4-FFF2-40B4-BE49-F238E27FC236}">
-                <a16:creationId xmlns:a16="http://schemas.microsoft.com/office/drawing/2014/main" id="{36A9DB53-B207-4FED-9159-16EA9066533A}"/>
-              </a:ext>
-            </a:extLst>
-          </p:cNvPr>
-          <p:cNvSpPr>
-            <a:spLocks noGrp="1"/>
-          </p:cNvSpPr>
-          <p:nvPr>
-            <p:ph type="title"/>
-          </p:nvPr>
-        </p:nvSpPr>
-        <p:spPr/>
-        <p:txBody>
-          <a:bodyPr/>
-          <a:lstStyle/>
-          <a:p>
-            <a:r>
-              <a:rPr lang="en-US" dirty="0"/>
-              <a:t>Logistic Regression Maximum Likelihood</a:t>
-            </a:r>
-          </a:p>
-        </p:txBody>
-      </p:sp>
-      <mc:AlternateContent xmlns:mc="http://schemas.openxmlformats.org/markup-compatibility/2006" xmlns:a14="http://schemas.microsoft.com/office/drawing/2010/main">
-        <mc:Choice Requires="a14">
-          <p:sp>
-            <p:nvSpPr>
-              <p:cNvPr id="3" name="Content Placeholder 2">
-                <a:extLst>
-                  <a:ext uri="{FF2B5EF4-FFF2-40B4-BE49-F238E27FC236}">
-                    <a16:creationId xmlns:a16="http://schemas.microsoft.com/office/drawing/2014/main" id="{4CAC64C7-D216-4D4F-B198-DE8CF30BD107}"/>
-                  </a:ext>
-                </a:extLst>
-              </p:cNvPr>
-              <p:cNvSpPr>
-                <a:spLocks noGrp="1"/>
-              </p:cNvSpPr>
-              <p:nvPr>
-                <p:ph idx="1"/>
-              </p:nvPr>
-            </p:nvSpPr>
-            <p:spPr/>
-            <p:txBody>
-              <a:bodyPr>
-                <a:normAutofit/>
-              </a:bodyPr>
-              <a:lstStyle/>
-              <a:p>
-                <a:r>
-                  <a:rPr lang="en-US" dirty="0"/>
-                  <a:t>Assume logistic model for the likelihood function:  </a:t>
-                </a:r>
-                <a:br>
-                  <a:rPr lang="en-US" b="0" i="1" dirty="0">
-                    <a:latin typeface="Cambria Math" panose="02040503050406030204" pitchFamily="18" charset="0"/>
-                  </a:rPr>
-                </a:br>
-                <a14:m>
-                  <m:oMath xmlns:m="http://schemas.openxmlformats.org/officeDocument/2006/math">
-                    <m:r>
-                      <a:rPr lang="en-US" b="0" i="1" smtClean="0">
-                        <a:latin typeface="Cambria Math" panose="02040503050406030204" pitchFamily="18" charset="0"/>
-                      </a:rPr>
-                      <m:t>𝑃</m:t>
-                    </m:r>
-                    <m:d>
-                      <m:dPr>
-                        <m:ctrlPr>
-                          <a:rPr lang="en-US" b="0" i="1" smtClean="0">
-                            <a:latin typeface="Cambria Math" panose="02040503050406030204" pitchFamily="18" charset="0"/>
-                          </a:rPr>
-                        </m:ctrlPr>
-                      </m:dPr>
-                      <m:e>
-                        <m:r>
-                          <a:rPr lang="en-US" b="0" i="1" smtClean="0">
-                            <a:latin typeface="Cambria Math" panose="02040503050406030204" pitchFamily="18" charset="0"/>
-                          </a:rPr>
-                          <m:t>𝑦</m:t>
-                        </m:r>
-                        <m:r>
-                          <a:rPr lang="en-US" b="0" i="1" smtClean="0">
-                            <a:latin typeface="Cambria Math" panose="02040503050406030204" pitchFamily="18" charset="0"/>
-                          </a:rPr>
-                          <m:t>=1</m:t>
-                        </m:r>
-                      </m:e>
-                      <m:e>
-                        <m:r>
-                          <a:rPr lang="en-US" b="1" i="1" smtClean="0">
-                            <a:latin typeface="Cambria Math" panose="02040503050406030204" pitchFamily="18" charset="0"/>
-                          </a:rPr>
-                          <m:t>𝒙</m:t>
-                        </m:r>
-                        <m:r>
-                          <a:rPr lang="en-US" b="0" i="1" smtClean="0">
-                            <a:latin typeface="Cambria Math" panose="02040503050406030204" pitchFamily="18" charset="0"/>
-                          </a:rPr>
-                          <m:t>,</m:t>
-                        </m:r>
-                        <m:r>
-                          <a:rPr lang="en-US" b="1" i="1" smtClean="0">
-                            <a:latin typeface="Cambria Math" panose="02040503050406030204" pitchFamily="18" charset="0"/>
-                          </a:rPr>
-                          <m:t>𝒘</m:t>
-                        </m:r>
-                      </m:e>
-                    </m:d>
-                    <m:r>
-                      <a:rPr lang="en-US" b="0" i="1" smtClean="0">
-                        <a:latin typeface="Cambria Math" panose="02040503050406030204" pitchFamily="18" charset="0"/>
-                      </a:rPr>
-                      <m:t>=</m:t>
-                    </m:r>
-                    <m:f>
-                      <m:fPr>
-                        <m:ctrlPr>
-                          <a:rPr lang="en-US" b="0" i="1" smtClean="0">
-                            <a:latin typeface="Cambria Math" panose="02040503050406030204" pitchFamily="18" charset="0"/>
-                          </a:rPr>
-                        </m:ctrlPr>
-                      </m:fPr>
-                      <m:num>
-                        <m:r>
-                          <a:rPr lang="en-US" b="0" i="1" smtClean="0">
-                            <a:latin typeface="Cambria Math" panose="02040503050406030204" pitchFamily="18" charset="0"/>
-                          </a:rPr>
-                          <m:t>1</m:t>
-                        </m:r>
-                      </m:num>
-                      <m:den>
-                        <m:r>
-                          <a:rPr lang="en-US" b="0" i="1" smtClean="0">
-                            <a:latin typeface="Cambria Math" panose="02040503050406030204" pitchFamily="18" charset="0"/>
-                          </a:rPr>
-                          <m:t>1+</m:t>
-                        </m:r>
-                        <m:sSup>
-                          <m:sSupPr>
-                            <m:ctrlPr>
-                              <a:rPr lang="en-US" b="0" i="1" smtClean="0">
-                                <a:latin typeface="Cambria Math" panose="02040503050406030204" pitchFamily="18" charset="0"/>
-                              </a:rPr>
-                            </m:ctrlPr>
-                          </m:sSupPr>
-                          <m:e>
-                            <m:r>
-                              <a:rPr lang="en-US" b="0" i="1" smtClean="0">
-                                <a:latin typeface="Cambria Math" panose="02040503050406030204" pitchFamily="18" charset="0"/>
-                              </a:rPr>
-                              <m:t>𝑒</m:t>
-                            </m:r>
-                          </m:e>
-                          <m:sup>
-                            <m:r>
-                              <a:rPr lang="en-US" b="0" i="1" smtClean="0">
-                                <a:latin typeface="Cambria Math" panose="02040503050406030204" pitchFamily="18" charset="0"/>
-                              </a:rPr>
-                              <m:t>−</m:t>
-                            </m:r>
-                            <m:r>
-                              <a:rPr lang="en-US" b="0" i="1" smtClean="0">
-                                <a:latin typeface="Cambria Math" panose="02040503050406030204" pitchFamily="18" charset="0"/>
-                              </a:rPr>
-                              <m:t>𝑧</m:t>
-                            </m:r>
-                          </m:sup>
-                        </m:sSup>
-                      </m:den>
-                    </m:f>
-                    <m:r>
-                      <a:rPr lang="en-US" b="0" i="1" smtClean="0">
-                        <a:latin typeface="Cambria Math" panose="02040503050406030204" pitchFamily="18" charset="0"/>
-                      </a:rPr>
-                      <m:t>,   </m:t>
-                    </m:r>
-                    <m:r>
-                      <a:rPr lang="en-US" b="0" i="1" smtClean="0">
-                        <a:latin typeface="Cambria Math" panose="02040503050406030204" pitchFamily="18" charset="0"/>
-                      </a:rPr>
-                      <m:t>𝑧</m:t>
-                    </m:r>
-                    <m:r>
-                      <a:rPr lang="en-US" b="0" i="1" smtClean="0">
-                        <a:latin typeface="Cambria Math" panose="02040503050406030204" pitchFamily="18" charset="0"/>
-                      </a:rPr>
-                      <m:t>=</m:t>
-                    </m:r>
-                    <m:sSubSup>
-                      <m:sSubSupPr>
-                        <m:ctrlPr>
-                          <a:rPr lang="en-US" b="0" i="1" smtClean="0">
-                            <a:latin typeface="Cambria Math" panose="02040503050406030204" pitchFamily="18" charset="0"/>
-                          </a:rPr>
-                        </m:ctrlPr>
-                      </m:sSubSupPr>
-                      <m:e>
-                        <m:r>
-                          <a:rPr lang="en-US" b="1" i="1" smtClean="0">
-                            <a:latin typeface="Cambria Math" panose="02040503050406030204" pitchFamily="18" charset="0"/>
-                          </a:rPr>
-                          <m:t>𝒘</m:t>
-                        </m:r>
-                      </m:e>
-                      <m:sub>
-                        <m:r>
-                          <a:rPr lang="en-US" b="0" i="1" smtClean="0">
-                            <a:latin typeface="Cambria Math" panose="02040503050406030204" pitchFamily="18" charset="0"/>
-                          </a:rPr>
-                          <m:t>1:</m:t>
-                        </m:r>
-                        <m:r>
-                          <a:rPr lang="en-US" b="0" i="1" smtClean="0">
-                            <a:latin typeface="Cambria Math" panose="02040503050406030204" pitchFamily="18" charset="0"/>
-                          </a:rPr>
-                          <m:t>𝑝</m:t>
-                        </m:r>
-                      </m:sub>
-                      <m:sup>
-                        <m:r>
-                          <a:rPr lang="en-US" b="0" i="1" smtClean="0">
-                            <a:latin typeface="Cambria Math" panose="02040503050406030204" pitchFamily="18" charset="0"/>
-                          </a:rPr>
-                          <m:t>𝑇</m:t>
-                        </m:r>
-                      </m:sup>
-                    </m:sSubSup>
-                    <m:r>
-                      <a:rPr lang="en-US" b="1" i="1" smtClean="0">
-                        <a:latin typeface="Cambria Math" panose="02040503050406030204" pitchFamily="18" charset="0"/>
-                      </a:rPr>
-                      <m:t>𝒙</m:t>
-                    </m:r>
-                    <m:r>
-                      <a:rPr lang="en-US" b="0" i="1" smtClean="0">
-                        <a:latin typeface="Cambria Math" panose="02040503050406030204" pitchFamily="18" charset="0"/>
-                      </a:rPr>
-                      <m:t>+</m:t>
-                    </m:r>
-                    <m:sSub>
-                      <m:sSubPr>
-                        <m:ctrlPr>
-                          <a:rPr lang="en-US" b="0" i="1" smtClean="0">
-                            <a:latin typeface="Cambria Math" panose="02040503050406030204" pitchFamily="18" charset="0"/>
-                          </a:rPr>
-                        </m:ctrlPr>
-                      </m:sSubPr>
-                      <m:e>
-                        <m:r>
-                          <a:rPr lang="en-US" b="0" i="1" smtClean="0">
-                            <a:latin typeface="Cambria Math" panose="02040503050406030204" pitchFamily="18" charset="0"/>
-                          </a:rPr>
-                          <m:t>𝑤</m:t>
-                        </m:r>
-                      </m:e>
-                      <m:sub>
-                        <m:r>
-                          <a:rPr lang="en-US" b="0" i="1" smtClean="0">
-                            <a:latin typeface="Cambria Math" panose="02040503050406030204" pitchFamily="18" charset="0"/>
-                          </a:rPr>
-                          <m:t>0</m:t>
-                        </m:r>
-                      </m:sub>
-                    </m:sSub>
-                  </m:oMath>
-                </a14:m>
-                <a:endParaRPr lang="en-US" dirty="0"/>
-              </a:p>
-              <a:p>
-                <a:pPr lvl="1"/>
-                <a14:m>
-                  <m:oMath xmlns:m="http://schemas.openxmlformats.org/officeDocument/2006/math">
-                    <m:r>
-                      <a:rPr lang="en-US" b="1" i="1">
-                        <a:latin typeface="Cambria Math" panose="02040503050406030204" pitchFamily="18" charset="0"/>
-                      </a:rPr>
-                      <m:t>𝒘</m:t>
-                    </m:r>
-                    <m:r>
-                      <a:rPr lang="en-US" b="1" i="1">
-                        <a:latin typeface="Cambria Math" panose="02040503050406030204" pitchFamily="18" charset="0"/>
-                      </a:rPr>
-                      <m:t> </m:t>
-                    </m:r>
-                  </m:oMath>
-                </a14:m>
-                <a:r>
-                  <a:rPr lang="en-US" dirty="0"/>
-                  <a:t>= unknown weights</a:t>
-                </a:r>
-              </a:p>
-              <a:p>
-                <a:r>
-                  <a:rPr lang="en-US" dirty="0"/>
-                  <a:t>ML (Maximum Likelihood) estimation:  Minimize the negative log likelihood:</a:t>
-                </a:r>
-                <a:br>
-                  <a:rPr lang="en-US" dirty="0"/>
-                </a:br>
-                <a14:m>
-                  <m:oMath xmlns:m="http://schemas.openxmlformats.org/officeDocument/2006/math">
-                    <m:acc>
-                      <m:accPr>
-                        <m:chr m:val="̂"/>
-                        <m:ctrlPr>
-                          <a:rPr lang="en-US" b="0" i="1" smtClean="0">
-                            <a:latin typeface="Cambria Math" panose="02040503050406030204" pitchFamily="18" charset="0"/>
-                          </a:rPr>
-                        </m:ctrlPr>
-                      </m:accPr>
-                      <m:e>
-                        <m:r>
-                          <a:rPr lang="en-US" b="0" i="1" smtClean="0">
-                            <a:latin typeface="Cambria Math" panose="02040503050406030204" pitchFamily="18" charset="0"/>
-                          </a:rPr>
-                          <m:t>𝑤</m:t>
-                        </m:r>
-                      </m:e>
-                    </m:acc>
-                    <m:r>
-                      <a:rPr lang="en-US" b="0" i="1" smtClean="0">
-                        <a:latin typeface="Cambria Math" panose="02040503050406030204" pitchFamily="18" charset="0"/>
-                      </a:rPr>
-                      <m:t>=</m:t>
-                    </m:r>
-                    <m:func>
-                      <m:funcPr>
-                        <m:ctrlPr>
-                          <a:rPr lang="en-US" b="0" i="1" smtClean="0">
-                            <a:latin typeface="Cambria Math" panose="02040503050406030204" pitchFamily="18" charset="0"/>
-                          </a:rPr>
-                        </m:ctrlPr>
-                      </m:funcPr>
-                      <m:fName>
-                        <m:r>
-                          <m:rPr>
-                            <m:sty m:val="p"/>
-                          </m:rPr>
-                          <a:rPr lang="en-US" b="0" i="0" smtClean="0">
-                            <a:latin typeface="Cambria Math" panose="02040503050406030204" pitchFamily="18" charset="0"/>
-                          </a:rPr>
-                          <m:t>arg</m:t>
-                        </m:r>
-                      </m:fName>
-                      <m:e>
-                        <m:func>
-                          <m:funcPr>
-                            <m:ctrlPr>
-                              <a:rPr lang="en-US" b="0" i="1" smtClean="0">
-                                <a:latin typeface="Cambria Math" panose="02040503050406030204" pitchFamily="18" charset="0"/>
-                              </a:rPr>
-                            </m:ctrlPr>
-                          </m:funcPr>
-                          <m:fName>
-                            <m:limLow>
-                              <m:limLowPr>
-                                <m:ctrlPr>
-                                  <a:rPr lang="en-US" b="0" i="1" smtClean="0">
-                                    <a:latin typeface="Cambria Math" panose="02040503050406030204" pitchFamily="18" charset="0"/>
-                                  </a:rPr>
-                                </m:ctrlPr>
-                              </m:limLowPr>
-                              <m:e>
-                                <m:r>
-                                  <m:rPr>
-                                    <m:sty m:val="p"/>
-                                  </m:rPr>
-                                  <a:rPr lang="en-US" b="0" i="0" smtClean="0">
-                                    <a:latin typeface="Cambria Math" panose="02040503050406030204" pitchFamily="18" charset="0"/>
-                                  </a:rPr>
-                                  <m:t>min</m:t>
-                                </m:r>
-                              </m:e>
-                              <m:lim>
-                                <m:r>
-                                  <a:rPr lang="en-US" b="0" i="1" smtClean="0">
-                                    <a:latin typeface="Cambria Math" panose="02040503050406030204" pitchFamily="18" charset="0"/>
-                                  </a:rPr>
-                                  <m:t>𝑤</m:t>
-                                </m:r>
-                              </m:lim>
-                            </m:limLow>
-                          </m:fName>
-                          <m:e>
-                            <m:r>
-                              <a:rPr lang="en-US" b="0" i="1" smtClean="0">
-                                <a:latin typeface="Cambria Math" panose="02040503050406030204" pitchFamily="18" charset="0"/>
-                              </a:rPr>
-                              <m:t>𝑓</m:t>
-                            </m:r>
-                            <m:d>
-                              <m:dPr>
-                                <m:ctrlPr>
-                                  <a:rPr lang="en-US" b="0" i="1" smtClean="0">
-                                    <a:latin typeface="Cambria Math" panose="02040503050406030204" pitchFamily="18" charset="0"/>
-                                  </a:rPr>
-                                </m:ctrlPr>
-                              </m:dPr>
-                              <m:e>
-                                <m:r>
-                                  <a:rPr lang="en-US" b="0" i="1" smtClean="0">
-                                    <a:latin typeface="Cambria Math" panose="02040503050406030204" pitchFamily="18" charset="0"/>
-                                  </a:rPr>
-                                  <m:t>𝑤</m:t>
-                                </m:r>
-                              </m:e>
-                            </m:d>
-                            <m:r>
-                              <a:rPr lang="en-US" b="0" i="1" smtClean="0">
-                                <a:latin typeface="Cambria Math" panose="02040503050406030204" pitchFamily="18" charset="0"/>
-                              </a:rPr>
-                              <m:t>,  </m:t>
-                            </m:r>
-                          </m:e>
-                        </m:func>
-                      </m:e>
-                    </m:func>
-                    <m:r>
-                      <a:rPr lang="en-US" b="0" i="1" smtClean="0">
-                        <a:latin typeface="Cambria Math" panose="02040503050406030204" pitchFamily="18" charset="0"/>
-                      </a:rPr>
-                      <m:t>    </m:t>
-                    </m:r>
-                    <m:r>
-                      <a:rPr lang="en-US" b="0" i="1" smtClean="0">
-                        <a:latin typeface="Cambria Math" panose="02040503050406030204" pitchFamily="18" charset="0"/>
-                      </a:rPr>
-                      <m:t>𝑓</m:t>
-                    </m:r>
-                    <m:d>
-                      <m:dPr>
-                        <m:ctrlPr>
-                          <a:rPr lang="en-US" b="0" i="1" smtClean="0">
-                            <a:latin typeface="Cambria Math" panose="02040503050406030204" pitchFamily="18" charset="0"/>
-                          </a:rPr>
-                        </m:ctrlPr>
-                      </m:dPr>
-                      <m:e>
-                        <m:r>
-                          <a:rPr lang="en-US" b="0" i="1" smtClean="0">
-                            <a:latin typeface="Cambria Math" panose="02040503050406030204" pitchFamily="18" charset="0"/>
-                          </a:rPr>
-                          <m:t>𝑤</m:t>
-                        </m:r>
-                      </m:e>
-                    </m:d>
-                    <m:r>
-                      <a:rPr lang="en-US" b="0" i="1" smtClean="0">
-                        <a:latin typeface="Cambria Math" panose="02040503050406030204" pitchFamily="18" charset="0"/>
-                      </a:rPr>
-                      <m:t>≔−</m:t>
-                    </m:r>
-                    <m:nary>
-                      <m:naryPr>
-                        <m:chr m:val="∑"/>
-                        <m:ctrlPr>
-                          <a:rPr lang="en-US" b="0" i="1" smtClean="0">
-                            <a:latin typeface="Cambria Math" panose="02040503050406030204" pitchFamily="18" charset="0"/>
-                          </a:rPr>
-                        </m:ctrlPr>
-                      </m:naryPr>
-                      <m:sub>
-                        <m:r>
-                          <m:rPr>
-                            <m:brk m:alnAt="23"/>
-                          </m:rPr>
-                          <a:rPr lang="en-US" b="0" i="1" smtClean="0">
-                            <a:latin typeface="Cambria Math" panose="02040503050406030204" pitchFamily="18" charset="0"/>
-                          </a:rPr>
-                          <m:t>𝑖</m:t>
-                        </m:r>
-                        <m:r>
-                          <a:rPr lang="en-US" b="0" i="1" smtClean="0">
-                            <a:latin typeface="Cambria Math" panose="02040503050406030204" pitchFamily="18" charset="0"/>
-                          </a:rPr>
-                          <m:t>=1</m:t>
-                        </m:r>
-                      </m:sub>
-                      <m:sup>
-                        <m:r>
-                          <a:rPr lang="en-US" b="0" i="1" smtClean="0">
-                            <a:latin typeface="Cambria Math" panose="02040503050406030204" pitchFamily="18" charset="0"/>
-                          </a:rPr>
-                          <m:t>𝑁</m:t>
-                        </m:r>
-                      </m:sup>
-                      <m:e>
-                        <m:func>
-                          <m:funcPr>
-                            <m:ctrlPr>
-                              <a:rPr lang="en-US" b="0" i="1" smtClean="0">
-                                <a:latin typeface="Cambria Math" panose="02040503050406030204" pitchFamily="18" charset="0"/>
-                              </a:rPr>
-                            </m:ctrlPr>
-                          </m:funcPr>
-                          <m:fName>
-                            <m:r>
-                              <m:rPr>
-                                <m:sty m:val="p"/>
-                              </m:rPr>
-                              <a:rPr lang="en-US" b="0" i="0" smtClean="0">
-                                <a:latin typeface="Cambria Math" panose="02040503050406030204" pitchFamily="18" charset="0"/>
-                              </a:rPr>
-                              <m:t>ln</m:t>
-                            </m:r>
-                          </m:fName>
-                          <m:e>
-                            <m:r>
-                              <a:rPr lang="en-US" b="0" i="1" smtClean="0">
-                                <a:latin typeface="Cambria Math" panose="02040503050406030204" pitchFamily="18" charset="0"/>
-                              </a:rPr>
-                              <m:t>𝑃</m:t>
-                            </m:r>
-                            <m:d>
-                              <m:dPr>
-                                <m:ctrlPr>
-                                  <a:rPr lang="en-US" b="0" i="1" smtClean="0">
-                                    <a:latin typeface="Cambria Math" panose="02040503050406030204" pitchFamily="18" charset="0"/>
-                                  </a:rPr>
-                                </m:ctrlPr>
-                              </m:dPr>
-                              <m:e>
-                                <m:sSub>
-                                  <m:sSubPr>
-                                    <m:ctrlPr>
-                                      <a:rPr lang="en-US" b="0" i="1" smtClean="0">
-                                        <a:latin typeface="Cambria Math" panose="02040503050406030204" pitchFamily="18" charset="0"/>
-                                      </a:rPr>
-                                    </m:ctrlPr>
-                                  </m:sSubPr>
-                                  <m:e>
-                                    <m:r>
-                                      <a:rPr lang="en-US" b="0" i="1" smtClean="0">
-                                        <a:latin typeface="Cambria Math" panose="02040503050406030204" pitchFamily="18" charset="0"/>
-                                      </a:rPr>
-                                      <m:t>𝑦</m:t>
-                                    </m:r>
-                                  </m:e>
-                                  <m:sub>
-                                    <m:r>
-                                      <a:rPr lang="en-US" b="0" i="1" smtClean="0">
-                                        <a:latin typeface="Cambria Math" panose="02040503050406030204" pitchFamily="18" charset="0"/>
-                                      </a:rPr>
-                                      <m:t>𝑖</m:t>
-                                    </m:r>
-                                  </m:sub>
-                                </m:sSub>
-                              </m:e>
-                              <m:e>
-                                <m:sSub>
-                                  <m:sSubPr>
-                                    <m:ctrlPr>
-                                      <a:rPr lang="en-US" b="0" i="1" smtClean="0">
-                                        <a:latin typeface="Cambria Math" panose="02040503050406030204" pitchFamily="18" charset="0"/>
-                                      </a:rPr>
-                                    </m:ctrlPr>
-                                  </m:sSubPr>
-                                  <m:e>
-                                    <m:r>
-                                      <a:rPr lang="en-US" b="1" i="1" smtClean="0">
-                                        <a:latin typeface="Cambria Math" panose="02040503050406030204" pitchFamily="18" charset="0"/>
-                                      </a:rPr>
-                                      <m:t>𝒙</m:t>
-                                    </m:r>
-                                  </m:e>
-                                  <m:sub>
-                                    <m:r>
-                                      <a:rPr lang="en-US" b="0" i="1" smtClean="0">
-                                        <a:latin typeface="Cambria Math" panose="02040503050406030204" pitchFamily="18" charset="0"/>
-                                      </a:rPr>
-                                      <m:t>𝑖</m:t>
-                                    </m:r>
-                                  </m:sub>
-                                </m:sSub>
-                                <m:r>
-                                  <a:rPr lang="en-US" b="0" i="1" smtClean="0">
-                                    <a:latin typeface="Cambria Math" panose="02040503050406030204" pitchFamily="18" charset="0"/>
-                                  </a:rPr>
-                                  <m:t>,</m:t>
-                                </m:r>
-                                <m:r>
-                                  <a:rPr lang="en-US" b="1" i="1" smtClean="0">
-                                    <a:latin typeface="Cambria Math" panose="02040503050406030204" pitchFamily="18" charset="0"/>
-                                  </a:rPr>
-                                  <m:t>𝒘</m:t>
-                                </m:r>
-                              </m:e>
-                            </m:d>
-                          </m:e>
-                        </m:func>
-                      </m:e>
-                    </m:nary>
-                  </m:oMath>
-                </a14:m>
-                <a:endParaRPr lang="en-US" b="0" dirty="0"/>
-              </a:p>
-              <a:p>
-                <a:pPr lvl="1"/>
-                <a14:m>
-                  <m:oMath xmlns:m="http://schemas.openxmlformats.org/officeDocument/2006/math">
-                    <m:r>
-                      <a:rPr lang="en-US" b="0" i="1" smtClean="0">
-                        <a:latin typeface="Cambria Math" panose="02040503050406030204" pitchFamily="18" charset="0"/>
-                      </a:rPr>
-                      <m:t>𝑓</m:t>
-                    </m:r>
-                    <m:d>
-                      <m:dPr>
-                        <m:ctrlPr>
-                          <a:rPr lang="en-US" i="1">
-                            <a:latin typeface="Cambria Math" panose="02040503050406030204" pitchFamily="18" charset="0"/>
-                          </a:rPr>
-                        </m:ctrlPr>
-                      </m:dPr>
-                      <m:e>
-                        <m:r>
-                          <a:rPr lang="en-US" b="1" i="1" smtClean="0">
-                            <a:latin typeface="Cambria Math" panose="02040503050406030204" pitchFamily="18" charset="0"/>
-                          </a:rPr>
-                          <m:t>𝒘</m:t>
-                        </m:r>
-                      </m:e>
-                    </m:d>
-                  </m:oMath>
-                </a14:m>
-                <a:r>
-                  <a:rPr lang="en-US" b="0" dirty="0"/>
-                  <a:t> = loss function = measure of goodness of fit of parameters</a:t>
-                </a:r>
-              </a:p>
-              <a:p>
-                <a:r>
-                  <a:rPr lang="en-US" dirty="0"/>
-                  <a:t>Loss function = binary cross entropy (number of classes K=2)</a:t>
-                </a:r>
-                <a:br>
-                  <a:rPr lang="en-US" dirty="0"/>
-                </a:br>
-                <a14:m>
-                  <m:oMath xmlns:m="http://schemas.openxmlformats.org/officeDocument/2006/math">
-                    <m:r>
-                      <a:rPr lang="en-US" i="1">
-                        <a:latin typeface="Cambria Math" panose="02040503050406030204" pitchFamily="18" charset="0"/>
-                      </a:rPr>
-                      <m:t>𝑓</m:t>
-                    </m:r>
-                    <m:d>
-                      <m:dPr>
-                        <m:ctrlPr>
-                          <a:rPr lang="en-US" i="1">
-                            <a:latin typeface="Cambria Math" panose="02040503050406030204" pitchFamily="18" charset="0"/>
-                          </a:rPr>
-                        </m:ctrlPr>
-                      </m:dPr>
-                      <m:e>
-                        <m:r>
-                          <a:rPr lang="en-US" b="1" i="1">
-                            <a:latin typeface="Cambria Math" panose="02040503050406030204" pitchFamily="18" charset="0"/>
-                          </a:rPr>
-                          <m:t>𝒘</m:t>
-                        </m:r>
-                      </m:e>
-                    </m:d>
-                    <m:r>
-                      <a:rPr lang="en-US" i="1">
-                        <a:latin typeface="Cambria Math" panose="02040503050406030204" pitchFamily="18" charset="0"/>
-                      </a:rPr>
-                      <m:t>≔</m:t>
-                    </m:r>
-                    <m:nary>
-                      <m:naryPr>
-                        <m:chr m:val="∑"/>
-                        <m:ctrlPr>
-                          <a:rPr lang="en-US" i="1">
-                            <a:latin typeface="Cambria Math" panose="02040503050406030204" pitchFamily="18" charset="0"/>
-                          </a:rPr>
-                        </m:ctrlPr>
-                      </m:naryPr>
-                      <m:sub>
-                        <m:r>
-                          <m:rPr>
-                            <m:brk m:alnAt="23"/>
-                          </m:rPr>
-                          <a:rPr lang="en-US" i="1">
-                            <a:latin typeface="Cambria Math" panose="02040503050406030204" pitchFamily="18" charset="0"/>
-                          </a:rPr>
-                          <m:t>𝑖</m:t>
-                        </m:r>
-                        <m:r>
-                          <a:rPr lang="en-US" i="1">
-                            <a:latin typeface="Cambria Math" panose="02040503050406030204" pitchFamily="18" charset="0"/>
-                          </a:rPr>
-                          <m:t>=</m:t>
-                        </m:r>
-                        <m:r>
-                          <m:rPr>
-                            <m:brk m:alnAt="23"/>
-                          </m:rPr>
-                          <a:rPr lang="en-US" i="1">
-                            <a:latin typeface="Cambria Math" panose="02040503050406030204" pitchFamily="18" charset="0"/>
-                          </a:rPr>
-                          <m:t>1</m:t>
-                        </m:r>
-                      </m:sub>
-                      <m:sup>
-                        <m:r>
-                          <a:rPr lang="en-US" i="1">
-                            <a:latin typeface="Cambria Math" panose="02040503050406030204" pitchFamily="18" charset="0"/>
-                          </a:rPr>
-                          <m:t>𝑁</m:t>
-                        </m:r>
-                      </m:sup>
-                      <m:e>
-                        <m:sSub>
-                          <m:sSubPr>
-                            <m:ctrlPr>
-                              <a:rPr lang="en-US" i="1">
-                                <a:latin typeface="Cambria Math" panose="02040503050406030204" pitchFamily="18" charset="0"/>
-                              </a:rPr>
-                            </m:ctrlPr>
-                          </m:sSubPr>
-                          <m:e>
-                            <m:r>
-                              <a:rPr lang="en-US" i="1">
-                                <a:latin typeface="Cambria Math" panose="02040503050406030204" pitchFamily="18" charset="0"/>
-                              </a:rPr>
-                              <m:t>−</m:t>
-                            </m:r>
-                            <m:r>
-                              <a:rPr lang="en-US" i="1">
-                                <a:latin typeface="Cambria Math" panose="02040503050406030204" pitchFamily="18" charset="0"/>
-                              </a:rPr>
-                              <m:t>𝑦</m:t>
-                            </m:r>
-                          </m:e>
-                          <m:sub>
-                            <m:r>
-                              <a:rPr lang="en-US" i="1">
-                                <a:latin typeface="Cambria Math" panose="02040503050406030204" pitchFamily="18" charset="0"/>
-                              </a:rPr>
-                              <m:t>𝑖</m:t>
-                            </m:r>
-                          </m:sub>
-                        </m:sSub>
-                        <m:sSub>
-                          <m:sSubPr>
-                            <m:ctrlPr>
-                              <a:rPr lang="en-US" i="1">
-                                <a:latin typeface="Cambria Math" panose="02040503050406030204" pitchFamily="18" charset="0"/>
-                              </a:rPr>
-                            </m:ctrlPr>
-                          </m:sSubPr>
-                          <m:e>
-                            <m:r>
-                              <a:rPr lang="en-US" i="1">
-                                <a:latin typeface="Cambria Math" panose="02040503050406030204" pitchFamily="18" charset="0"/>
-                              </a:rPr>
-                              <m:t>𝑧</m:t>
-                            </m:r>
-                          </m:e>
-                          <m:sub>
-                            <m:r>
-                              <a:rPr lang="en-US" i="1">
-                                <a:latin typeface="Cambria Math" panose="02040503050406030204" pitchFamily="18" charset="0"/>
-                              </a:rPr>
-                              <m:t>𝑖</m:t>
-                            </m:r>
-                          </m:sub>
-                        </m:sSub>
-                        <m:r>
-                          <a:rPr lang="en-US" b="0" i="1" smtClean="0">
-                            <a:latin typeface="Cambria Math" panose="02040503050406030204" pitchFamily="18" charset="0"/>
-                          </a:rPr>
-                          <m:t>+</m:t>
-                        </m:r>
-                        <m:func>
-                          <m:funcPr>
-                            <m:ctrlPr>
-                              <a:rPr lang="en-US" b="0" i="1" smtClean="0">
-                                <a:latin typeface="Cambria Math" panose="02040503050406030204" pitchFamily="18" charset="0"/>
-                              </a:rPr>
-                            </m:ctrlPr>
-                          </m:funcPr>
-                          <m:fName>
-                            <m:r>
-                              <m:rPr>
-                                <m:sty m:val="p"/>
-                              </m:rPr>
-                              <a:rPr lang="en-US" b="0" i="0" smtClean="0">
-                                <a:latin typeface="Cambria Math" panose="02040503050406030204" pitchFamily="18" charset="0"/>
-                              </a:rPr>
-                              <m:t>ln</m:t>
-                            </m:r>
-                          </m:fName>
-                          <m:e>
-                            <m:d>
-                              <m:dPr>
-                                <m:begChr m:val="["/>
-                                <m:endChr m:val="]"/>
-                                <m:ctrlPr>
-                                  <a:rPr lang="en-US" b="0" i="1" smtClean="0">
-                                    <a:latin typeface="Cambria Math" panose="02040503050406030204" pitchFamily="18" charset="0"/>
-                                  </a:rPr>
-                                </m:ctrlPr>
-                              </m:dPr>
-                              <m:e>
-                                <m:r>
-                                  <a:rPr lang="en-US" b="0" i="1" smtClean="0">
-                                    <a:latin typeface="Cambria Math" panose="02040503050406030204" pitchFamily="18" charset="0"/>
-                                  </a:rPr>
-                                  <m:t>1+</m:t>
-                                </m:r>
-                                <m:sSup>
-                                  <m:sSupPr>
-                                    <m:ctrlPr>
-                                      <a:rPr lang="en-US" b="0" i="1" smtClean="0">
-                                        <a:latin typeface="Cambria Math" panose="02040503050406030204" pitchFamily="18" charset="0"/>
-                                      </a:rPr>
-                                    </m:ctrlPr>
-                                  </m:sSupPr>
-                                  <m:e>
-                                    <m:r>
-                                      <a:rPr lang="en-US" b="0" i="1" smtClean="0">
-                                        <a:latin typeface="Cambria Math" panose="02040503050406030204" pitchFamily="18" charset="0"/>
-                                      </a:rPr>
-                                      <m:t>𝑒</m:t>
-                                    </m:r>
-                                  </m:e>
-                                  <m:sup>
-                                    <m:sSub>
-                                      <m:sSubPr>
-                                        <m:ctrlPr>
-                                          <a:rPr lang="en-US" b="0" i="1" smtClean="0">
-                                            <a:latin typeface="Cambria Math" panose="02040503050406030204" pitchFamily="18" charset="0"/>
-                                          </a:rPr>
-                                        </m:ctrlPr>
-                                      </m:sSubPr>
-                                      <m:e>
-                                        <m:r>
-                                          <a:rPr lang="en-US" b="0" i="1" smtClean="0">
-                                            <a:latin typeface="Cambria Math" panose="02040503050406030204" pitchFamily="18" charset="0"/>
-                                          </a:rPr>
-                                          <m:t>𝑧</m:t>
-                                        </m:r>
-                                      </m:e>
-                                      <m:sub>
-                                        <m:r>
-                                          <a:rPr lang="en-US" b="0" i="1" smtClean="0">
-                                            <a:latin typeface="Cambria Math" panose="02040503050406030204" pitchFamily="18" charset="0"/>
-                                          </a:rPr>
-                                          <m:t>𝑖</m:t>
-                                        </m:r>
-                                      </m:sub>
-                                    </m:sSub>
-                                  </m:sup>
-                                </m:sSup>
-                              </m:e>
-                            </m:d>
-                          </m:e>
-                        </m:func>
-                      </m:e>
-                    </m:nary>
-                    <m:r>
-                      <a:rPr lang="en-US" i="1">
-                        <a:latin typeface="Cambria Math" panose="02040503050406030204" pitchFamily="18" charset="0"/>
-                      </a:rPr>
-                      <m:t>, </m:t>
-                    </m:r>
-                    <m:r>
-                      <a:rPr lang="en-US" b="0" i="1" smtClean="0">
-                        <a:latin typeface="Cambria Math" panose="02040503050406030204" pitchFamily="18" charset="0"/>
-                      </a:rPr>
-                      <m:t> </m:t>
-                    </m:r>
-                    <m:sSub>
-                      <m:sSubPr>
-                        <m:ctrlPr>
-                          <a:rPr lang="en-US" b="0" i="1" smtClean="0">
-                            <a:latin typeface="Cambria Math" panose="02040503050406030204" pitchFamily="18" charset="0"/>
-                          </a:rPr>
-                        </m:ctrlPr>
-                      </m:sSubPr>
-                      <m:e>
-                        <m:r>
-                          <a:rPr lang="en-US" i="1">
-                            <a:latin typeface="Cambria Math" panose="02040503050406030204" pitchFamily="18" charset="0"/>
-                          </a:rPr>
-                          <m:t>𝑧</m:t>
-                        </m:r>
-                      </m:e>
-                      <m:sub>
-                        <m:r>
-                          <a:rPr lang="en-US" b="0" i="1" smtClean="0">
-                            <a:latin typeface="Cambria Math" panose="02040503050406030204" pitchFamily="18" charset="0"/>
-                          </a:rPr>
-                          <m:t>𝑖</m:t>
-                        </m:r>
-                      </m:sub>
-                    </m:sSub>
-                    <m:r>
-                      <a:rPr lang="en-US" i="1">
-                        <a:latin typeface="Cambria Math" panose="02040503050406030204" pitchFamily="18" charset="0"/>
-                      </a:rPr>
-                      <m:t>=</m:t>
-                    </m:r>
-                    <m:sSubSup>
-                      <m:sSubSupPr>
-                        <m:ctrlPr>
-                          <a:rPr lang="en-US" i="1">
-                            <a:latin typeface="Cambria Math" panose="02040503050406030204" pitchFamily="18" charset="0"/>
-                          </a:rPr>
-                        </m:ctrlPr>
-                      </m:sSubSupPr>
-                      <m:e>
-                        <m:r>
-                          <a:rPr lang="en-US" b="1" i="1">
-                            <a:latin typeface="Cambria Math" panose="02040503050406030204" pitchFamily="18" charset="0"/>
-                          </a:rPr>
-                          <m:t>𝒘</m:t>
-                        </m:r>
-                      </m:e>
-                      <m:sub>
-                        <m:r>
-                          <a:rPr lang="en-US" i="1">
-                            <a:latin typeface="Cambria Math" panose="02040503050406030204" pitchFamily="18" charset="0"/>
-                          </a:rPr>
-                          <m:t>1:</m:t>
-                        </m:r>
-                        <m:r>
-                          <a:rPr lang="en-US" i="1">
-                            <a:latin typeface="Cambria Math" panose="02040503050406030204" pitchFamily="18" charset="0"/>
-                          </a:rPr>
-                          <m:t>𝑝</m:t>
-                        </m:r>
-                      </m:sub>
-                      <m:sup>
-                        <m:r>
-                          <a:rPr lang="en-US" i="1">
-                            <a:latin typeface="Cambria Math" panose="02040503050406030204" pitchFamily="18" charset="0"/>
-                          </a:rPr>
-                          <m:t>𝑇</m:t>
-                        </m:r>
-                      </m:sup>
-                    </m:sSubSup>
-                    <m:sSub>
-                      <m:sSubPr>
-                        <m:ctrlPr>
-                          <a:rPr lang="en-US" b="1" i="1" smtClean="0">
-                            <a:latin typeface="Cambria Math" panose="02040503050406030204" pitchFamily="18" charset="0"/>
-                          </a:rPr>
-                        </m:ctrlPr>
-                      </m:sSubPr>
-                      <m:e>
-                        <m:r>
-                          <a:rPr lang="en-US" b="1" i="1">
-                            <a:latin typeface="Cambria Math" panose="02040503050406030204" pitchFamily="18" charset="0"/>
-                          </a:rPr>
-                          <m:t>𝒙</m:t>
-                        </m:r>
-                      </m:e>
-                      <m:sub>
-                        <m:r>
-                          <a:rPr lang="en-US" b="0" i="1" smtClean="0">
-                            <a:latin typeface="Cambria Math" panose="02040503050406030204" pitchFamily="18" charset="0"/>
-                          </a:rPr>
-                          <m:t>𝑖</m:t>
-                        </m:r>
-                      </m:sub>
-                    </m:sSub>
-                    <m:r>
-                      <a:rPr lang="en-US" i="1">
-                        <a:latin typeface="Cambria Math" panose="02040503050406030204" pitchFamily="18" charset="0"/>
-                      </a:rPr>
-                      <m:t>+</m:t>
-                    </m:r>
-                    <m:sSub>
-                      <m:sSubPr>
-                        <m:ctrlPr>
-                          <a:rPr lang="en-US" i="1">
-                            <a:latin typeface="Cambria Math" panose="02040503050406030204" pitchFamily="18" charset="0"/>
-                          </a:rPr>
-                        </m:ctrlPr>
-                      </m:sSubPr>
-                      <m:e>
-                        <m:r>
-                          <a:rPr lang="en-US" i="1">
-                            <a:latin typeface="Cambria Math" panose="02040503050406030204" pitchFamily="18" charset="0"/>
-                          </a:rPr>
-                          <m:t>𝑤</m:t>
-                        </m:r>
-                      </m:e>
-                      <m:sub>
-                        <m:r>
-                          <a:rPr lang="en-US" i="1">
-                            <a:latin typeface="Cambria Math" panose="02040503050406030204" pitchFamily="18" charset="0"/>
-                          </a:rPr>
-                          <m:t>0</m:t>
-                        </m:r>
-                      </m:sub>
-                    </m:sSub>
-                  </m:oMath>
-                </a14:m>
-                <a:endParaRPr lang="en-US" b="0" dirty="0"/>
-              </a:p>
-            </p:txBody>
-          </p:sp>
-        </mc:Choice>
-        <mc:Fallback xmlns="">
-          <p:sp>
-            <p:nvSpPr>
-              <p:cNvPr id="3" name="Content Placeholder 2">
-                <a:extLst>
-                  <a:ext uri="{FF2B5EF4-FFF2-40B4-BE49-F238E27FC236}">
-                    <a16:creationId xmlns:a16="http://schemas.microsoft.com/office/drawing/2014/main" id="{4CAC64C7-D216-4D4F-B198-DE8CF30BD107}"/>
-                  </a:ext>
-                </a:extLst>
-              </p:cNvPr>
-              <p:cNvSpPr>
-                <a:spLocks noGrp="1" noRot="1" noChangeAspect="1" noMove="1" noResize="1" noEditPoints="1" noAdjustHandles="1" noChangeArrowheads="1" noChangeShapeType="1" noTextEdit="1"/>
-              </p:cNvSpPr>
-              <p:nvPr>
-                <p:ph idx="1"/>
-              </p:nvPr>
-            </p:nvSpPr>
-            <p:spPr>
-              <a:blipFill>
-                <a:blip r:embed="rId2"/>
-                <a:stretch>
-                  <a:fillRect l="-1261" t="-1462" b="-26316"/>
-                </a:stretch>
-              </a:blipFill>
-            </p:spPr>
-            <p:txBody>
-              <a:bodyPr/>
-              <a:lstStyle/>
-              <a:p>
-                <a:r>
-                  <a:rPr lang="en-US">
-                    <a:noFill/>
-                  </a:rPr>
-                  <a:t> </a:t>
-                </a:r>
-              </a:p>
-            </p:txBody>
-          </p:sp>
-        </mc:Fallback>
-      </mc:AlternateContent>
-      <p:sp>
-        <p:nvSpPr>
-          <p:cNvPr id="4" name="Slide Number Placeholder 3">
-            <a:extLst>
-              <a:ext uri="{FF2B5EF4-FFF2-40B4-BE49-F238E27FC236}">
-                <a16:creationId xmlns:a16="http://schemas.microsoft.com/office/drawing/2014/main" id="{3BCD7A04-539C-4558-B078-A107FF598E8F}"/>
-              </a:ext>
-            </a:extLst>
-          </p:cNvPr>
-          <p:cNvSpPr>
-            <a:spLocks noGrp="1"/>
-          </p:cNvSpPr>
-          <p:nvPr>
-            <p:ph type="sldNum" sz="quarter" idx="12"/>
-          </p:nvPr>
-        </p:nvSpPr>
-        <p:spPr/>
-        <p:txBody>
-          <a:bodyPr/>
-          <a:lstStyle/>
-          <a:p>
-            <a:fld id="{629637A9-119A-49DA-BD12-AAC58B377D80}" type="slidenum">
-              <a:rPr lang="en-US" smtClean="0"/>
-              <a:t>6</a:t>
-            </a:fld>
-            <a:endParaRPr lang="en-US" dirty="0"/>
-          </a:p>
-        </p:txBody>
-      </p:sp>
-    </p:spTree>
-    <p:extLst>
-      <p:ext uri="{BB962C8B-B14F-4D97-AF65-F5344CB8AC3E}">
-        <p14:creationId xmlns:p14="http://schemas.microsoft.com/office/powerpoint/2010/main" val="460597352"/>
       </p:ext>
     </p:extLst>
   </p:cSld>
@@ -44333,6 +46005,15 @@
           <a:p>
             <a:r>
               <a:rPr lang="en-US" dirty="0"/>
+              <a:t>No analytic solution to minimize loss</a:t>
+            </a:r>
+          </a:p>
+          <a:p>
+            <a:endParaRPr lang="en-US" dirty="0"/>
+          </a:p>
+          <a:p>
+            <a:r>
+              <a:rPr lang="en-US" dirty="0"/>
               <a:t>Used </a:t>
             </a:r>
             <a:r>
@@ -44353,13 +46034,18 @@
             </a:r>
           </a:p>
           <a:p>
-            <a:endParaRPr lang="en-US" dirty="0"/>
+            <a:pPr lvl="1"/>
+            <a:r>
+              <a:rPr lang="en-US" dirty="0"/>
+              <a:t>Used built-in optimizer to minimize loss function</a:t>
+            </a:r>
           </a:p>
           <a:p>
-            <a:endParaRPr lang="en-US" dirty="0"/>
-          </a:p>
-          <a:p>
-            <a:endParaRPr lang="en-US" dirty="0"/>
+            <a:pPr lvl="1"/>
+            <a:r>
+              <a:rPr lang="en-US" dirty="0"/>
+              <a:t>Very fast and achieves good results</a:t>
+            </a:r>
           </a:p>
           <a:p>
             <a:endParaRPr lang="en-US" dirty="0"/>
@@ -44367,13 +46053,7 @@
           <a:p>
             <a:r>
               <a:rPr lang="en-US" dirty="0"/>
-              <a:t>Used built-in optimizer to minimize loss function</a:t>
-            </a:r>
-          </a:p>
-          <a:p>
-            <a:r>
-              <a:rPr lang="en-US" dirty="0"/>
-              <a:t>Questions:</a:t>
+              <a:t>Questions for today:</a:t>
             </a:r>
           </a:p>
           <a:p>
@@ -44423,10 +46103,10 @@
       </p:sp>
       <p:pic>
         <p:nvPicPr>
-          <p:cNvPr id="5" name="Picture 4">
+          <p:cNvPr id="8" name="Picture 7">
             <a:extLst>
               <a:ext uri="{FF2B5EF4-FFF2-40B4-BE49-F238E27FC236}">
-                <a16:creationId xmlns:a16="http://schemas.microsoft.com/office/drawing/2014/main" id="{73B50EFE-044A-4E1D-A8E5-AD17E35A85A9}"/>
+                <a16:creationId xmlns:a16="http://schemas.microsoft.com/office/drawing/2014/main" id="{A483BB5F-53F1-497F-BEC8-7808B55D1EE8}"/>
               </a:ext>
             </a:extLst>
           </p:cNvPr>
@@ -44443,8 +46123,8 @@
         </p:blipFill>
         <p:spPr>
           <a:xfrm>
-            <a:off x="1055143" y="2166615"/>
-            <a:ext cx="6348249" cy="740629"/>
+            <a:off x="6954798" y="2490656"/>
+            <a:ext cx="4940105" cy="938344"/>
           </a:xfrm>
           <a:prstGeom prst="rect">
             <a:avLst/>
@@ -44453,10 +46133,10 @@
       </p:pic>
       <p:pic>
         <p:nvPicPr>
-          <p:cNvPr id="6" name="Picture 5">
+          <p:cNvPr id="9" name="Picture 8">
             <a:extLst>
               <a:ext uri="{FF2B5EF4-FFF2-40B4-BE49-F238E27FC236}">
-                <a16:creationId xmlns:a16="http://schemas.microsoft.com/office/drawing/2014/main" id="{5B4E38FE-9A5E-46A9-84C8-6C6FCE15C037}"/>
+                <a16:creationId xmlns:a16="http://schemas.microsoft.com/office/drawing/2014/main" id="{BF3C27A8-C979-4512-B3EB-7E8C3427DFC1}"/>
               </a:ext>
             </a:extLst>
           </p:cNvPr>
@@ -44473,38 +46153,8 @@
         </p:blipFill>
         <p:spPr>
           <a:xfrm>
-            <a:off x="1055144" y="2907245"/>
-            <a:ext cx="2772659" cy="753068"/>
-          </a:xfrm>
-          <a:prstGeom prst="rect">
-            <a:avLst/>
-          </a:prstGeom>
-        </p:spPr>
-      </p:pic>
-      <p:pic>
-        <p:nvPicPr>
-          <p:cNvPr id="7" name="Picture 6">
-            <a:extLst>
-              <a:ext uri="{FF2B5EF4-FFF2-40B4-BE49-F238E27FC236}">
-                <a16:creationId xmlns:a16="http://schemas.microsoft.com/office/drawing/2014/main" id="{12079351-762B-4228-B737-CDF37086CF51}"/>
-              </a:ext>
-            </a:extLst>
-          </p:cNvPr>
-          <p:cNvPicPr>
-            <a:picLocks noChangeAspect="1"/>
-          </p:cNvPicPr>
-          <p:nvPr/>
-        </p:nvPicPr>
-        <p:blipFill>
-          <a:blip r:embed="rId4"/>
-          <a:stretch>
-            <a:fillRect/>
-          </a:stretch>
-        </p:blipFill>
-        <p:spPr>
-          <a:xfrm>
-            <a:off x="7251962" y="1612306"/>
-            <a:ext cx="4488137" cy="3342946"/>
+            <a:off x="6952674" y="3814145"/>
+            <a:ext cx="4092474" cy="595269"/>
           </a:xfrm>
           <a:prstGeom prst="rect">
             <a:avLst/>
@@ -44521,6 +46171,395 @@
   <p:clrMapOvr>
     <a:masterClrMapping/>
   </p:clrMapOvr>
+  <p:timing>
+    <p:tnLst>
+      <p:par>
+        <p:cTn id="1" dur="indefinite" restart="never" nodeType="tmRoot">
+          <p:childTnLst>
+            <p:seq concurrent="1" nextAc="seek">
+              <p:cTn id="2" dur="indefinite" nodeType="mainSeq">
+                <p:childTnLst>
+                  <p:par>
+                    <p:cTn id="3" fill="hold">
+                      <p:stCondLst>
+                        <p:cond delay="indefinite"/>
+                      </p:stCondLst>
+                      <p:childTnLst>
+                        <p:par>
+                          <p:cTn id="4" fill="hold">
+                            <p:stCondLst>
+                              <p:cond delay="0"/>
+                            </p:stCondLst>
+                            <p:childTnLst>
+                              <p:par>
+                                <p:cTn id="5" presetID="1" presetClass="entr" presetSubtype="0" fill="hold" nodeType="clickEffect">
+                                  <p:stCondLst>
+                                    <p:cond delay="0"/>
+                                  </p:stCondLst>
+                                  <p:childTnLst>
+                                    <p:set>
+                                      <p:cBhvr>
+                                        <p:cTn id="6" dur="1" fill="hold">
+                                          <p:stCondLst>
+                                            <p:cond delay="0"/>
+                                          </p:stCondLst>
+                                        </p:cTn>
+                                        <p:tgtEl>
+                                          <p:spTgt spid="3">
+                                            <p:txEl>
+                                              <p:pRg st="0" end="0"/>
+                                            </p:txEl>
+                                          </p:spTgt>
+                                        </p:tgtEl>
+                                        <p:attrNameLst>
+                                          <p:attrName>style.visibility</p:attrName>
+                                        </p:attrNameLst>
+                                      </p:cBhvr>
+                                      <p:to>
+                                        <p:strVal val="visible"/>
+                                      </p:to>
+                                    </p:set>
+                                  </p:childTnLst>
+                                </p:cTn>
+                              </p:par>
+                            </p:childTnLst>
+                          </p:cTn>
+                        </p:par>
+                      </p:childTnLst>
+                    </p:cTn>
+                  </p:par>
+                  <p:par>
+                    <p:cTn id="7" fill="hold">
+                      <p:stCondLst>
+                        <p:cond delay="indefinite"/>
+                      </p:stCondLst>
+                      <p:childTnLst>
+                        <p:par>
+                          <p:cTn id="8" fill="hold">
+                            <p:stCondLst>
+                              <p:cond delay="0"/>
+                            </p:stCondLst>
+                            <p:childTnLst>
+                              <p:par>
+                                <p:cTn id="9" presetID="1" presetClass="entr" presetSubtype="0" fill="hold" nodeType="clickEffect">
+                                  <p:stCondLst>
+                                    <p:cond delay="0"/>
+                                  </p:stCondLst>
+                                  <p:childTnLst>
+                                    <p:set>
+                                      <p:cBhvr>
+                                        <p:cTn id="10" dur="1" fill="hold">
+                                          <p:stCondLst>
+                                            <p:cond delay="0"/>
+                                          </p:stCondLst>
+                                        </p:cTn>
+                                        <p:tgtEl>
+                                          <p:spTgt spid="3">
+                                            <p:txEl>
+                                              <p:pRg st="2" end="2"/>
+                                            </p:txEl>
+                                          </p:spTgt>
+                                        </p:tgtEl>
+                                        <p:attrNameLst>
+                                          <p:attrName>style.visibility</p:attrName>
+                                        </p:attrNameLst>
+                                      </p:cBhvr>
+                                      <p:to>
+                                        <p:strVal val="visible"/>
+                                      </p:to>
+                                    </p:set>
+                                  </p:childTnLst>
+                                </p:cTn>
+                              </p:par>
+                              <p:par>
+                                <p:cTn id="11" presetID="1" presetClass="entr" presetSubtype="0" fill="hold" nodeType="withEffect">
+                                  <p:stCondLst>
+                                    <p:cond delay="0"/>
+                                  </p:stCondLst>
+                                  <p:childTnLst>
+                                    <p:set>
+                                      <p:cBhvr>
+                                        <p:cTn id="12" dur="1" fill="hold">
+                                          <p:stCondLst>
+                                            <p:cond delay="0"/>
+                                          </p:stCondLst>
+                                        </p:cTn>
+                                        <p:tgtEl>
+                                          <p:spTgt spid="3">
+                                            <p:txEl>
+                                              <p:pRg st="3" end="3"/>
+                                            </p:txEl>
+                                          </p:spTgt>
+                                        </p:tgtEl>
+                                        <p:attrNameLst>
+                                          <p:attrName>style.visibility</p:attrName>
+                                        </p:attrNameLst>
+                                      </p:cBhvr>
+                                      <p:to>
+                                        <p:strVal val="visible"/>
+                                      </p:to>
+                                    </p:set>
+                                  </p:childTnLst>
+                                </p:cTn>
+                              </p:par>
+                              <p:par>
+                                <p:cTn id="13" presetID="1" presetClass="entr" presetSubtype="0" fill="hold" nodeType="withEffect">
+                                  <p:stCondLst>
+                                    <p:cond delay="0"/>
+                                  </p:stCondLst>
+                                  <p:childTnLst>
+                                    <p:set>
+                                      <p:cBhvr>
+                                        <p:cTn id="14" dur="1" fill="hold">
+                                          <p:stCondLst>
+                                            <p:cond delay="0"/>
+                                          </p:stCondLst>
+                                        </p:cTn>
+                                        <p:tgtEl>
+                                          <p:spTgt spid="3">
+                                            <p:txEl>
+                                              <p:pRg st="4" end="4"/>
+                                            </p:txEl>
+                                          </p:spTgt>
+                                        </p:tgtEl>
+                                        <p:attrNameLst>
+                                          <p:attrName>style.visibility</p:attrName>
+                                        </p:attrNameLst>
+                                      </p:cBhvr>
+                                      <p:to>
+                                        <p:strVal val="visible"/>
+                                      </p:to>
+                                    </p:set>
+                                  </p:childTnLst>
+                                </p:cTn>
+                              </p:par>
+                            </p:childTnLst>
+                          </p:cTn>
+                        </p:par>
+                        <p:par>
+                          <p:cTn id="15" fill="hold">
+                            <p:stCondLst>
+                              <p:cond delay="0"/>
+                            </p:stCondLst>
+                            <p:childTnLst>
+                              <p:par>
+                                <p:cTn id="16" presetID="10" presetClass="entr" presetSubtype="0" fill="hold" nodeType="afterEffect">
+                                  <p:stCondLst>
+                                    <p:cond delay="0"/>
+                                  </p:stCondLst>
+                                  <p:childTnLst>
+                                    <p:set>
+                                      <p:cBhvr>
+                                        <p:cTn id="17" dur="1" fill="hold">
+                                          <p:stCondLst>
+                                            <p:cond delay="0"/>
+                                          </p:stCondLst>
+                                        </p:cTn>
+                                        <p:tgtEl>
+                                          <p:spTgt spid="8"/>
+                                        </p:tgtEl>
+                                        <p:attrNameLst>
+                                          <p:attrName>style.visibility</p:attrName>
+                                        </p:attrNameLst>
+                                      </p:cBhvr>
+                                      <p:to>
+                                        <p:strVal val="visible"/>
+                                      </p:to>
+                                    </p:set>
+                                    <p:animEffect transition="in" filter="fade">
+                                      <p:cBhvr>
+                                        <p:cTn id="18" dur="500"/>
+                                        <p:tgtEl>
+                                          <p:spTgt spid="8"/>
+                                        </p:tgtEl>
+                                      </p:cBhvr>
+                                    </p:animEffect>
+                                  </p:childTnLst>
+                                </p:cTn>
+                              </p:par>
+                            </p:childTnLst>
+                          </p:cTn>
+                        </p:par>
+                        <p:par>
+                          <p:cTn id="19" fill="hold">
+                            <p:stCondLst>
+                              <p:cond delay="500"/>
+                            </p:stCondLst>
+                            <p:childTnLst>
+                              <p:par>
+                                <p:cTn id="20" presetID="10" presetClass="entr" presetSubtype="0" fill="hold" nodeType="afterEffect">
+                                  <p:stCondLst>
+                                    <p:cond delay="0"/>
+                                  </p:stCondLst>
+                                  <p:childTnLst>
+                                    <p:set>
+                                      <p:cBhvr>
+                                        <p:cTn id="21" dur="1" fill="hold">
+                                          <p:stCondLst>
+                                            <p:cond delay="0"/>
+                                          </p:stCondLst>
+                                        </p:cTn>
+                                        <p:tgtEl>
+                                          <p:spTgt spid="9"/>
+                                        </p:tgtEl>
+                                        <p:attrNameLst>
+                                          <p:attrName>style.visibility</p:attrName>
+                                        </p:attrNameLst>
+                                      </p:cBhvr>
+                                      <p:to>
+                                        <p:strVal val="visible"/>
+                                      </p:to>
+                                    </p:set>
+                                    <p:animEffect transition="in" filter="fade">
+                                      <p:cBhvr>
+                                        <p:cTn id="22" dur="500"/>
+                                        <p:tgtEl>
+                                          <p:spTgt spid="9"/>
+                                        </p:tgtEl>
+                                      </p:cBhvr>
+                                    </p:animEffect>
+                                  </p:childTnLst>
+                                </p:cTn>
+                              </p:par>
+                            </p:childTnLst>
+                          </p:cTn>
+                        </p:par>
+                      </p:childTnLst>
+                    </p:cTn>
+                  </p:par>
+                  <p:par>
+                    <p:cTn id="23" fill="hold">
+                      <p:stCondLst>
+                        <p:cond delay="indefinite"/>
+                      </p:stCondLst>
+                      <p:childTnLst>
+                        <p:par>
+                          <p:cTn id="24" fill="hold">
+                            <p:stCondLst>
+                              <p:cond delay="0"/>
+                            </p:stCondLst>
+                            <p:childTnLst>
+                              <p:par>
+                                <p:cTn id="25" presetID="1" presetClass="entr" presetSubtype="0" fill="hold" nodeType="clickEffect">
+                                  <p:stCondLst>
+                                    <p:cond delay="0"/>
+                                  </p:stCondLst>
+                                  <p:childTnLst>
+                                    <p:set>
+                                      <p:cBhvr>
+                                        <p:cTn id="26" dur="1" fill="hold">
+                                          <p:stCondLst>
+                                            <p:cond delay="0"/>
+                                          </p:stCondLst>
+                                        </p:cTn>
+                                        <p:tgtEl>
+                                          <p:spTgt spid="3">
+                                            <p:txEl>
+                                              <p:pRg st="6" end="6"/>
+                                            </p:txEl>
+                                          </p:spTgt>
+                                        </p:tgtEl>
+                                        <p:attrNameLst>
+                                          <p:attrName>style.visibility</p:attrName>
+                                        </p:attrNameLst>
+                                      </p:cBhvr>
+                                      <p:to>
+                                        <p:strVal val="visible"/>
+                                      </p:to>
+                                    </p:set>
+                                  </p:childTnLst>
+                                </p:cTn>
+                              </p:par>
+                              <p:par>
+                                <p:cTn id="27" presetID="1" presetClass="entr" presetSubtype="0" fill="hold" nodeType="withEffect">
+                                  <p:stCondLst>
+                                    <p:cond delay="0"/>
+                                  </p:stCondLst>
+                                  <p:childTnLst>
+                                    <p:set>
+                                      <p:cBhvr>
+                                        <p:cTn id="28" dur="1" fill="hold">
+                                          <p:stCondLst>
+                                            <p:cond delay="0"/>
+                                          </p:stCondLst>
+                                        </p:cTn>
+                                        <p:tgtEl>
+                                          <p:spTgt spid="3">
+                                            <p:txEl>
+                                              <p:pRg st="7" end="7"/>
+                                            </p:txEl>
+                                          </p:spTgt>
+                                        </p:tgtEl>
+                                        <p:attrNameLst>
+                                          <p:attrName>style.visibility</p:attrName>
+                                        </p:attrNameLst>
+                                      </p:cBhvr>
+                                      <p:to>
+                                        <p:strVal val="visible"/>
+                                      </p:to>
+                                    </p:set>
+                                  </p:childTnLst>
+                                </p:cTn>
+                              </p:par>
+                              <p:par>
+                                <p:cTn id="29" presetID="1" presetClass="entr" presetSubtype="0" fill="hold" nodeType="withEffect">
+                                  <p:stCondLst>
+                                    <p:cond delay="0"/>
+                                  </p:stCondLst>
+                                  <p:childTnLst>
+                                    <p:set>
+                                      <p:cBhvr>
+                                        <p:cTn id="30" dur="1" fill="hold">
+                                          <p:stCondLst>
+                                            <p:cond delay="0"/>
+                                          </p:stCondLst>
+                                        </p:cTn>
+                                        <p:tgtEl>
+                                          <p:spTgt spid="3">
+                                            <p:txEl>
+                                              <p:pRg st="8" end="8"/>
+                                            </p:txEl>
+                                          </p:spTgt>
+                                        </p:tgtEl>
+                                        <p:attrNameLst>
+                                          <p:attrName>style.visibility</p:attrName>
+                                        </p:attrNameLst>
+                                      </p:cBhvr>
+                                      <p:to>
+                                        <p:strVal val="visible"/>
+                                      </p:to>
+                                    </p:set>
+                                  </p:childTnLst>
+                                </p:cTn>
+                              </p:par>
+                            </p:childTnLst>
+                          </p:cTn>
+                        </p:par>
+                      </p:childTnLst>
+                    </p:cTn>
+                  </p:par>
+                </p:childTnLst>
+              </p:cTn>
+              <p:prevCondLst>
+                <p:cond evt="onPrev" delay="0">
+                  <p:tgtEl>
+                    <p:sldTgt/>
+                  </p:tgtEl>
+                </p:cond>
+              </p:prevCondLst>
+              <p:nextCondLst>
+                <p:cond evt="onNext" delay="0">
+                  <p:tgtEl>
+                    <p:sldTgt/>
+                  </p:tgtEl>
+                </p:cond>
+              </p:nextCondLst>
+            </p:seq>
+          </p:childTnLst>
+        </p:cTn>
+      </p:par>
+    </p:tnLst>
+  </p:timing>
 </p:sld>
 </file>
 
